--- a/Ames_project/Slide_deck.pptx
+++ b/Ames_project/Slide_deck.pptx
@@ -2,12 +2,31 @@
 <file path=ppt/presentation.xml><?xml version="1.0" encoding="utf-8"?>
 <p:presentation xmlns:a="http://schemas.openxmlformats.org/drawingml/2006/main" xmlns:r="http://schemas.openxmlformats.org/officeDocument/2006/relationships" xmlns:p="http://schemas.openxmlformats.org/presentationml/2006/main" saveSubsetFonts="1">
   <p:sldMasterIdLst>
-    <p:sldMasterId id="2147483648" r:id="rId1"/>
+    <p:sldMasterId id="2147483660" r:id="rId1"/>
   </p:sldMasterIdLst>
   <p:sldIdLst>
     <p:sldId id="256" r:id="rId2"/>
     <p:sldId id="257" r:id="rId3"/>
     <p:sldId id="258" r:id="rId4"/>
+    <p:sldId id="259" r:id="rId5"/>
+    <p:sldId id="260" r:id="rId6"/>
+    <p:sldId id="261" r:id="rId7"/>
+    <p:sldId id="262" r:id="rId8"/>
+    <p:sldId id="263" r:id="rId9"/>
+    <p:sldId id="264" r:id="rId10"/>
+    <p:sldId id="265" r:id="rId11"/>
+    <p:sldId id="266" r:id="rId12"/>
+    <p:sldId id="267" r:id="rId13"/>
+    <p:sldId id="268" r:id="rId14"/>
+    <p:sldId id="269" r:id="rId15"/>
+    <p:sldId id="270" r:id="rId16"/>
+    <p:sldId id="271" r:id="rId17"/>
+    <p:sldId id="282" r:id="rId18"/>
+    <p:sldId id="272" r:id="rId19"/>
+    <p:sldId id="273" r:id="rId20"/>
+    <p:sldId id="274" r:id="rId21"/>
+    <p:sldId id="275" r:id="rId22"/>
+    <p:sldId id="276" r:id="rId23"/>
   </p:sldIdLst>
   <p:sldSz cx="12192000" cy="6858000"/>
   <p:notesSz cx="6858000" cy="9144000"/>
@@ -106,11 +125,16 @@
       </a:defRPr>
     </a:lvl9pPr>
   </p:defaultTextStyle>
+  <p:extLst>
+    <p:ext uri="{EFAFB233-063F-42B5-8137-9DF3F51BA10A}">
+      <p15:sldGuideLst xmlns:p15="http://schemas.microsoft.com/office/powerpoint/2012/main"/>
+    </p:ext>
+  </p:extLst>
 </p:presentation>
 </file>
 
 <file path=ppt/slideLayouts/slideLayout1.xml><?xml version="1.0" encoding="utf-8"?>
-<p:sldLayout xmlns:a="http://schemas.openxmlformats.org/drawingml/2006/main" xmlns:r="http://schemas.openxmlformats.org/officeDocument/2006/relationships" xmlns:p="http://schemas.openxmlformats.org/presentationml/2006/main" type="title" preserve="1">
+<p:sldLayout xmlns:a="http://schemas.openxmlformats.org/drawingml/2006/main" xmlns:r="http://schemas.openxmlformats.org/officeDocument/2006/relationships" xmlns:p="http://schemas.openxmlformats.org/presentationml/2006/main" showMasterSp="0" type="title" preserve="1">
   <p:cSld name="Title Slide">
     <p:spTree>
       <p:nvGrpSpPr>
@@ -128,25 +152,113 @@
       </p:grpSpPr>
       <p:sp>
         <p:nvSpPr>
-          <p:cNvPr id="2" name="Title 1"/>
-          <p:cNvSpPr>
-            <a:spLocks noGrp="1"/>
-          </p:cNvSpPr>
-          <p:nvPr>
-            <p:ph type="ctrTitle"/>
-          </p:nvPr>
+          <p:cNvPr id="7" name="Rectangle 6"/>
+          <p:cNvSpPr/>
+          <p:nvPr/>
         </p:nvSpPr>
         <p:spPr>
           <a:xfrm>
-            <a:off x="1524000" y="1122363"/>
-            <a:ext cx="9144000" cy="2387600"/>
+            <a:off x="3175" y="6400800"/>
+            <a:ext cx="12188825" cy="457200"/>
+          </a:xfrm>
+          <a:prstGeom prst="rect">
+            <a:avLst/>
+          </a:prstGeom>
+          <a:solidFill>
+            <a:schemeClr val="accent2"/>
+          </a:solidFill>
+          <a:ln>
+            <a:noFill/>
+          </a:ln>
+        </p:spPr>
+        <p:style>
+          <a:lnRef idx="2">
+            <a:schemeClr val="accent1">
+              <a:shade val="50000"/>
+            </a:schemeClr>
+          </a:lnRef>
+          <a:fillRef idx="1">
+            <a:schemeClr val="accent1"/>
+          </a:fillRef>
+          <a:effectRef idx="0">
+            <a:schemeClr val="accent1"/>
+          </a:effectRef>
+          <a:fontRef idx="minor">
+            <a:schemeClr val="lt1"/>
+          </a:fontRef>
+        </p:style>
+      </p:sp>
+      <p:sp>
+        <p:nvSpPr>
+          <p:cNvPr id="8" name="Rectangle 7"/>
+          <p:cNvSpPr/>
+          <p:nvPr/>
+        </p:nvSpPr>
+        <p:spPr>
+          <a:xfrm>
+            <a:off x="15" y="6334316"/>
+            <a:ext cx="12188825" cy="64008"/>
+          </a:xfrm>
+          <a:prstGeom prst="rect">
+            <a:avLst/>
+          </a:prstGeom>
+          <a:solidFill>
+            <a:schemeClr val="accent1"/>
+          </a:solidFill>
+          <a:ln>
+            <a:noFill/>
+          </a:ln>
+        </p:spPr>
+        <p:style>
+          <a:lnRef idx="2">
+            <a:schemeClr val="accent1">
+              <a:shade val="50000"/>
+            </a:schemeClr>
+          </a:lnRef>
+          <a:fillRef idx="1">
+            <a:schemeClr val="accent1"/>
+          </a:fillRef>
+          <a:effectRef idx="0">
+            <a:schemeClr val="accent1"/>
+          </a:effectRef>
+          <a:fontRef idx="minor">
+            <a:schemeClr val="lt1"/>
+          </a:fontRef>
+        </p:style>
+      </p:sp>
+      <p:sp>
+        <p:nvSpPr>
+          <p:cNvPr id="2" name="Title 1"/>
+          <p:cNvSpPr>
+            <a:spLocks noGrp="1"/>
+          </p:cNvSpPr>
+          <p:nvPr>
+            <p:ph type="ctrTitle"/>
+          </p:nvPr>
+        </p:nvSpPr>
+        <p:spPr>
+          <a:xfrm>
+            <a:off x="1097280" y="758952"/>
+            <a:ext cx="10058400" cy="3566160"/>
           </a:xfrm>
         </p:spPr>
         <p:txBody>
-          <a:bodyPr anchor="b"/>
+          <a:bodyPr anchor="b">
+            <a:normAutofit/>
+          </a:bodyPr>
           <a:lstStyle>
-            <a:lvl1pPr algn="ctr">
-              <a:defRPr sz="6000"/>
+            <a:lvl1pPr algn="l">
+              <a:lnSpc>
+                <a:spcPct val="85000"/>
+              </a:lnSpc>
+              <a:defRPr sz="8000" spc="-50" baseline="0">
+                <a:solidFill>
+                  <a:schemeClr val="tx1">
+                    <a:lumMod val="85000"/>
+                    <a:lumOff val="15000"/>
+                  </a:schemeClr>
+                </a:solidFill>
+              </a:defRPr>
             </a:lvl1pPr>
           </a:lstStyle>
           <a:p>
@@ -154,7 +266,7 @@
               <a:rPr lang="en-US" smtClean="0"/>
               <a:t>Click to edit Master title style</a:t>
             </a:r>
-            <a:endParaRPr lang="en-US"/>
+            <a:endParaRPr lang="en-US" dirty="0"/>
           </a:p>
         </p:txBody>
       </p:sp>
@@ -170,48 +282,55 @@
         </p:nvSpPr>
         <p:spPr>
           <a:xfrm>
-            <a:off x="1524000" y="3602038"/>
-            <a:ext cx="9144000" cy="1655762"/>
+            <a:off x="1100051" y="4455620"/>
+            <a:ext cx="10058400" cy="1143000"/>
           </a:xfrm>
         </p:spPr>
         <p:txBody>
-          <a:bodyPr/>
+          <a:bodyPr lIns="91440" rIns="91440">
+            <a:normAutofit/>
+          </a:bodyPr>
           <a:lstStyle>
-            <a:lvl1pPr marL="0" indent="0" algn="ctr">
+            <a:lvl1pPr marL="0" indent="0" algn="l">
               <a:buNone/>
-              <a:defRPr sz="2400"/>
+              <a:defRPr sz="2400" cap="all" spc="200" baseline="0">
+                <a:solidFill>
+                  <a:schemeClr val="tx2"/>
+                </a:solidFill>
+                <a:latin typeface="+mj-lt"/>
+              </a:defRPr>
             </a:lvl1pPr>
             <a:lvl2pPr marL="457200" indent="0" algn="ctr">
               <a:buNone/>
-              <a:defRPr sz="2000"/>
+              <a:defRPr sz="2400"/>
             </a:lvl2pPr>
             <a:lvl3pPr marL="914400" indent="0" algn="ctr">
               <a:buNone/>
-              <a:defRPr sz="1800"/>
+              <a:defRPr sz="2400"/>
             </a:lvl3pPr>
             <a:lvl4pPr marL="1371600" indent="0" algn="ctr">
               <a:buNone/>
-              <a:defRPr sz="1600"/>
+              <a:defRPr sz="2000"/>
             </a:lvl4pPr>
             <a:lvl5pPr marL="1828800" indent="0" algn="ctr">
               <a:buNone/>
-              <a:defRPr sz="1600"/>
+              <a:defRPr sz="2000"/>
             </a:lvl5pPr>
             <a:lvl6pPr marL="2286000" indent="0" algn="ctr">
               <a:buNone/>
-              <a:defRPr sz="1600"/>
+              <a:defRPr sz="2000"/>
             </a:lvl6pPr>
             <a:lvl7pPr marL="2743200" indent="0" algn="ctr">
               <a:buNone/>
-              <a:defRPr sz="1600"/>
+              <a:defRPr sz="2000"/>
             </a:lvl7pPr>
             <a:lvl8pPr marL="3200400" indent="0" algn="ctr">
               <a:buNone/>
-              <a:defRPr sz="1600"/>
+              <a:defRPr sz="2000"/>
             </a:lvl8pPr>
             <a:lvl9pPr marL="3657600" indent="0" algn="ctr">
               <a:buNone/>
-              <a:defRPr sz="1600"/>
+              <a:defRPr sz="2000"/>
             </a:lvl9pPr>
           </a:lstStyle>
           <a:p>
@@ -219,7 +338,7 @@
               <a:rPr lang="en-US" smtClean="0"/>
               <a:t>Click to edit Master subtitle style</a:t>
             </a:r>
-            <a:endParaRPr lang="en-US"/>
+            <a:endParaRPr lang="en-US" dirty="0"/>
           </a:p>
         </p:txBody>
       </p:sp>
@@ -288,10 +407,48 @@
           </a:p>
         </p:txBody>
       </p:sp>
+      <p:cxnSp>
+        <p:nvCxnSpPr>
+          <p:cNvPr id="9" name="Straight Connector 8"/>
+          <p:cNvCxnSpPr/>
+          <p:nvPr/>
+        </p:nvCxnSpPr>
+        <p:spPr>
+          <a:xfrm>
+            <a:off x="1207658" y="4343400"/>
+            <a:ext cx="9875520" cy="0"/>
+          </a:xfrm>
+          <a:prstGeom prst="line">
+            <a:avLst/>
+          </a:prstGeom>
+          <a:ln w="6350">
+            <a:solidFill>
+              <a:schemeClr val="tx1">
+                <a:lumMod val="50000"/>
+                <a:lumOff val="50000"/>
+              </a:schemeClr>
+            </a:solidFill>
+          </a:ln>
+        </p:spPr>
+        <p:style>
+          <a:lnRef idx="1">
+            <a:schemeClr val="accent1"/>
+          </a:lnRef>
+          <a:fillRef idx="0">
+            <a:schemeClr val="accent1"/>
+          </a:fillRef>
+          <a:effectRef idx="0">
+            <a:schemeClr val="accent1"/>
+          </a:effectRef>
+          <a:fontRef idx="minor">
+            <a:schemeClr val="tx1"/>
+          </a:fontRef>
+        </p:style>
+      </p:cxnSp>
     </p:spTree>
     <p:extLst>
       <p:ext uri="{BB962C8B-B14F-4D97-AF65-F5344CB8AC3E}">
-        <p14:creationId xmlns:p14="http://schemas.microsoft.com/office/powerpoint/2010/main" val="3605602176"/>
+        <p14:creationId xmlns:p14="http://schemas.microsoft.com/office/powerpoint/2010/main" val="3296907161"/>
       </p:ext>
     </p:extLst>
   </p:cSld>
@@ -337,7 +494,7 @@
               <a:rPr lang="en-US" smtClean="0"/>
               <a:t>Click to edit Master title style</a:t>
             </a:r>
-            <a:endParaRPr lang="en-US"/>
+            <a:endParaRPr lang="en-US" dirty="0"/>
           </a:p>
         </p:txBody>
       </p:sp>
@@ -353,7 +510,7 @@
         </p:nvSpPr>
         <p:spPr/>
         <p:txBody>
-          <a:bodyPr vert="eaVert"/>
+          <a:bodyPr vert="eaVert" lIns="45720" tIns="0" rIns="45720" bIns="0"/>
           <a:lstStyle/>
           <a:p>
             <a:pPr lvl="0"/>
@@ -389,7 +546,7 @@
               <a:rPr lang="en-US" smtClean="0"/>
               <a:t>Fifth level</a:t>
             </a:r>
-            <a:endParaRPr lang="en-US"/>
+            <a:endParaRPr lang="en-US" dirty="0"/>
           </a:p>
         </p:txBody>
       </p:sp>
@@ -461,7 +618,7 @@
     </p:spTree>
     <p:extLst>
       <p:ext uri="{BB962C8B-B14F-4D97-AF65-F5344CB8AC3E}">
-        <p14:creationId xmlns:p14="http://schemas.microsoft.com/office/powerpoint/2010/main" val="835065133"/>
+        <p14:creationId xmlns:p14="http://schemas.microsoft.com/office/powerpoint/2010/main" val="1830315454"/>
       </p:ext>
     </p:extLst>
   </p:cSld>
@@ -472,7 +629,7 @@
 </file>
 
 <file path=ppt/slideLayouts/slideLayout11.xml><?xml version="1.0" encoding="utf-8"?>
-<p:sldLayout xmlns:a="http://schemas.openxmlformats.org/drawingml/2006/main" xmlns:r="http://schemas.openxmlformats.org/officeDocument/2006/relationships" xmlns:p="http://schemas.openxmlformats.org/presentationml/2006/main" type="vertTitleAndTx" preserve="1">
+<p:sldLayout xmlns:a="http://schemas.openxmlformats.org/drawingml/2006/main" xmlns:r="http://schemas.openxmlformats.org/officeDocument/2006/relationships" xmlns:p="http://schemas.openxmlformats.org/presentationml/2006/main" showMasterSp="0" type="vertTitleAndTx" preserve="1">
   <p:cSld name="Vertical Title and Text">
     <p:spTree>
       <p:nvGrpSpPr>
@@ -490,18 +647,94 @@
       </p:grpSpPr>
       <p:sp>
         <p:nvSpPr>
-          <p:cNvPr id="2" name="Vertical Title 1"/>
-          <p:cNvSpPr>
-            <a:spLocks noGrp="1"/>
-          </p:cNvSpPr>
-          <p:nvPr>
-            <p:ph type="title" orient="vert"/>
-          </p:nvPr>
+          <p:cNvPr id="7" name="Rectangle 6"/>
+          <p:cNvSpPr/>
+          <p:nvPr/>
         </p:nvSpPr>
         <p:spPr>
           <a:xfrm>
-            <a:off x="8724900" y="365125"/>
-            <a:ext cx="2628900" cy="5811838"/>
+            <a:off x="3175" y="6400800"/>
+            <a:ext cx="12188825" cy="457200"/>
+          </a:xfrm>
+          <a:prstGeom prst="rect">
+            <a:avLst/>
+          </a:prstGeom>
+          <a:solidFill>
+            <a:schemeClr val="accent2"/>
+          </a:solidFill>
+          <a:ln>
+            <a:noFill/>
+          </a:ln>
+        </p:spPr>
+        <p:style>
+          <a:lnRef idx="2">
+            <a:schemeClr val="accent1">
+              <a:shade val="50000"/>
+            </a:schemeClr>
+          </a:lnRef>
+          <a:fillRef idx="1">
+            <a:schemeClr val="accent1"/>
+          </a:fillRef>
+          <a:effectRef idx="0">
+            <a:schemeClr val="accent1"/>
+          </a:effectRef>
+          <a:fontRef idx="minor">
+            <a:schemeClr val="lt1"/>
+          </a:fontRef>
+        </p:style>
+      </p:sp>
+      <p:sp>
+        <p:nvSpPr>
+          <p:cNvPr id="8" name="Rectangle 7"/>
+          <p:cNvSpPr/>
+          <p:nvPr/>
+        </p:nvSpPr>
+        <p:spPr>
+          <a:xfrm>
+            <a:off x="15" y="6334316"/>
+            <a:ext cx="12188825" cy="64008"/>
+          </a:xfrm>
+          <a:prstGeom prst="rect">
+            <a:avLst/>
+          </a:prstGeom>
+          <a:solidFill>
+            <a:schemeClr val="accent1"/>
+          </a:solidFill>
+          <a:ln>
+            <a:noFill/>
+          </a:ln>
+        </p:spPr>
+        <p:style>
+          <a:lnRef idx="2">
+            <a:schemeClr val="accent1">
+              <a:shade val="50000"/>
+            </a:schemeClr>
+          </a:lnRef>
+          <a:fillRef idx="1">
+            <a:schemeClr val="accent1"/>
+          </a:fillRef>
+          <a:effectRef idx="0">
+            <a:schemeClr val="accent1"/>
+          </a:effectRef>
+          <a:fontRef idx="minor">
+            <a:schemeClr val="lt1"/>
+          </a:fontRef>
+        </p:style>
+      </p:sp>
+      <p:sp>
+        <p:nvSpPr>
+          <p:cNvPr id="2" name="Vertical Title 1"/>
+          <p:cNvSpPr>
+            <a:spLocks noGrp="1"/>
+          </p:cNvSpPr>
+          <p:nvPr>
+            <p:ph type="title" orient="vert"/>
+          </p:nvPr>
+        </p:nvSpPr>
+        <p:spPr>
+          <a:xfrm>
+            <a:off x="8724900" y="414778"/>
+            <a:ext cx="2628900" cy="5757421"/>
           </a:xfrm>
         </p:spPr>
         <p:txBody>
@@ -512,7 +745,7 @@
               <a:rPr lang="en-US" smtClean="0"/>
               <a:t>Click to edit Master title style</a:t>
             </a:r>
-            <a:endParaRPr lang="en-US"/>
+            <a:endParaRPr lang="en-US" dirty="0"/>
           </a:p>
         </p:txBody>
       </p:sp>
@@ -528,12 +761,12 @@
         </p:nvSpPr>
         <p:spPr>
           <a:xfrm>
-            <a:off x="838200" y="365125"/>
-            <a:ext cx="7734300" cy="5811838"/>
+            <a:off x="838200" y="414778"/>
+            <a:ext cx="7734300" cy="5757422"/>
           </a:xfrm>
         </p:spPr>
         <p:txBody>
-          <a:bodyPr vert="eaVert"/>
+          <a:bodyPr vert="eaVert" lIns="45720" tIns="0" rIns="45720" bIns="0"/>
           <a:lstStyle/>
           <a:p>
             <a:pPr lvl="0"/>
@@ -569,7 +802,7 @@
               <a:rPr lang="en-US" smtClean="0"/>
               <a:t>Fifth level</a:t>
             </a:r>
-            <a:endParaRPr lang="en-US"/>
+            <a:endParaRPr lang="en-US" dirty="0"/>
           </a:p>
         </p:txBody>
       </p:sp>
@@ -641,7 +874,7 @@
     </p:spTree>
     <p:extLst>
       <p:ext uri="{BB962C8B-B14F-4D97-AF65-F5344CB8AC3E}">
-        <p14:creationId xmlns:p14="http://schemas.microsoft.com/office/powerpoint/2010/main" val="37817526"/>
+        <p14:creationId xmlns:p14="http://schemas.microsoft.com/office/powerpoint/2010/main" val="3189894126"/>
       </p:ext>
     </p:extLst>
   </p:cSld>
@@ -681,13 +914,17 @@
         <p:spPr/>
         <p:txBody>
           <a:bodyPr/>
-          <a:lstStyle/>
+          <a:lstStyle>
+            <a:lvl1pPr marL="0">
+              <a:defRPr/>
+            </a:lvl1pPr>
+          </a:lstStyle>
           <a:p>
             <a:r>
               <a:rPr lang="en-US" smtClean="0"/>
               <a:t>Click to edit Master title style</a:t>
             </a:r>
-            <a:endParaRPr lang="en-US"/>
+            <a:endParaRPr lang="en-US" dirty="0"/>
           </a:p>
         </p:txBody>
       </p:sp>
@@ -739,7 +976,7 @@
               <a:rPr lang="en-US" smtClean="0"/>
               <a:t>Fifth level</a:t>
             </a:r>
-            <a:endParaRPr lang="en-US"/>
+            <a:endParaRPr lang="en-US" dirty="0"/>
           </a:p>
         </p:txBody>
       </p:sp>
@@ -811,7 +1048,7 @@
     </p:spTree>
     <p:extLst>
       <p:ext uri="{BB962C8B-B14F-4D97-AF65-F5344CB8AC3E}">
-        <p14:creationId xmlns:p14="http://schemas.microsoft.com/office/powerpoint/2010/main" val="4158311971"/>
+        <p14:creationId xmlns:p14="http://schemas.microsoft.com/office/powerpoint/2010/main" val="4112765564"/>
       </p:ext>
     </p:extLst>
   </p:cSld>
@@ -822,8 +1059,16 @@
 </file>
 
 <file path=ppt/slideLayouts/slideLayout3.xml><?xml version="1.0" encoding="utf-8"?>
-<p:sldLayout xmlns:a="http://schemas.openxmlformats.org/drawingml/2006/main" xmlns:r="http://schemas.openxmlformats.org/officeDocument/2006/relationships" xmlns:p="http://schemas.openxmlformats.org/presentationml/2006/main" type="secHead" preserve="1">
+<p:sldLayout xmlns:a="http://schemas.openxmlformats.org/drawingml/2006/main" xmlns:r="http://schemas.openxmlformats.org/officeDocument/2006/relationships" xmlns:p="http://schemas.openxmlformats.org/presentationml/2006/main" showMasterSp="0" type="secHead" preserve="1">
   <p:cSld name="Section Header">
+    <p:bg>
+      <p:bgPr>
+        <a:solidFill>
+          <a:schemeClr val="bg1"/>
+        </a:solidFill>
+        <a:effectLst/>
+      </p:bgPr>
+    </p:bg>
     <p:spTree>
       <p:nvGrpSpPr>
         <p:cNvPr id="1" name=""/>
@@ -840,68 +1085,157 @@
       </p:grpSpPr>
       <p:sp>
         <p:nvSpPr>
-          <p:cNvPr id="2" name="Title 1"/>
-          <p:cNvSpPr>
-            <a:spLocks noGrp="1"/>
-          </p:cNvSpPr>
-          <p:nvPr>
-            <p:ph type="title"/>
-          </p:nvPr>
+          <p:cNvPr id="7" name="Rectangle 6"/>
+          <p:cNvSpPr/>
+          <p:nvPr/>
         </p:nvSpPr>
         <p:spPr>
           <a:xfrm>
-            <a:off x="831850" y="1709738"/>
-            <a:ext cx="10515600" cy="2852737"/>
+            <a:off x="3175" y="6400800"/>
+            <a:ext cx="12188825" cy="457200"/>
+          </a:xfrm>
+          <a:prstGeom prst="rect">
+            <a:avLst/>
+          </a:prstGeom>
+          <a:solidFill>
+            <a:schemeClr val="accent2"/>
+          </a:solidFill>
+          <a:ln>
+            <a:noFill/>
+          </a:ln>
+        </p:spPr>
+        <p:style>
+          <a:lnRef idx="2">
+            <a:schemeClr val="accent1">
+              <a:shade val="50000"/>
+            </a:schemeClr>
+          </a:lnRef>
+          <a:fillRef idx="1">
+            <a:schemeClr val="accent1"/>
+          </a:fillRef>
+          <a:effectRef idx="0">
+            <a:schemeClr val="accent1"/>
+          </a:effectRef>
+          <a:fontRef idx="minor">
+            <a:schemeClr val="lt1"/>
+          </a:fontRef>
+        </p:style>
+      </p:sp>
+      <p:sp>
+        <p:nvSpPr>
+          <p:cNvPr id="8" name="Rectangle 7"/>
+          <p:cNvSpPr/>
+          <p:nvPr/>
+        </p:nvSpPr>
+        <p:spPr>
+          <a:xfrm>
+            <a:off x="15" y="6334316"/>
+            <a:ext cx="12188825" cy="64008"/>
+          </a:xfrm>
+          <a:prstGeom prst="rect">
+            <a:avLst/>
+          </a:prstGeom>
+          <a:solidFill>
+            <a:schemeClr val="accent1"/>
+          </a:solidFill>
+          <a:ln>
+            <a:noFill/>
+          </a:ln>
+        </p:spPr>
+        <p:style>
+          <a:lnRef idx="2">
+            <a:schemeClr val="accent1">
+              <a:shade val="50000"/>
+            </a:schemeClr>
+          </a:lnRef>
+          <a:fillRef idx="1">
+            <a:schemeClr val="accent1"/>
+          </a:fillRef>
+          <a:effectRef idx="0">
+            <a:schemeClr val="accent1"/>
+          </a:effectRef>
+          <a:fontRef idx="minor">
+            <a:schemeClr val="lt1"/>
+          </a:fontRef>
+        </p:style>
+      </p:sp>
+      <p:sp>
+        <p:nvSpPr>
+          <p:cNvPr id="2" name="Title 1"/>
+          <p:cNvSpPr>
+            <a:spLocks noGrp="1"/>
+          </p:cNvSpPr>
+          <p:nvPr>
+            <p:ph type="title"/>
+          </p:nvPr>
+        </p:nvSpPr>
+        <p:spPr>
+          <a:xfrm>
+            <a:off x="1097280" y="758952"/>
+            <a:ext cx="10058400" cy="3566160"/>
           </a:xfrm>
         </p:spPr>
         <p:txBody>
-          <a:bodyPr anchor="b"/>
+          <a:bodyPr anchor="b" anchorCtr="0">
+            <a:normAutofit/>
+          </a:bodyPr>
           <a:lstStyle>
             <a:lvl1pPr>
-              <a:defRPr sz="6000"/>
-            </a:lvl1pPr>
-          </a:lstStyle>
-          <a:p>
-            <a:r>
-              <a:rPr lang="en-US" smtClean="0"/>
-              <a:t>Click to edit Master title style</a:t>
-            </a:r>
-            <a:endParaRPr lang="en-US"/>
-          </a:p>
-        </p:txBody>
-      </p:sp>
-      <p:sp>
-        <p:nvSpPr>
-          <p:cNvPr id="3" name="Text Placeholder 2"/>
-          <p:cNvSpPr>
-            <a:spLocks noGrp="1"/>
-          </p:cNvSpPr>
-          <p:nvPr>
-            <p:ph type="body" idx="1"/>
-          </p:nvPr>
-        </p:nvSpPr>
-        <p:spPr>
-          <a:xfrm>
-            <a:off x="831850" y="4589463"/>
-            <a:ext cx="10515600" cy="1500187"/>
-          </a:xfrm>
-        </p:spPr>
-        <p:txBody>
-          <a:bodyPr/>
-          <a:lstStyle>
-            <a:lvl1pPr marL="0" indent="0">
-              <a:buNone/>
-              <a:defRPr sz="2400">
+              <a:lnSpc>
+                <a:spcPct val="85000"/>
+              </a:lnSpc>
+              <a:defRPr sz="8000" b="0">
                 <a:solidFill>
                   <a:schemeClr val="tx1">
-                    <a:tint val="75000"/>
+                    <a:lumMod val="85000"/>
+                    <a:lumOff val="15000"/>
                   </a:schemeClr>
                 </a:solidFill>
               </a:defRPr>
             </a:lvl1pPr>
+          </a:lstStyle>
+          <a:p>
+            <a:r>
+              <a:rPr lang="en-US" smtClean="0"/>
+              <a:t>Click to edit Master title style</a:t>
+            </a:r>
+            <a:endParaRPr lang="en-US" dirty="0"/>
+          </a:p>
+        </p:txBody>
+      </p:sp>
+      <p:sp>
+        <p:nvSpPr>
+          <p:cNvPr id="3" name="Text Placeholder 2"/>
+          <p:cNvSpPr>
+            <a:spLocks noGrp="1"/>
+          </p:cNvSpPr>
+          <p:nvPr>
+            <p:ph type="body" idx="1"/>
+          </p:nvPr>
+        </p:nvSpPr>
+        <p:spPr>
+          <a:xfrm>
+            <a:off x="1097280" y="4453128"/>
+            <a:ext cx="10058400" cy="1143000"/>
+          </a:xfrm>
+        </p:spPr>
+        <p:txBody>
+          <a:bodyPr lIns="91440" rIns="91440" anchor="t" anchorCtr="0">
+            <a:normAutofit/>
+          </a:bodyPr>
+          <a:lstStyle>
+            <a:lvl1pPr marL="0" indent="0">
+              <a:buNone/>
+              <a:defRPr sz="2400" cap="all" spc="200" baseline="0">
+                <a:solidFill>
+                  <a:schemeClr val="tx2"/>
+                </a:solidFill>
+                <a:latin typeface="+mj-lt"/>
+              </a:defRPr>
+            </a:lvl1pPr>
             <a:lvl2pPr marL="457200" indent="0">
               <a:buNone/>
-              <a:defRPr sz="2000">
+              <a:defRPr sz="1800">
                 <a:solidFill>
                   <a:schemeClr val="tx1">
                     <a:tint val="75000"/>
@@ -911,7 +1245,7 @@
             </a:lvl2pPr>
             <a:lvl3pPr marL="914400" indent="0">
               <a:buNone/>
-              <a:defRPr sz="1800">
+              <a:defRPr sz="1600">
                 <a:solidFill>
                   <a:schemeClr val="tx1">
                     <a:tint val="75000"/>
@@ -921,7 +1255,7 @@
             </a:lvl3pPr>
             <a:lvl4pPr marL="1371600" indent="0">
               <a:buNone/>
-              <a:defRPr sz="1600">
+              <a:defRPr sz="1400">
                 <a:solidFill>
                   <a:schemeClr val="tx1">
                     <a:tint val="75000"/>
@@ -931,7 +1265,7 @@
             </a:lvl4pPr>
             <a:lvl5pPr marL="1828800" indent="0">
               <a:buNone/>
-              <a:defRPr sz="1600">
+              <a:defRPr sz="1400">
                 <a:solidFill>
                   <a:schemeClr val="tx1">
                     <a:tint val="75000"/>
@@ -941,7 +1275,7 @@
             </a:lvl5pPr>
             <a:lvl6pPr marL="2286000" indent="0">
               <a:buNone/>
-              <a:defRPr sz="1600">
+              <a:defRPr sz="1400">
                 <a:solidFill>
                   <a:schemeClr val="tx1">
                     <a:tint val="75000"/>
@@ -951,7 +1285,7 @@
             </a:lvl6pPr>
             <a:lvl7pPr marL="2743200" indent="0">
               <a:buNone/>
-              <a:defRPr sz="1600">
+              <a:defRPr sz="1400">
                 <a:solidFill>
                   <a:schemeClr val="tx1">
                     <a:tint val="75000"/>
@@ -961,7 +1295,7 @@
             </a:lvl7pPr>
             <a:lvl8pPr marL="3200400" indent="0">
               <a:buNone/>
-              <a:defRPr sz="1600">
+              <a:defRPr sz="1400">
                 <a:solidFill>
                   <a:schemeClr val="tx1">
                     <a:tint val="75000"/>
@@ -971,7 +1305,7 @@
             </a:lvl8pPr>
             <a:lvl9pPr marL="3657600" indent="0">
               <a:buNone/>
-              <a:defRPr sz="1600">
+              <a:defRPr sz="1400">
                 <a:solidFill>
                   <a:schemeClr val="tx1">
                     <a:tint val="75000"/>
@@ -1054,10 +1388,48 @@
           </a:p>
         </p:txBody>
       </p:sp>
+      <p:cxnSp>
+        <p:nvCxnSpPr>
+          <p:cNvPr id="9" name="Straight Connector 8"/>
+          <p:cNvCxnSpPr/>
+          <p:nvPr/>
+        </p:nvCxnSpPr>
+        <p:spPr>
+          <a:xfrm>
+            <a:off x="1207658" y="4343400"/>
+            <a:ext cx="9875520" cy="0"/>
+          </a:xfrm>
+          <a:prstGeom prst="line">
+            <a:avLst/>
+          </a:prstGeom>
+          <a:ln w="6350">
+            <a:solidFill>
+              <a:schemeClr val="tx1">
+                <a:lumMod val="50000"/>
+                <a:lumOff val="50000"/>
+              </a:schemeClr>
+            </a:solidFill>
+          </a:ln>
+        </p:spPr>
+        <p:style>
+          <a:lnRef idx="1">
+            <a:schemeClr val="accent1"/>
+          </a:lnRef>
+          <a:fillRef idx="0">
+            <a:schemeClr val="accent1"/>
+          </a:fillRef>
+          <a:effectRef idx="0">
+            <a:schemeClr val="accent1"/>
+          </a:effectRef>
+          <a:fontRef idx="minor">
+            <a:schemeClr val="tx1"/>
+          </a:fontRef>
+        </p:style>
+      </p:cxnSp>
     </p:spTree>
     <p:extLst>
       <p:ext uri="{BB962C8B-B14F-4D97-AF65-F5344CB8AC3E}">
-        <p14:creationId xmlns:p14="http://schemas.microsoft.com/office/powerpoint/2010/main" val="2490278303"/>
+        <p14:creationId xmlns:p14="http://schemas.microsoft.com/office/powerpoint/2010/main" val="823046256"/>
       </p:ext>
     </p:extLst>
   </p:cSld>
@@ -1086,98 +1458,46 @@
       </p:grpSpPr>
       <p:sp>
         <p:nvSpPr>
-          <p:cNvPr id="2" name="Title 1"/>
+          <p:cNvPr id="8" name="Title 7"/>
           <p:cNvSpPr>
             <a:spLocks noGrp="1"/>
           </p:cNvSpPr>
           <p:nvPr>
             <p:ph type="title"/>
-          </p:nvPr>
-        </p:nvSpPr>
-        <p:spPr/>
-        <p:txBody>
-          <a:bodyPr/>
-          <a:lstStyle/>
-          <a:p>
-            <a:r>
-              <a:rPr lang="en-US" smtClean="0"/>
-              <a:t>Click to edit Master title style</a:t>
-            </a:r>
-            <a:endParaRPr lang="en-US"/>
-          </a:p>
-        </p:txBody>
-      </p:sp>
-      <p:sp>
-        <p:nvSpPr>
-          <p:cNvPr id="3" name="Content Placeholder 2"/>
-          <p:cNvSpPr>
-            <a:spLocks noGrp="1"/>
-          </p:cNvSpPr>
-          <p:nvPr>
-            <p:ph sz="half" idx="1"/>
           </p:nvPr>
         </p:nvSpPr>
         <p:spPr>
           <a:xfrm>
-            <a:off x="838200" y="1825625"/>
-            <a:ext cx="5181600" cy="4351338"/>
+            <a:off x="1097280" y="286603"/>
+            <a:ext cx="10058400" cy="1450757"/>
           </a:xfrm>
         </p:spPr>
         <p:txBody>
           <a:bodyPr/>
           <a:lstStyle/>
           <a:p>
-            <a:pPr lvl="0"/>
-            <a:r>
-              <a:rPr lang="en-US" smtClean="0"/>
-              <a:t>Click to edit Master text styles</a:t>
-            </a:r>
-          </a:p>
-          <a:p>
-            <a:pPr lvl="1"/>
-            <a:r>
-              <a:rPr lang="en-US" smtClean="0"/>
-              <a:t>Second level</a:t>
-            </a:r>
-          </a:p>
-          <a:p>
-            <a:pPr lvl="2"/>
-            <a:r>
-              <a:rPr lang="en-US" smtClean="0"/>
-              <a:t>Third level</a:t>
-            </a:r>
-          </a:p>
-          <a:p>
-            <a:pPr lvl="3"/>
-            <a:r>
-              <a:rPr lang="en-US" smtClean="0"/>
-              <a:t>Fourth level</a:t>
-            </a:r>
-          </a:p>
-          <a:p>
-            <a:pPr lvl="4"/>
-            <a:r>
-              <a:rPr lang="en-US" smtClean="0"/>
-              <a:t>Fifth level</a:t>
-            </a:r>
-            <a:endParaRPr lang="en-US"/>
-          </a:p>
-        </p:txBody>
-      </p:sp>
-      <p:sp>
-        <p:nvSpPr>
-          <p:cNvPr id="4" name="Content Placeholder 3"/>
-          <p:cNvSpPr>
-            <a:spLocks noGrp="1"/>
-          </p:cNvSpPr>
-          <p:nvPr>
-            <p:ph sz="half" idx="2"/>
+            <a:r>
+              <a:rPr lang="en-US" smtClean="0"/>
+              <a:t>Click to edit Master title style</a:t>
+            </a:r>
+            <a:endParaRPr lang="en-US" dirty="0"/>
+          </a:p>
+        </p:txBody>
+      </p:sp>
+      <p:sp>
+        <p:nvSpPr>
+          <p:cNvPr id="3" name="Content Placeholder 2"/>
+          <p:cNvSpPr>
+            <a:spLocks noGrp="1"/>
+          </p:cNvSpPr>
+          <p:nvPr>
+            <p:ph sz="half" idx="1"/>
           </p:nvPr>
         </p:nvSpPr>
         <p:spPr>
           <a:xfrm>
-            <a:off x="6172200" y="1825625"/>
-            <a:ext cx="5181600" cy="4351338"/>
+            <a:off x="1097279" y="1845734"/>
+            <a:ext cx="4937760" cy="4023360"/>
           </a:xfrm>
         </p:spPr>
         <p:txBody>
@@ -1217,7 +1537,64 @@
               <a:rPr lang="en-US" smtClean="0"/>
               <a:t>Fifth level</a:t>
             </a:r>
-            <a:endParaRPr lang="en-US"/>
+            <a:endParaRPr lang="en-US" dirty="0"/>
+          </a:p>
+        </p:txBody>
+      </p:sp>
+      <p:sp>
+        <p:nvSpPr>
+          <p:cNvPr id="4" name="Content Placeholder 3"/>
+          <p:cNvSpPr>
+            <a:spLocks noGrp="1"/>
+          </p:cNvSpPr>
+          <p:nvPr>
+            <p:ph sz="half" idx="2"/>
+          </p:nvPr>
+        </p:nvSpPr>
+        <p:spPr>
+          <a:xfrm>
+            <a:off x="6217920" y="1845735"/>
+            <a:ext cx="4937760" cy="4023360"/>
+          </a:xfrm>
+        </p:spPr>
+        <p:txBody>
+          <a:bodyPr/>
+          <a:lstStyle/>
+          <a:p>
+            <a:pPr lvl="0"/>
+            <a:r>
+              <a:rPr lang="en-US" smtClean="0"/>
+              <a:t>Click to edit Master text styles</a:t>
+            </a:r>
+          </a:p>
+          <a:p>
+            <a:pPr lvl="1"/>
+            <a:r>
+              <a:rPr lang="en-US" smtClean="0"/>
+              <a:t>Second level</a:t>
+            </a:r>
+          </a:p>
+          <a:p>
+            <a:pPr lvl="2"/>
+            <a:r>
+              <a:rPr lang="en-US" smtClean="0"/>
+              <a:t>Third level</a:t>
+            </a:r>
+          </a:p>
+          <a:p>
+            <a:pPr lvl="3"/>
+            <a:r>
+              <a:rPr lang="en-US" smtClean="0"/>
+              <a:t>Fourth level</a:t>
+            </a:r>
+          </a:p>
+          <a:p>
+            <a:pPr lvl="4"/>
+            <a:r>
+              <a:rPr lang="en-US" smtClean="0"/>
+              <a:t>Fifth level</a:t>
+            </a:r>
+            <a:endParaRPr lang="en-US" dirty="0"/>
           </a:p>
         </p:txBody>
       </p:sp>
@@ -1289,7 +1666,7 @@
     </p:spTree>
     <p:extLst>
       <p:ext uri="{BB962C8B-B14F-4D97-AF65-F5344CB8AC3E}">
-        <p14:creationId xmlns:p14="http://schemas.microsoft.com/office/powerpoint/2010/main" val="644253800"/>
+        <p14:creationId xmlns:p14="http://schemas.microsoft.com/office/powerpoint/2010/main" val="1374240795"/>
       </p:ext>
     </p:extLst>
   </p:cSld>
@@ -1318,7 +1695,7 @@
       </p:grpSpPr>
       <p:sp>
         <p:nvSpPr>
-          <p:cNvPr id="2" name="Title 1"/>
+          <p:cNvPr id="10" name="Title 9"/>
           <p:cNvSpPr>
             <a:spLocks noGrp="1"/>
           </p:cNvSpPr>
@@ -1328,8 +1705,8 @@
         </p:nvSpPr>
         <p:spPr>
           <a:xfrm>
-            <a:off x="839788" y="365125"/>
-            <a:ext cx="10515600" cy="1325563"/>
+            <a:off x="1097280" y="286603"/>
+            <a:ext cx="10058400" cy="1450757"/>
           </a:xfrm>
         </p:spPr>
         <p:txBody>
@@ -1340,7 +1717,7 @@
               <a:rPr lang="en-US" smtClean="0"/>
               <a:t>Click to edit Master title style</a:t>
             </a:r>
-            <a:endParaRPr lang="en-US"/>
+            <a:endParaRPr lang="en-US" dirty="0"/>
           </a:p>
         </p:txBody>
       </p:sp>
@@ -1356,16 +1733,22 @@
         </p:nvSpPr>
         <p:spPr>
           <a:xfrm>
-            <a:off x="839788" y="1681163"/>
-            <a:ext cx="5157787" cy="823912"/>
+            <a:off x="1097280" y="1846052"/>
+            <a:ext cx="4937760" cy="736282"/>
           </a:xfrm>
         </p:spPr>
         <p:txBody>
-          <a:bodyPr anchor="b"/>
+          <a:bodyPr lIns="91440" rIns="91440" anchor="ctr">
+            <a:normAutofit/>
+          </a:bodyPr>
           <a:lstStyle>
             <a:lvl1pPr marL="0" indent="0">
               <a:buNone/>
-              <a:defRPr sz="2400" b="1"/>
+              <a:defRPr sz="2000" b="0" cap="all" baseline="0">
+                <a:solidFill>
+                  <a:schemeClr val="tx2"/>
+                </a:solidFill>
+              </a:defRPr>
             </a:lvl1pPr>
             <a:lvl2pPr marL="457200" indent="0">
               <a:buNone/>
@@ -1421,8 +1804,8 @@
         </p:nvSpPr>
         <p:spPr>
           <a:xfrm>
-            <a:off x="839788" y="2505075"/>
-            <a:ext cx="5157787" cy="3684588"/>
+            <a:off x="1097280" y="2582334"/>
+            <a:ext cx="4937760" cy="3378200"/>
           </a:xfrm>
         </p:spPr>
         <p:txBody>
@@ -1462,7 +1845,7 @@
               <a:rPr lang="en-US" smtClean="0"/>
               <a:t>Fifth level</a:t>
             </a:r>
-            <a:endParaRPr lang="en-US"/>
+            <a:endParaRPr lang="en-US" dirty="0"/>
           </a:p>
         </p:txBody>
       </p:sp>
@@ -1478,16 +1861,22 @@
         </p:nvSpPr>
         <p:spPr>
           <a:xfrm>
-            <a:off x="6172200" y="1681163"/>
-            <a:ext cx="5183188" cy="823912"/>
+            <a:off x="6217920" y="1846052"/>
+            <a:ext cx="4937760" cy="736282"/>
           </a:xfrm>
         </p:spPr>
         <p:txBody>
-          <a:bodyPr anchor="b"/>
+          <a:bodyPr lIns="91440" rIns="91440" anchor="ctr">
+            <a:normAutofit/>
+          </a:bodyPr>
           <a:lstStyle>
             <a:lvl1pPr marL="0" indent="0">
               <a:buNone/>
-              <a:defRPr sz="2400" b="1"/>
+              <a:defRPr sz="2000" b="0" cap="all" baseline="0">
+                <a:solidFill>
+                  <a:schemeClr val="tx2"/>
+                </a:solidFill>
+              </a:defRPr>
             </a:lvl1pPr>
             <a:lvl2pPr marL="457200" indent="0">
               <a:buNone/>
@@ -1543,8 +1932,8 @@
         </p:nvSpPr>
         <p:spPr>
           <a:xfrm>
-            <a:off x="6172200" y="2505075"/>
-            <a:ext cx="5183188" cy="3684588"/>
+            <a:off x="6217920" y="2582334"/>
+            <a:ext cx="4937760" cy="3378200"/>
           </a:xfrm>
         </p:spPr>
         <p:txBody>
@@ -1584,7 +1973,7 @@
               <a:rPr lang="en-US" smtClean="0"/>
               <a:t>Fifth level</a:t>
             </a:r>
-            <a:endParaRPr lang="en-US"/>
+            <a:endParaRPr lang="en-US" dirty="0"/>
           </a:p>
         </p:txBody>
       </p:sp>
@@ -1656,7 +2045,7 @@
     </p:spTree>
     <p:extLst>
       <p:ext uri="{BB962C8B-B14F-4D97-AF65-F5344CB8AC3E}">
-        <p14:creationId xmlns:p14="http://schemas.microsoft.com/office/powerpoint/2010/main" val="2188654738"/>
+        <p14:creationId xmlns:p14="http://schemas.microsoft.com/office/powerpoint/2010/main" val="929900360"/>
       </p:ext>
     </p:extLst>
   </p:cSld>
@@ -1702,7 +2091,7 @@
               <a:rPr lang="en-US" smtClean="0"/>
               <a:t>Click to edit Master title style</a:t>
             </a:r>
-            <a:endParaRPr lang="en-US"/>
+            <a:endParaRPr lang="en-US" dirty="0"/>
           </a:p>
         </p:txBody>
       </p:sp>
@@ -1774,7 +2163,7 @@
     </p:spTree>
     <p:extLst>
       <p:ext uri="{BB962C8B-B14F-4D97-AF65-F5344CB8AC3E}">
-        <p14:creationId xmlns:p14="http://schemas.microsoft.com/office/powerpoint/2010/main" val="2920394456"/>
+        <p14:creationId xmlns:p14="http://schemas.microsoft.com/office/powerpoint/2010/main" val="3893501964"/>
       </p:ext>
     </p:extLst>
   </p:cSld>
@@ -1785,7 +2174,7 @@
 </file>
 
 <file path=ppt/slideLayouts/slideLayout7.xml><?xml version="1.0" encoding="utf-8"?>
-<p:sldLayout xmlns:a="http://schemas.openxmlformats.org/drawingml/2006/main" xmlns:r="http://schemas.openxmlformats.org/officeDocument/2006/relationships" xmlns:p="http://schemas.openxmlformats.org/presentationml/2006/main" type="blank" preserve="1">
+<p:sldLayout xmlns:a="http://schemas.openxmlformats.org/drawingml/2006/main" xmlns:r="http://schemas.openxmlformats.org/officeDocument/2006/relationships" xmlns:p="http://schemas.openxmlformats.org/presentationml/2006/main" showMasterSp="0" type="blank" preserve="1">
   <p:cSld name="Blank">
     <p:spTree>
       <p:nvGrpSpPr>
@@ -1803,7 +2192,83 @@
       </p:grpSpPr>
       <p:sp>
         <p:nvSpPr>
-          <p:cNvPr id="2" name="Date Placeholder 1"/>
+          <p:cNvPr id="5" name="Rectangle 4"/>
+          <p:cNvSpPr/>
+          <p:nvPr/>
+        </p:nvSpPr>
+        <p:spPr>
+          <a:xfrm>
+            <a:off x="3175" y="6400800"/>
+            <a:ext cx="12188825" cy="457200"/>
+          </a:xfrm>
+          <a:prstGeom prst="rect">
+            <a:avLst/>
+          </a:prstGeom>
+          <a:solidFill>
+            <a:schemeClr val="accent2"/>
+          </a:solidFill>
+          <a:ln>
+            <a:noFill/>
+          </a:ln>
+        </p:spPr>
+        <p:style>
+          <a:lnRef idx="2">
+            <a:schemeClr val="accent1">
+              <a:shade val="50000"/>
+            </a:schemeClr>
+          </a:lnRef>
+          <a:fillRef idx="1">
+            <a:schemeClr val="accent1"/>
+          </a:fillRef>
+          <a:effectRef idx="0">
+            <a:schemeClr val="accent1"/>
+          </a:effectRef>
+          <a:fontRef idx="minor">
+            <a:schemeClr val="lt1"/>
+          </a:fontRef>
+        </p:style>
+      </p:sp>
+      <p:sp>
+        <p:nvSpPr>
+          <p:cNvPr id="6" name="Rectangle 5"/>
+          <p:cNvSpPr/>
+          <p:nvPr/>
+        </p:nvSpPr>
+        <p:spPr>
+          <a:xfrm>
+            <a:off x="15" y="6334316"/>
+            <a:ext cx="12188825" cy="64008"/>
+          </a:xfrm>
+          <a:prstGeom prst="rect">
+            <a:avLst/>
+          </a:prstGeom>
+          <a:solidFill>
+            <a:schemeClr val="accent1"/>
+          </a:solidFill>
+          <a:ln>
+            <a:noFill/>
+          </a:ln>
+        </p:spPr>
+        <p:style>
+          <a:lnRef idx="2">
+            <a:schemeClr val="accent1">
+              <a:shade val="50000"/>
+            </a:schemeClr>
+          </a:lnRef>
+          <a:fillRef idx="1">
+            <a:schemeClr val="accent1"/>
+          </a:fillRef>
+          <a:effectRef idx="0">
+            <a:schemeClr val="accent1"/>
+          </a:effectRef>
+          <a:fontRef idx="minor">
+            <a:schemeClr val="lt1"/>
+          </a:fontRef>
+        </p:style>
+      </p:sp>
+      <p:sp>
+        <p:nvSpPr>
+          <p:cNvPr id="7" name="Date Placeholder 6"/>
           <p:cNvSpPr>
             <a:spLocks noGrp="1"/>
           </p:cNvSpPr>
@@ -1826,7 +2291,7 @@
       </p:sp>
       <p:sp>
         <p:nvSpPr>
-          <p:cNvPr id="3" name="Footer Placeholder 2"/>
+          <p:cNvPr id="8" name="Footer Placeholder 7"/>
           <p:cNvSpPr>
             <a:spLocks noGrp="1"/>
           </p:cNvSpPr>
@@ -1837,7 +2302,15 @@
         <p:spPr/>
         <p:txBody>
           <a:bodyPr/>
-          <a:lstStyle/>
+          <a:lstStyle>
+            <a:lvl1pPr>
+              <a:defRPr>
+                <a:solidFill>
+                  <a:srgbClr val="FFFFFF"/>
+                </a:solidFill>
+              </a:defRPr>
+            </a:lvl1pPr>
+          </a:lstStyle>
           <a:p>
             <a:endParaRPr lang="en-US"/>
           </a:p>
@@ -1845,7 +2318,7 @@
       </p:sp>
       <p:sp>
         <p:nvSpPr>
-          <p:cNvPr id="4" name="Slide Number Placeholder 3"/>
+          <p:cNvPr id="9" name="Slide Number Placeholder 8"/>
           <p:cNvSpPr>
             <a:spLocks noGrp="1"/>
           </p:cNvSpPr>
@@ -1869,7 +2342,7 @@
     </p:spTree>
     <p:extLst>
       <p:ext uri="{BB962C8B-B14F-4D97-AF65-F5344CB8AC3E}">
-        <p14:creationId xmlns:p14="http://schemas.microsoft.com/office/powerpoint/2010/main" val="3222451689"/>
+        <p14:creationId xmlns:p14="http://schemas.microsoft.com/office/powerpoint/2010/main" val="270410743"/>
       </p:ext>
     </p:extLst>
   </p:cSld>
@@ -1880,7 +2353,7 @@
 </file>
 
 <file path=ppt/slideLayouts/slideLayout8.xml><?xml version="1.0" encoding="utf-8"?>
-<p:sldLayout xmlns:a="http://schemas.openxmlformats.org/drawingml/2006/main" xmlns:r="http://schemas.openxmlformats.org/officeDocument/2006/relationships" xmlns:p="http://schemas.openxmlformats.org/presentationml/2006/main" type="objTx" preserve="1">
+<p:sldLayout xmlns:a="http://schemas.openxmlformats.org/drawingml/2006/main" xmlns:r="http://schemas.openxmlformats.org/officeDocument/2006/relationships" xmlns:p="http://schemas.openxmlformats.org/presentationml/2006/main" showMasterSp="0" type="objTx" preserve="1">
   <p:cSld name="Content with Caption">
     <p:spTree>
       <p:nvGrpSpPr>
@@ -1898,25 +2371,107 @@
       </p:grpSpPr>
       <p:sp>
         <p:nvSpPr>
-          <p:cNvPr id="2" name="Title 1"/>
-          <p:cNvSpPr>
-            <a:spLocks noGrp="1"/>
-          </p:cNvSpPr>
-          <p:nvPr>
-            <p:ph type="title"/>
-          </p:nvPr>
+          <p:cNvPr id="8" name="Rectangle 7"/>
+          <p:cNvSpPr/>
+          <p:nvPr/>
         </p:nvSpPr>
         <p:spPr>
           <a:xfrm>
-            <a:off x="839788" y="457200"/>
-            <a:ext cx="3932237" cy="1600200"/>
+            <a:off x="16" y="0"/>
+            <a:ext cx="4050791" cy="6858000"/>
+          </a:xfrm>
+          <a:prstGeom prst="rect">
+            <a:avLst/>
+          </a:prstGeom>
+          <a:solidFill>
+            <a:schemeClr val="accent2"/>
+          </a:solidFill>
+          <a:ln>
+            <a:noFill/>
+          </a:ln>
+        </p:spPr>
+        <p:style>
+          <a:lnRef idx="2">
+            <a:schemeClr val="accent1">
+              <a:shade val="50000"/>
+            </a:schemeClr>
+          </a:lnRef>
+          <a:fillRef idx="1">
+            <a:schemeClr val="accent1"/>
+          </a:fillRef>
+          <a:effectRef idx="0">
+            <a:schemeClr val="accent1"/>
+          </a:effectRef>
+          <a:fontRef idx="minor">
+            <a:schemeClr val="lt1"/>
+          </a:fontRef>
+        </p:style>
+      </p:sp>
+      <p:sp>
+        <p:nvSpPr>
+          <p:cNvPr id="9" name="Rectangle 8"/>
+          <p:cNvSpPr/>
+          <p:nvPr/>
+        </p:nvSpPr>
+        <p:spPr>
+          <a:xfrm>
+            <a:off x="4040071" y="0"/>
+            <a:ext cx="64008" cy="6858000"/>
+          </a:xfrm>
+          <a:prstGeom prst="rect">
+            <a:avLst/>
+          </a:prstGeom>
+          <a:solidFill>
+            <a:schemeClr val="accent1"/>
+          </a:solidFill>
+          <a:ln>
+            <a:noFill/>
+          </a:ln>
+        </p:spPr>
+        <p:style>
+          <a:lnRef idx="2">
+            <a:schemeClr val="accent1">
+              <a:shade val="50000"/>
+            </a:schemeClr>
+          </a:lnRef>
+          <a:fillRef idx="1">
+            <a:schemeClr val="accent1"/>
+          </a:fillRef>
+          <a:effectRef idx="0">
+            <a:schemeClr val="accent1"/>
+          </a:effectRef>
+          <a:fontRef idx="minor">
+            <a:schemeClr val="lt1"/>
+          </a:fontRef>
+        </p:style>
+      </p:sp>
+      <p:sp>
+        <p:nvSpPr>
+          <p:cNvPr id="2" name="Title 1"/>
+          <p:cNvSpPr>
+            <a:spLocks noGrp="1"/>
+          </p:cNvSpPr>
+          <p:nvPr>
+            <p:ph type="title"/>
+          </p:nvPr>
+        </p:nvSpPr>
+        <p:spPr>
+          <a:xfrm>
+            <a:off x="457200" y="594359"/>
+            <a:ext cx="3200400" cy="2286000"/>
           </a:xfrm>
         </p:spPr>
         <p:txBody>
-          <a:bodyPr anchor="b"/>
+          <a:bodyPr anchor="b">
+            <a:normAutofit/>
+          </a:bodyPr>
           <a:lstStyle>
             <a:lvl1pPr>
-              <a:defRPr sz="3200"/>
+              <a:defRPr sz="3600" b="0">
+                <a:solidFill>
+                  <a:srgbClr val="FFFFFF"/>
+                </a:solidFill>
+              </a:defRPr>
             </a:lvl1pPr>
           </a:lstStyle>
           <a:p>
@@ -1924,7 +2479,7 @@
               <a:rPr lang="en-US" smtClean="0"/>
               <a:t>Click to edit Master title style</a:t>
             </a:r>
-            <a:endParaRPr lang="en-US"/>
+            <a:endParaRPr lang="en-US" dirty="0"/>
           </a:p>
         </p:txBody>
       </p:sp>
@@ -1940,41 +2495,13 @@
         </p:nvSpPr>
         <p:spPr>
           <a:xfrm>
-            <a:off x="5183188" y="987425"/>
-            <a:ext cx="6172200" cy="4873625"/>
+            <a:off x="4800600" y="731520"/>
+            <a:ext cx="6492240" cy="5257800"/>
           </a:xfrm>
         </p:spPr>
         <p:txBody>
           <a:bodyPr/>
-          <a:lstStyle>
-            <a:lvl1pPr>
-              <a:defRPr sz="3200"/>
-            </a:lvl1pPr>
-            <a:lvl2pPr>
-              <a:defRPr sz="2800"/>
-            </a:lvl2pPr>
-            <a:lvl3pPr>
-              <a:defRPr sz="2400"/>
-            </a:lvl3pPr>
-            <a:lvl4pPr>
-              <a:defRPr sz="2000"/>
-            </a:lvl4pPr>
-            <a:lvl5pPr>
-              <a:defRPr sz="2000"/>
-            </a:lvl5pPr>
-            <a:lvl6pPr>
-              <a:defRPr sz="2000"/>
-            </a:lvl6pPr>
-            <a:lvl7pPr>
-              <a:defRPr sz="2000"/>
-            </a:lvl7pPr>
-            <a:lvl8pPr>
-              <a:defRPr sz="2000"/>
-            </a:lvl8pPr>
-            <a:lvl9pPr>
-              <a:defRPr sz="2000"/>
-            </a:lvl9pPr>
-          </a:lstStyle>
+          <a:lstStyle/>
           <a:p>
             <a:pPr lvl="0"/>
             <a:r>
@@ -2009,7 +2536,7 @@
               <a:rPr lang="en-US" smtClean="0"/>
               <a:t>Fifth level</a:t>
             </a:r>
-            <a:endParaRPr lang="en-US"/>
+            <a:endParaRPr lang="en-US" dirty="0"/>
           </a:p>
         </p:txBody>
       </p:sp>
@@ -2025,48 +2552,54 @@
         </p:nvSpPr>
         <p:spPr>
           <a:xfrm>
-            <a:off x="839788" y="2057400"/>
-            <a:ext cx="3932237" cy="3811588"/>
+            <a:off x="457200" y="2926080"/>
+            <a:ext cx="3200400" cy="3379124"/>
           </a:xfrm>
         </p:spPr>
         <p:txBody>
-          <a:bodyPr/>
+          <a:bodyPr lIns="91440" rIns="91440">
+            <a:normAutofit/>
+          </a:bodyPr>
           <a:lstStyle>
             <a:lvl1pPr marL="0" indent="0">
               <a:buNone/>
-              <a:defRPr sz="1600"/>
+              <a:defRPr sz="1500">
+                <a:solidFill>
+                  <a:srgbClr val="FFFFFF"/>
+                </a:solidFill>
+              </a:defRPr>
             </a:lvl1pPr>
             <a:lvl2pPr marL="457200" indent="0">
               <a:buNone/>
-              <a:defRPr sz="1400"/>
+              <a:defRPr sz="1200"/>
             </a:lvl2pPr>
             <a:lvl3pPr marL="914400" indent="0">
               <a:buNone/>
-              <a:defRPr sz="1200"/>
+              <a:defRPr sz="1000"/>
             </a:lvl3pPr>
             <a:lvl4pPr marL="1371600" indent="0">
               <a:buNone/>
-              <a:defRPr sz="1000"/>
+              <a:defRPr sz="900"/>
             </a:lvl4pPr>
             <a:lvl5pPr marL="1828800" indent="0">
               <a:buNone/>
-              <a:defRPr sz="1000"/>
+              <a:defRPr sz="900"/>
             </a:lvl5pPr>
             <a:lvl6pPr marL="2286000" indent="0">
               <a:buNone/>
-              <a:defRPr sz="1000"/>
+              <a:defRPr sz="900"/>
             </a:lvl6pPr>
             <a:lvl7pPr marL="2743200" indent="0">
               <a:buNone/>
-              <a:defRPr sz="1000"/>
+              <a:defRPr sz="900"/>
             </a:lvl7pPr>
             <a:lvl8pPr marL="3200400" indent="0">
               <a:buNone/>
-              <a:defRPr sz="1000"/>
+              <a:defRPr sz="900"/>
             </a:lvl8pPr>
             <a:lvl9pPr marL="3657600" indent="0">
               <a:buNone/>
-              <a:defRPr sz="1000"/>
+              <a:defRPr sz="900"/>
             </a:lvl9pPr>
           </a:lstStyle>
           <a:p>
@@ -2088,10 +2621,19 @@
             <p:ph type="dt" sz="half" idx="10"/>
           </p:nvPr>
         </p:nvSpPr>
-        <p:spPr/>
-        <p:txBody>
-          <a:bodyPr/>
-          <a:lstStyle/>
+        <p:spPr>
+          <a:xfrm>
+            <a:off x="465512" y="6459785"/>
+            <a:ext cx="2618510" cy="365125"/>
+          </a:xfrm>
+        </p:spPr>
+        <p:txBody>
+          <a:bodyPr/>
+          <a:lstStyle>
+            <a:lvl1pPr algn="l">
+              <a:defRPr/>
+            </a:lvl1pPr>
+          </a:lstStyle>
           <a:p>
             <a:fld id="{DE654CD9-B26A-40B3-8034-DADCF8851108}" type="datetimeFigureOut">
               <a:rPr lang="en-US" smtClean="0"/>
@@ -2111,29 +2653,50 @@
             <p:ph type="ftr" sz="quarter" idx="11"/>
           </p:nvPr>
         </p:nvSpPr>
+        <p:spPr>
+          <a:xfrm>
+            <a:off x="4800600" y="6459785"/>
+            <a:ext cx="4648200" cy="365125"/>
+          </a:xfrm>
+        </p:spPr>
+        <p:txBody>
+          <a:bodyPr/>
+          <a:lstStyle>
+            <a:lvl1pPr algn="l">
+              <a:defRPr>
+                <a:solidFill>
+                  <a:schemeClr val="tx2"/>
+                </a:solidFill>
+              </a:defRPr>
+            </a:lvl1pPr>
+          </a:lstStyle>
+          <a:p>
+            <a:endParaRPr lang="en-US"/>
+          </a:p>
+        </p:txBody>
+      </p:sp>
+      <p:sp>
+        <p:nvSpPr>
+          <p:cNvPr id="7" name="Slide Number Placeholder 6"/>
+          <p:cNvSpPr>
+            <a:spLocks noGrp="1"/>
+          </p:cNvSpPr>
+          <p:nvPr>
+            <p:ph type="sldNum" sz="quarter" idx="12"/>
+          </p:nvPr>
+        </p:nvSpPr>
         <p:spPr/>
         <p:txBody>
           <a:bodyPr/>
-          <a:lstStyle/>
-          <a:p>
-            <a:endParaRPr lang="en-US"/>
-          </a:p>
-        </p:txBody>
-      </p:sp>
-      <p:sp>
-        <p:nvSpPr>
-          <p:cNvPr id="7" name="Slide Number Placeholder 6"/>
-          <p:cNvSpPr>
-            <a:spLocks noGrp="1"/>
-          </p:cNvSpPr>
-          <p:nvPr>
-            <p:ph type="sldNum" sz="quarter" idx="12"/>
-          </p:nvPr>
-        </p:nvSpPr>
-        <p:spPr/>
-        <p:txBody>
-          <a:bodyPr/>
-          <a:lstStyle/>
+          <a:lstStyle>
+            <a:lvl1pPr>
+              <a:defRPr>
+                <a:solidFill>
+                  <a:schemeClr val="tx2"/>
+                </a:solidFill>
+              </a:defRPr>
+            </a:lvl1pPr>
+          </a:lstStyle>
           <a:p>
             <a:fld id="{5AE848B3-7E53-4CF1-BC8E-4F521DE3D0D1}" type="slidenum">
               <a:rPr lang="en-US" smtClean="0"/>
@@ -2146,7 +2709,7 @@
     </p:spTree>
     <p:extLst>
       <p:ext uri="{BB962C8B-B14F-4D97-AF65-F5344CB8AC3E}">
-        <p14:creationId xmlns:p14="http://schemas.microsoft.com/office/powerpoint/2010/main" val="678439417"/>
+        <p14:creationId xmlns:p14="http://schemas.microsoft.com/office/powerpoint/2010/main" val="3451453369"/>
       </p:ext>
     </p:extLst>
   </p:cSld>
@@ -2157,7 +2720,7 @@
 </file>
 
 <file path=ppt/slideLayouts/slideLayout9.xml><?xml version="1.0" encoding="utf-8"?>
-<p:sldLayout xmlns:a="http://schemas.openxmlformats.org/drawingml/2006/main" xmlns:r="http://schemas.openxmlformats.org/officeDocument/2006/relationships" xmlns:p="http://schemas.openxmlformats.org/presentationml/2006/main" type="picTx" preserve="1">
+<p:sldLayout xmlns:a="http://schemas.openxmlformats.org/drawingml/2006/main" xmlns:r="http://schemas.openxmlformats.org/officeDocument/2006/relationships" xmlns:p="http://schemas.openxmlformats.org/presentationml/2006/main" showMasterSp="0" type="picTx" preserve="1">
   <p:cSld name="Picture with Caption">
     <p:spTree>
       <p:nvGrpSpPr>
@@ -2175,25 +2738,107 @@
       </p:grpSpPr>
       <p:sp>
         <p:nvSpPr>
-          <p:cNvPr id="2" name="Title 1"/>
-          <p:cNvSpPr>
-            <a:spLocks noGrp="1"/>
-          </p:cNvSpPr>
-          <p:nvPr>
-            <p:ph type="title"/>
-          </p:nvPr>
+          <p:cNvPr id="8" name="Rectangle 7"/>
+          <p:cNvSpPr/>
+          <p:nvPr/>
         </p:nvSpPr>
         <p:spPr>
           <a:xfrm>
-            <a:off x="839788" y="457200"/>
-            <a:ext cx="3932237" cy="1600200"/>
+            <a:off x="0" y="4953000"/>
+            <a:ext cx="12188825" cy="1905000"/>
+          </a:xfrm>
+          <a:prstGeom prst="rect">
+            <a:avLst/>
+          </a:prstGeom>
+          <a:solidFill>
+            <a:schemeClr val="accent2"/>
+          </a:solidFill>
+          <a:ln>
+            <a:noFill/>
+          </a:ln>
+        </p:spPr>
+        <p:style>
+          <a:lnRef idx="2">
+            <a:schemeClr val="accent1">
+              <a:shade val="50000"/>
+            </a:schemeClr>
+          </a:lnRef>
+          <a:fillRef idx="1">
+            <a:schemeClr val="accent1"/>
+          </a:fillRef>
+          <a:effectRef idx="0">
+            <a:schemeClr val="accent1"/>
+          </a:effectRef>
+          <a:fontRef idx="minor">
+            <a:schemeClr val="lt1"/>
+          </a:fontRef>
+        </p:style>
+      </p:sp>
+      <p:sp>
+        <p:nvSpPr>
+          <p:cNvPr id="9" name="Rectangle 8"/>
+          <p:cNvSpPr/>
+          <p:nvPr/>
+        </p:nvSpPr>
+        <p:spPr>
+          <a:xfrm>
+            <a:off x="15" y="4915076"/>
+            <a:ext cx="12188825" cy="64008"/>
+          </a:xfrm>
+          <a:prstGeom prst="rect">
+            <a:avLst/>
+          </a:prstGeom>
+          <a:solidFill>
+            <a:schemeClr val="accent1"/>
+          </a:solidFill>
+          <a:ln>
+            <a:noFill/>
+          </a:ln>
+        </p:spPr>
+        <p:style>
+          <a:lnRef idx="2">
+            <a:schemeClr val="accent1">
+              <a:shade val="50000"/>
+            </a:schemeClr>
+          </a:lnRef>
+          <a:fillRef idx="1">
+            <a:schemeClr val="accent1"/>
+          </a:fillRef>
+          <a:effectRef idx="0">
+            <a:schemeClr val="accent1"/>
+          </a:effectRef>
+          <a:fontRef idx="minor">
+            <a:schemeClr val="lt1"/>
+          </a:fontRef>
+        </p:style>
+      </p:sp>
+      <p:sp>
+        <p:nvSpPr>
+          <p:cNvPr id="2" name="Title 1"/>
+          <p:cNvSpPr>
+            <a:spLocks noGrp="1"/>
+          </p:cNvSpPr>
+          <p:nvPr>
+            <p:ph type="title"/>
+          </p:nvPr>
+        </p:nvSpPr>
+        <p:spPr>
+          <a:xfrm>
+            <a:off x="1097280" y="5074920"/>
+            <a:ext cx="10113264" cy="822960"/>
           </a:xfrm>
         </p:spPr>
         <p:txBody>
-          <a:bodyPr anchor="b"/>
+          <a:bodyPr lIns="91440" tIns="0" rIns="91440" bIns="0" anchor="b">
+            <a:noAutofit/>
+          </a:bodyPr>
           <a:lstStyle>
             <a:lvl1pPr>
-              <a:defRPr sz="3200"/>
+              <a:defRPr sz="3600" b="0">
+                <a:solidFill>
+                  <a:srgbClr val="FFFFFF"/>
+                </a:solidFill>
+              </a:defRPr>
             </a:lvl1pPr>
           </a:lstStyle>
           <a:p>
@@ -2201,7 +2846,7 @@
               <a:rPr lang="en-US" smtClean="0"/>
               <a:t>Click to edit Master title style</a:t>
             </a:r>
-            <a:endParaRPr lang="en-US"/>
+            <a:endParaRPr lang="en-US" dirty="0"/>
           </a:p>
         </p:txBody>
       </p:sp>
@@ -2209,7 +2854,7 @@
         <p:nvSpPr>
           <p:cNvPr id="3" name="Picture Placeholder 2"/>
           <p:cNvSpPr>
-            <a:spLocks noGrp="1"/>
+            <a:spLocks noGrp="1" noChangeAspect="1"/>
           </p:cNvSpPr>
           <p:nvPr>
             <p:ph type="pic" idx="1"/>
@@ -2217,16 +2862,26 @@
         </p:nvSpPr>
         <p:spPr>
           <a:xfrm>
-            <a:off x="5183188" y="987425"/>
-            <a:ext cx="6172200" cy="4873625"/>
+            <a:off x="15" y="0"/>
+            <a:ext cx="12191985" cy="4915076"/>
           </a:xfrm>
+          <a:blipFill>
+            <a:blip r:embed="rId2"/>
+            <a:stretch>
+              <a:fillRect/>
+            </a:stretch>
+          </a:blipFill>
         </p:spPr>
         <p:txBody>
-          <a:bodyPr/>
+          <a:bodyPr lIns="457200" tIns="457200" anchor="t"/>
           <a:lstStyle>
             <a:lvl1pPr marL="0" indent="0">
               <a:buNone/>
-              <a:defRPr sz="3200"/>
+              <a:defRPr sz="3200">
+                <a:solidFill>
+                  <a:schemeClr val="bg1"/>
+                </a:solidFill>
+              </a:defRPr>
             </a:lvl1pPr>
             <a:lvl2pPr marL="457200" indent="0">
               <a:buNone/>
@@ -2262,7 +2917,11 @@
             </a:lvl9pPr>
           </a:lstStyle>
           <a:p>
-            <a:endParaRPr lang="en-US"/>
+            <a:r>
+              <a:rPr lang="en-US" smtClean="0"/>
+              <a:t>Click icon to add picture</a:t>
+            </a:r>
+            <a:endParaRPr lang="en-US" dirty="0"/>
           </a:p>
         </p:txBody>
       </p:sp>
@@ -2278,48 +2937,60 @@
         </p:nvSpPr>
         <p:spPr>
           <a:xfrm>
-            <a:off x="839788" y="2057400"/>
-            <a:ext cx="3932237" cy="3811588"/>
+            <a:off x="1097280" y="5907023"/>
+            <a:ext cx="10113264" cy="594360"/>
           </a:xfrm>
         </p:spPr>
         <p:txBody>
-          <a:bodyPr/>
+          <a:bodyPr lIns="91440" tIns="0" rIns="91440" bIns="0">
+            <a:normAutofit/>
+          </a:bodyPr>
           <a:lstStyle>
             <a:lvl1pPr marL="0" indent="0">
+              <a:spcBef>
+                <a:spcPts val="0"/>
+              </a:spcBef>
+              <a:spcAft>
+                <a:spcPts val="600"/>
+              </a:spcAft>
               <a:buNone/>
-              <a:defRPr sz="1600"/>
+              <a:defRPr sz="1500">
+                <a:solidFill>
+                  <a:srgbClr val="FFFFFF"/>
+                </a:solidFill>
+              </a:defRPr>
             </a:lvl1pPr>
             <a:lvl2pPr marL="457200" indent="0">
               <a:buNone/>
-              <a:defRPr sz="1400"/>
+              <a:defRPr sz="1200"/>
             </a:lvl2pPr>
             <a:lvl3pPr marL="914400" indent="0">
               <a:buNone/>
-              <a:defRPr sz="1200"/>
+              <a:defRPr sz="1000"/>
             </a:lvl3pPr>
             <a:lvl4pPr marL="1371600" indent="0">
               <a:buNone/>
-              <a:defRPr sz="1000"/>
+              <a:defRPr sz="900"/>
             </a:lvl4pPr>
             <a:lvl5pPr marL="1828800" indent="0">
               <a:buNone/>
-              <a:defRPr sz="1000"/>
+              <a:defRPr sz="900"/>
             </a:lvl5pPr>
             <a:lvl6pPr marL="2286000" indent="0">
               <a:buNone/>
-              <a:defRPr sz="1000"/>
+              <a:defRPr sz="900"/>
             </a:lvl6pPr>
             <a:lvl7pPr marL="2743200" indent="0">
               <a:buNone/>
-              <a:defRPr sz="1000"/>
+              <a:defRPr sz="900"/>
             </a:lvl7pPr>
             <a:lvl8pPr marL="3200400" indent="0">
               <a:buNone/>
-              <a:defRPr sz="1000"/>
+              <a:defRPr sz="900"/>
             </a:lvl8pPr>
             <a:lvl9pPr marL="3657600" indent="0">
               <a:buNone/>
-              <a:defRPr sz="1000"/>
+              <a:defRPr sz="900"/>
             </a:lvl9pPr>
           </a:lstStyle>
           <a:p>
@@ -2399,7 +3070,7 @@
     </p:spTree>
     <p:extLst>
       <p:ext uri="{BB962C8B-B14F-4D97-AF65-F5344CB8AC3E}">
-        <p14:creationId xmlns:p14="http://schemas.microsoft.com/office/powerpoint/2010/main" val="1218638903"/>
+        <p14:creationId xmlns:p14="http://schemas.microsoft.com/office/powerpoint/2010/main" val="627233961"/>
       </p:ext>
     </p:extLst>
   </p:cSld>
@@ -2433,25 +3104,101 @@
       </p:grpSpPr>
       <p:sp>
         <p:nvSpPr>
-          <p:cNvPr id="2" name="Title Placeholder 1"/>
-          <p:cNvSpPr>
-            <a:spLocks noGrp="1"/>
-          </p:cNvSpPr>
-          <p:nvPr>
-            <p:ph type="title"/>
-          </p:nvPr>
+          <p:cNvPr id="7" name="Rectangle 6"/>
+          <p:cNvSpPr/>
+          <p:nvPr/>
         </p:nvSpPr>
         <p:spPr>
           <a:xfrm>
-            <a:off x="838200" y="365125"/>
-            <a:ext cx="10515600" cy="1325563"/>
+            <a:off x="1" y="6400800"/>
+            <a:ext cx="12192000" cy="457200"/>
+          </a:xfrm>
+          <a:prstGeom prst="rect">
+            <a:avLst/>
+          </a:prstGeom>
+          <a:solidFill>
+            <a:schemeClr val="accent2"/>
+          </a:solidFill>
+          <a:ln>
+            <a:noFill/>
+          </a:ln>
+        </p:spPr>
+        <p:style>
+          <a:lnRef idx="2">
+            <a:schemeClr val="accent1">
+              <a:shade val="50000"/>
+            </a:schemeClr>
+          </a:lnRef>
+          <a:fillRef idx="1">
+            <a:schemeClr val="accent1"/>
+          </a:fillRef>
+          <a:effectRef idx="0">
+            <a:schemeClr val="accent1"/>
+          </a:effectRef>
+          <a:fontRef idx="minor">
+            <a:schemeClr val="lt1"/>
+          </a:fontRef>
+        </p:style>
+      </p:sp>
+      <p:sp>
+        <p:nvSpPr>
+          <p:cNvPr id="9" name="Rectangle 8"/>
+          <p:cNvSpPr/>
+          <p:nvPr/>
+        </p:nvSpPr>
+        <p:spPr>
+          <a:xfrm>
+            <a:off x="0" y="6334316"/>
+            <a:ext cx="12192001" cy="65998"/>
+          </a:xfrm>
+          <a:prstGeom prst="rect">
+            <a:avLst/>
+          </a:prstGeom>
+          <a:solidFill>
+            <a:schemeClr val="accent1"/>
+          </a:solidFill>
+          <a:ln>
+            <a:noFill/>
+          </a:ln>
+        </p:spPr>
+        <p:style>
+          <a:lnRef idx="2">
+            <a:schemeClr val="accent1">
+              <a:shade val="50000"/>
+            </a:schemeClr>
+          </a:lnRef>
+          <a:fillRef idx="1">
+            <a:schemeClr val="accent1"/>
+          </a:fillRef>
+          <a:effectRef idx="0">
+            <a:schemeClr val="accent1"/>
+          </a:effectRef>
+          <a:fontRef idx="minor">
+            <a:schemeClr val="lt1"/>
+          </a:fontRef>
+        </p:style>
+      </p:sp>
+      <p:sp>
+        <p:nvSpPr>
+          <p:cNvPr id="2" name="Title Placeholder 1"/>
+          <p:cNvSpPr>
+            <a:spLocks noGrp="1"/>
+          </p:cNvSpPr>
+          <p:nvPr>
+            <p:ph type="title"/>
+          </p:nvPr>
+        </p:nvSpPr>
+        <p:spPr>
+          <a:xfrm>
+            <a:off x="1097280" y="286603"/>
+            <a:ext cx="10058400" cy="1450757"/>
           </a:xfrm>
           <a:prstGeom prst="rect">
             <a:avLst/>
           </a:prstGeom>
         </p:spPr>
         <p:txBody>
-          <a:bodyPr vert="horz" lIns="91440" tIns="45720" rIns="91440" bIns="45720" rtlCol="0" anchor="ctr">
+          <a:bodyPr vert="horz" lIns="91440" tIns="45720" rIns="91440" bIns="45720" rtlCol="0" anchor="b">
             <a:normAutofit/>
           </a:bodyPr>
           <a:lstStyle/>
@@ -2460,7 +3207,7 @@
               <a:rPr lang="en-US" smtClean="0"/>
               <a:t>Click to edit Master title style</a:t>
             </a:r>
-            <a:endParaRPr lang="en-US"/>
+            <a:endParaRPr lang="en-US" dirty="0"/>
           </a:p>
         </p:txBody>
       </p:sp>
@@ -2476,15 +3223,15 @@
         </p:nvSpPr>
         <p:spPr>
           <a:xfrm>
-            <a:off x="838200" y="1825625"/>
-            <a:ext cx="10515600" cy="4351338"/>
+            <a:off x="1097280" y="1845734"/>
+            <a:ext cx="10058400" cy="4023360"/>
           </a:xfrm>
           <a:prstGeom prst="rect">
             <a:avLst/>
           </a:prstGeom>
         </p:spPr>
         <p:txBody>
-          <a:bodyPr vert="horz" lIns="91440" tIns="45720" rIns="91440" bIns="45720" rtlCol="0">
+          <a:bodyPr vert="horz" lIns="0" tIns="45720" rIns="0" bIns="45720" rtlCol="0">
             <a:normAutofit/>
           </a:bodyPr>
           <a:lstStyle/>
@@ -2522,7 +3269,7 @@
               <a:rPr lang="en-US" smtClean="0"/>
               <a:t>Fifth level</a:t>
             </a:r>
-            <a:endParaRPr lang="en-US"/>
+            <a:endParaRPr lang="en-US" dirty="0"/>
           </a:p>
         </p:txBody>
       </p:sp>
@@ -2538,8 +3285,8 @@
         </p:nvSpPr>
         <p:spPr>
           <a:xfrm>
-            <a:off x="838200" y="6356350"/>
-            <a:ext cx="2743200" cy="365125"/>
+            <a:off x="1097280" y="6459785"/>
+            <a:ext cx="2472271" cy="365125"/>
           </a:xfrm>
           <a:prstGeom prst="rect">
             <a:avLst/>
@@ -2549,11 +3296,9 @@
           <a:bodyPr vert="horz" lIns="91440" tIns="45720" rIns="91440" bIns="45720" rtlCol="0" anchor="ctr"/>
           <a:lstStyle>
             <a:lvl1pPr algn="l">
-              <a:defRPr sz="1200">
+              <a:defRPr sz="900">
                 <a:solidFill>
-                  <a:schemeClr val="tx1">
-                    <a:tint val="75000"/>
-                  </a:schemeClr>
+                  <a:srgbClr val="FFFFFF"/>
                 </a:solidFill>
               </a:defRPr>
             </a:lvl1pPr>
@@ -2579,8 +3324,8 @@
         </p:nvSpPr>
         <p:spPr>
           <a:xfrm>
-            <a:off x="4038600" y="6356350"/>
-            <a:ext cx="4114800" cy="365125"/>
+            <a:off x="3686185" y="6459785"/>
+            <a:ext cx="4822804" cy="365125"/>
           </a:xfrm>
           <a:prstGeom prst="rect">
             <a:avLst/>
@@ -2590,11 +3335,9 @@
           <a:bodyPr vert="horz" lIns="91440" tIns="45720" rIns="91440" bIns="45720" rtlCol="0" anchor="ctr"/>
           <a:lstStyle>
             <a:lvl1pPr algn="ctr">
-              <a:defRPr sz="1200">
+              <a:defRPr sz="900" cap="all" baseline="0">
                 <a:solidFill>
-                  <a:schemeClr val="tx1">
-                    <a:tint val="75000"/>
-                  </a:schemeClr>
+                  <a:srgbClr val="FFFFFF"/>
                 </a:solidFill>
               </a:defRPr>
             </a:lvl1pPr>
@@ -2616,8 +3359,8 @@
         </p:nvSpPr>
         <p:spPr>
           <a:xfrm>
-            <a:off x="8610600" y="6356350"/>
-            <a:ext cx="2743200" cy="365125"/>
+            <a:off x="9900458" y="6459785"/>
+            <a:ext cx="1312025" cy="365125"/>
           </a:xfrm>
           <a:prstGeom prst="rect">
             <a:avLst/>
@@ -2627,11 +3370,9 @@
           <a:bodyPr vert="horz" lIns="91440" tIns="45720" rIns="91440" bIns="45720" rtlCol="0" anchor="ctr"/>
           <a:lstStyle>
             <a:lvl1pPr algn="r">
-              <a:defRPr sz="1200">
+              <a:defRPr sz="1050">
                 <a:solidFill>
-                  <a:schemeClr val="tx1">
-                    <a:tint val="75000"/>
-                  </a:schemeClr>
+                  <a:srgbClr val="FFFFFF"/>
                 </a:solidFill>
               </a:defRPr>
             </a:lvl1pPr>
@@ -2645,40 +3386,81 @@
           </a:p>
         </p:txBody>
       </p:sp>
+      <p:cxnSp>
+        <p:nvCxnSpPr>
+          <p:cNvPr id="10" name="Straight Connector 9"/>
+          <p:cNvCxnSpPr/>
+          <p:nvPr/>
+        </p:nvCxnSpPr>
+        <p:spPr>
+          <a:xfrm>
+            <a:off x="1193532" y="1737845"/>
+            <a:ext cx="9966960" cy="0"/>
+          </a:xfrm>
+          <a:prstGeom prst="line">
+            <a:avLst/>
+          </a:prstGeom>
+          <a:ln w="6350">
+            <a:solidFill>
+              <a:schemeClr val="tx1">
+                <a:lumMod val="50000"/>
+                <a:lumOff val="50000"/>
+              </a:schemeClr>
+            </a:solidFill>
+          </a:ln>
+        </p:spPr>
+        <p:style>
+          <a:lnRef idx="1">
+            <a:schemeClr val="accent1"/>
+          </a:lnRef>
+          <a:fillRef idx="0">
+            <a:schemeClr val="accent1"/>
+          </a:fillRef>
+          <a:effectRef idx="0">
+            <a:schemeClr val="accent1"/>
+          </a:effectRef>
+          <a:fontRef idx="minor">
+            <a:schemeClr val="tx1"/>
+          </a:fontRef>
+        </p:style>
+      </p:cxnSp>
     </p:spTree>
     <p:extLst>
       <p:ext uri="{BB962C8B-B14F-4D97-AF65-F5344CB8AC3E}">
-        <p14:creationId xmlns:p14="http://schemas.microsoft.com/office/powerpoint/2010/main" val="2392150435"/>
+        <p14:creationId xmlns:p14="http://schemas.microsoft.com/office/powerpoint/2010/main" val="2720733912"/>
       </p:ext>
     </p:extLst>
   </p:cSld>
   <p:clrMap bg1="lt1" tx1="dk1" bg2="lt2" tx2="dk2" accent1="accent1" accent2="accent2" accent3="accent3" accent4="accent4" accent5="accent5" accent6="accent6" hlink="hlink" folHlink="folHlink"/>
   <p:sldLayoutIdLst>
-    <p:sldLayoutId id="2147483649" r:id="rId1"/>
-    <p:sldLayoutId id="2147483650" r:id="rId2"/>
-    <p:sldLayoutId id="2147483651" r:id="rId3"/>
-    <p:sldLayoutId id="2147483652" r:id="rId4"/>
-    <p:sldLayoutId id="2147483653" r:id="rId5"/>
-    <p:sldLayoutId id="2147483654" r:id="rId6"/>
-    <p:sldLayoutId id="2147483655" r:id="rId7"/>
-    <p:sldLayoutId id="2147483656" r:id="rId8"/>
-    <p:sldLayoutId id="2147483657" r:id="rId9"/>
-    <p:sldLayoutId id="2147483658" r:id="rId10"/>
-    <p:sldLayoutId id="2147483659" r:id="rId11"/>
+    <p:sldLayoutId id="2147483661" r:id="rId1"/>
+    <p:sldLayoutId id="2147483662" r:id="rId2"/>
+    <p:sldLayoutId id="2147483663" r:id="rId3"/>
+    <p:sldLayoutId id="2147483664" r:id="rId4"/>
+    <p:sldLayoutId id="2147483665" r:id="rId5"/>
+    <p:sldLayoutId id="2147483666" r:id="rId6"/>
+    <p:sldLayoutId id="2147483667" r:id="rId7"/>
+    <p:sldLayoutId id="2147483668" r:id="rId8"/>
+    <p:sldLayoutId id="2147483669" r:id="rId9"/>
+    <p:sldLayoutId id="2147483670" r:id="rId10"/>
+    <p:sldLayoutId id="2147483671" r:id="rId11"/>
   </p:sldLayoutIdLst>
   <p:txStyles>
     <p:titleStyle>
       <a:lvl1pPr algn="l" defTabSz="914400" rtl="0" eaLnBrk="1" latinLnBrk="0" hangingPunct="1">
         <a:lnSpc>
-          <a:spcPct val="90000"/>
+          <a:spcPct val="85000"/>
         </a:lnSpc>
         <a:spcBef>
           <a:spcPct val="0"/>
         </a:spcBef>
         <a:buNone/>
-        <a:defRPr sz="4400" kern="1200">
+        <a:defRPr sz="4800" kern="1200" spc="-50" baseline="0">
           <a:solidFill>
-            <a:schemeClr val="tx1"/>
+            <a:schemeClr val="tx1">
+              <a:lumMod val="75000"/>
+              <a:lumOff val="25000"/>
+            </a:schemeClr>
           </a:solidFill>
           <a:latin typeface="+mj-lt"/>
           <a:ea typeface="+mj-ea"/>
@@ -2687,162 +3469,244 @@
       </a:lvl1pPr>
     </p:titleStyle>
     <p:bodyStyle>
-      <a:lvl1pPr marL="228600" indent="-228600" algn="l" defTabSz="914400" rtl="0" eaLnBrk="1" latinLnBrk="0" hangingPunct="1">
+      <a:lvl1pPr marL="91440" indent="-91440" algn="l" defTabSz="914400" rtl="0" eaLnBrk="1" latinLnBrk="0" hangingPunct="1">
         <a:lnSpc>
           <a:spcPct val="90000"/>
         </a:lnSpc>
         <a:spcBef>
-          <a:spcPts val="1000"/>
+          <a:spcPts val="1200"/>
         </a:spcBef>
-        <a:buFont typeface="Arial" panose="020B0604020202020204" pitchFamily="34" charset="0"/>
-        <a:buChar char="•"/>
-        <a:defRPr sz="2800" kern="1200">
+        <a:spcAft>
+          <a:spcPts val="200"/>
+        </a:spcAft>
+        <a:buClr>
+          <a:schemeClr val="accent1"/>
+        </a:buClr>
+        <a:buSzPct val="100000"/>
+        <a:buFont typeface="Calibri" panose="020F0502020204030204" pitchFamily="34" charset="0"/>
+        <a:buChar char=" "/>
+        <a:defRPr sz="2000" kern="1200">
           <a:solidFill>
-            <a:schemeClr val="tx1"/>
+            <a:schemeClr val="tx1">
+              <a:lumMod val="75000"/>
+              <a:lumOff val="25000"/>
+            </a:schemeClr>
           </a:solidFill>
           <a:latin typeface="+mn-lt"/>
           <a:ea typeface="+mn-ea"/>
           <a:cs typeface="+mn-cs"/>
         </a:defRPr>
       </a:lvl1pPr>
-      <a:lvl2pPr marL="685800" indent="-228600" algn="l" defTabSz="914400" rtl="0" eaLnBrk="1" latinLnBrk="0" hangingPunct="1">
+      <a:lvl2pPr marL="384048" indent="-182880" algn="l" defTabSz="914400" rtl="0" eaLnBrk="1" latinLnBrk="0" hangingPunct="1">
         <a:lnSpc>
           <a:spcPct val="90000"/>
         </a:lnSpc>
         <a:spcBef>
-          <a:spcPts val="500"/>
+          <a:spcPts val="200"/>
         </a:spcBef>
-        <a:buFont typeface="Arial" panose="020B0604020202020204" pitchFamily="34" charset="0"/>
-        <a:buChar char="•"/>
-        <a:defRPr sz="2400" kern="1200">
+        <a:spcAft>
+          <a:spcPts val="400"/>
+        </a:spcAft>
+        <a:buClr>
+          <a:schemeClr val="accent1"/>
+        </a:buClr>
+        <a:buFont typeface="Calibri" pitchFamily="34" charset="0"/>
+        <a:buChar char="◦"/>
+        <a:defRPr sz="1800" kern="1200">
           <a:solidFill>
-            <a:schemeClr val="tx1"/>
+            <a:schemeClr val="tx1">
+              <a:lumMod val="75000"/>
+              <a:lumOff val="25000"/>
+            </a:schemeClr>
           </a:solidFill>
           <a:latin typeface="+mn-lt"/>
           <a:ea typeface="+mn-ea"/>
           <a:cs typeface="+mn-cs"/>
         </a:defRPr>
       </a:lvl2pPr>
-      <a:lvl3pPr marL="1143000" indent="-228600" algn="l" defTabSz="914400" rtl="0" eaLnBrk="1" latinLnBrk="0" hangingPunct="1">
+      <a:lvl3pPr marL="566928" indent="-182880" algn="l" defTabSz="914400" rtl="0" eaLnBrk="1" latinLnBrk="0" hangingPunct="1">
         <a:lnSpc>
           <a:spcPct val="90000"/>
         </a:lnSpc>
         <a:spcBef>
-          <a:spcPts val="500"/>
+          <a:spcPts val="200"/>
         </a:spcBef>
-        <a:buFont typeface="Arial" panose="020B0604020202020204" pitchFamily="34" charset="0"/>
-        <a:buChar char="•"/>
-        <a:defRPr sz="2000" kern="1200">
+        <a:spcAft>
+          <a:spcPts val="400"/>
+        </a:spcAft>
+        <a:buClr>
+          <a:schemeClr val="accent1"/>
+        </a:buClr>
+        <a:buFont typeface="Calibri" pitchFamily="34" charset="0"/>
+        <a:buChar char="◦"/>
+        <a:defRPr sz="1400" kern="1200">
           <a:solidFill>
-            <a:schemeClr val="tx1"/>
+            <a:schemeClr val="tx1">
+              <a:lumMod val="75000"/>
+              <a:lumOff val="25000"/>
+            </a:schemeClr>
           </a:solidFill>
           <a:latin typeface="+mn-lt"/>
           <a:ea typeface="+mn-ea"/>
           <a:cs typeface="+mn-cs"/>
         </a:defRPr>
       </a:lvl3pPr>
-      <a:lvl4pPr marL="1600200" indent="-228600" algn="l" defTabSz="914400" rtl="0" eaLnBrk="1" latinLnBrk="0" hangingPunct="1">
+      <a:lvl4pPr marL="749808" indent="-182880" algn="l" defTabSz="914400" rtl="0" eaLnBrk="1" latinLnBrk="0" hangingPunct="1">
         <a:lnSpc>
           <a:spcPct val="90000"/>
         </a:lnSpc>
         <a:spcBef>
-          <a:spcPts val="500"/>
+          <a:spcPts val="200"/>
         </a:spcBef>
-        <a:buFont typeface="Arial" panose="020B0604020202020204" pitchFamily="34" charset="0"/>
-        <a:buChar char="•"/>
-        <a:defRPr sz="1800" kern="1200">
+        <a:spcAft>
+          <a:spcPts val="400"/>
+        </a:spcAft>
+        <a:buClr>
+          <a:schemeClr val="accent1"/>
+        </a:buClr>
+        <a:buFont typeface="Calibri" pitchFamily="34" charset="0"/>
+        <a:buChar char="◦"/>
+        <a:defRPr sz="1400" kern="1200">
           <a:solidFill>
-            <a:schemeClr val="tx1"/>
+            <a:schemeClr val="tx1">
+              <a:lumMod val="75000"/>
+              <a:lumOff val="25000"/>
+            </a:schemeClr>
           </a:solidFill>
           <a:latin typeface="+mn-lt"/>
           <a:ea typeface="+mn-ea"/>
           <a:cs typeface="+mn-cs"/>
         </a:defRPr>
       </a:lvl4pPr>
-      <a:lvl5pPr marL="2057400" indent="-228600" algn="l" defTabSz="914400" rtl="0" eaLnBrk="1" latinLnBrk="0" hangingPunct="1">
+      <a:lvl5pPr marL="932688" indent="-182880" algn="l" defTabSz="914400" rtl="0" eaLnBrk="1" latinLnBrk="0" hangingPunct="1">
         <a:lnSpc>
           <a:spcPct val="90000"/>
         </a:lnSpc>
         <a:spcBef>
-          <a:spcPts val="500"/>
+          <a:spcPts val="200"/>
         </a:spcBef>
-        <a:buFont typeface="Arial" panose="020B0604020202020204" pitchFamily="34" charset="0"/>
-        <a:buChar char="•"/>
-        <a:defRPr sz="1800" kern="1200">
+        <a:spcAft>
+          <a:spcPts val="400"/>
+        </a:spcAft>
+        <a:buClr>
+          <a:schemeClr val="accent1"/>
+        </a:buClr>
+        <a:buFont typeface="Calibri" pitchFamily="34" charset="0"/>
+        <a:buChar char="◦"/>
+        <a:defRPr sz="1400" kern="1200">
           <a:solidFill>
-            <a:schemeClr val="tx1"/>
+            <a:schemeClr val="tx1">
+              <a:lumMod val="75000"/>
+              <a:lumOff val="25000"/>
+            </a:schemeClr>
           </a:solidFill>
           <a:latin typeface="+mn-lt"/>
           <a:ea typeface="+mn-ea"/>
           <a:cs typeface="+mn-cs"/>
         </a:defRPr>
       </a:lvl5pPr>
-      <a:lvl6pPr marL="2514600" indent="-228600" algn="l" defTabSz="914400" rtl="0" eaLnBrk="1" latinLnBrk="0" hangingPunct="1">
+      <a:lvl6pPr marL="1100000" indent="-228600" algn="l" defTabSz="914400" rtl="0" eaLnBrk="1" latinLnBrk="0" hangingPunct="1">
         <a:lnSpc>
           <a:spcPct val="90000"/>
         </a:lnSpc>
         <a:spcBef>
-          <a:spcPts val="500"/>
+          <a:spcPts val="200"/>
         </a:spcBef>
-        <a:buFont typeface="Arial" panose="020B0604020202020204" pitchFamily="34" charset="0"/>
-        <a:buChar char="•"/>
-        <a:defRPr sz="1800" kern="1200">
+        <a:spcAft>
+          <a:spcPts val="400"/>
+        </a:spcAft>
+        <a:buClr>
+          <a:schemeClr val="accent1"/>
+        </a:buClr>
+        <a:buFont typeface="Calibri" pitchFamily="34" charset="0"/>
+        <a:buChar char="◦"/>
+        <a:defRPr sz="1400" kern="1200">
           <a:solidFill>
-            <a:schemeClr val="tx1"/>
+            <a:schemeClr val="tx1">
+              <a:lumMod val="75000"/>
+              <a:lumOff val="25000"/>
+            </a:schemeClr>
           </a:solidFill>
           <a:latin typeface="+mn-lt"/>
           <a:ea typeface="+mn-ea"/>
           <a:cs typeface="+mn-cs"/>
         </a:defRPr>
       </a:lvl6pPr>
-      <a:lvl7pPr marL="2971800" indent="-228600" algn="l" defTabSz="914400" rtl="0" eaLnBrk="1" latinLnBrk="0" hangingPunct="1">
+      <a:lvl7pPr marL="1300000" indent="-228600" algn="l" defTabSz="914400" rtl="0" eaLnBrk="1" latinLnBrk="0" hangingPunct="1">
         <a:lnSpc>
           <a:spcPct val="90000"/>
         </a:lnSpc>
         <a:spcBef>
-          <a:spcPts val="500"/>
+          <a:spcPts val="200"/>
         </a:spcBef>
-        <a:buFont typeface="Arial" panose="020B0604020202020204" pitchFamily="34" charset="0"/>
-        <a:buChar char="•"/>
-        <a:defRPr sz="1800" kern="1200">
+        <a:spcAft>
+          <a:spcPts val="400"/>
+        </a:spcAft>
+        <a:buClr>
+          <a:schemeClr val="accent1"/>
+        </a:buClr>
+        <a:buFont typeface="Calibri" pitchFamily="34" charset="0"/>
+        <a:buChar char="◦"/>
+        <a:defRPr sz="1400" kern="1200">
           <a:solidFill>
-            <a:schemeClr val="tx1"/>
+            <a:schemeClr val="tx1">
+              <a:lumMod val="75000"/>
+              <a:lumOff val="25000"/>
+            </a:schemeClr>
           </a:solidFill>
           <a:latin typeface="+mn-lt"/>
           <a:ea typeface="+mn-ea"/>
           <a:cs typeface="+mn-cs"/>
         </a:defRPr>
       </a:lvl7pPr>
-      <a:lvl8pPr marL="3429000" indent="-228600" algn="l" defTabSz="914400" rtl="0" eaLnBrk="1" latinLnBrk="0" hangingPunct="1">
+      <a:lvl8pPr marL="1500000" indent="-228600" algn="l" defTabSz="914400" rtl="0" eaLnBrk="1" latinLnBrk="0" hangingPunct="1">
         <a:lnSpc>
           <a:spcPct val="90000"/>
         </a:lnSpc>
         <a:spcBef>
-          <a:spcPts val="500"/>
+          <a:spcPts val="200"/>
         </a:spcBef>
-        <a:buFont typeface="Arial" panose="020B0604020202020204" pitchFamily="34" charset="0"/>
-        <a:buChar char="•"/>
-        <a:defRPr sz="1800" kern="1200">
+        <a:spcAft>
+          <a:spcPts val="400"/>
+        </a:spcAft>
+        <a:buClr>
+          <a:schemeClr val="accent1"/>
+        </a:buClr>
+        <a:buFont typeface="Calibri" pitchFamily="34" charset="0"/>
+        <a:buChar char="◦"/>
+        <a:defRPr sz="1400" kern="1200">
           <a:solidFill>
-            <a:schemeClr val="tx1"/>
+            <a:schemeClr val="tx1">
+              <a:lumMod val="75000"/>
+              <a:lumOff val="25000"/>
+            </a:schemeClr>
           </a:solidFill>
           <a:latin typeface="+mn-lt"/>
           <a:ea typeface="+mn-ea"/>
           <a:cs typeface="+mn-cs"/>
         </a:defRPr>
       </a:lvl8pPr>
-      <a:lvl9pPr marL="3886200" indent="-228600" algn="l" defTabSz="914400" rtl="0" eaLnBrk="1" latinLnBrk="0" hangingPunct="1">
+      <a:lvl9pPr marL="1700000" indent="-228600" algn="l" defTabSz="914400" rtl="0" eaLnBrk="1" latinLnBrk="0" hangingPunct="1">
         <a:lnSpc>
           <a:spcPct val="90000"/>
         </a:lnSpc>
         <a:spcBef>
-          <a:spcPts val="500"/>
+          <a:spcPts val="200"/>
         </a:spcBef>
-        <a:buFont typeface="Arial" panose="020B0604020202020204" pitchFamily="34" charset="0"/>
-        <a:buChar char="•"/>
-        <a:defRPr sz="1800" kern="1200">
+        <a:spcAft>
+          <a:spcPts val="400"/>
+        </a:spcAft>
+        <a:buClr>
+          <a:schemeClr val="accent1"/>
+        </a:buClr>
+        <a:buFont typeface="Calibri" pitchFamily="34" charset="0"/>
+        <a:buChar char="◦"/>
+        <a:defRPr sz="1400" kern="1200">
           <a:solidFill>
-            <a:schemeClr val="tx1"/>
+            <a:schemeClr val="tx1">
+              <a:lumMod val="75000"/>
+              <a:lumOff val="25000"/>
+            </a:schemeClr>
           </a:solidFill>
           <a:latin typeface="+mn-lt"/>
           <a:ea typeface="+mn-ea"/>
@@ -2976,6 +3840,36 @@
             <p:ph type="ctrTitle"/>
           </p:nvPr>
         </p:nvSpPr>
+        <p:spPr>
+          <a:xfrm>
+            <a:off x="1524000" y="1122363"/>
+            <a:ext cx="9144000" cy="912499"/>
+          </a:xfrm>
+        </p:spPr>
+        <p:txBody>
+          <a:bodyPr>
+            <a:normAutofit fontScale="90000"/>
+          </a:bodyPr>
+          <a:lstStyle/>
+          <a:p>
+            <a:r>
+              <a:rPr lang="en-US" sz="6000" dirty="0" smtClean="0"/>
+              <a:t>Predicting Home Values Through Random Forest</a:t>
+            </a:r>
+            <a:endParaRPr lang="en-US" sz="6000" dirty="0"/>
+          </a:p>
+        </p:txBody>
+      </p:sp>
+      <p:sp>
+        <p:nvSpPr>
+          <p:cNvPr id="3" name="Subtitle 2"/>
+          <p:cNvSpPr>
+            <a:spLocks noGrp="1"/>
+          </p:cNvSpPr>
+          <p:nvPr>
+            <p:ph type="subTitle" idx="1"/>
+          </p:nvPr>
+        </p:nvSpPr>
         <p:spPr/>
         <p:txBody>
           <a:bodyPr/>
@@ -2983,28 +3877,18 @@
           <a:p>
             <a:r>
               <a:rPr lang="en-US" dirty="0" smtClean="0"/>
-              <a:t>First test</a:t>
+              <a:t>By: Alfredo Martinez</a:t>
             </a:r>
             <a:endParaRPr lang="en-US" dirty="0"/>
           </a:p>
-        </p:txBody>
-      </p:sp>
-      <p:sp>
-        <p:nvSpPr>
-          <p:cNvPr id="3" name="Subtitle 2"/>
-          <p:cNvSpPr>
-            <a:spLocks noGrp="1"/>
-          </p:cNvSpPr>
-          <p:nvPr>
-            <p:ph type="subTitle" idx="1"/>
-          </p:nvPr>
-        </p:nvSpPr>
-        <p:spPr/>
-        <p:txBody>
-          <a:bodyPr/>
-          <a:lstStyle/>
-          <a:p>
-            <a:endParaRPr lang="en-US"/>
+          <a:p>
+            <a:r>
+              <a:rPr lang="en-US" dirty="0" smtClean="0"/>
+              <a:t>2017</a:t>
+            </a:r>
+          </a:p>
+          <a:p>
+            <a:endParaRPr lang="en-US" dirty="0" smtClean="0"/>
           </a:p>
         </p:txBody>
       </p:sp>
@@ -3018,6 +3902,1177 @@
   <p:clrMapOvr>
     <a:masterClrMapping/>
   </p:clrMapOvr>
+  <p:timing>
+    <p:tnLst>
+      <p:par>
+        <p:cTn id="1" dur="indefinite" restart="never" nodeType="tmRoot"/>
+      </p:par>
+    </p:tnLst>
+  </p:timing>
+</p:sld>
+</file>
+
+<file path=ppt/slides/slide10.xml><?xml version="1.0" encoding="utf-8"?>
+<p:sld xmlns:a="http://schemas.openxmlformats.org/drawingml/2006/main" xmlns:r="http://schemas.openxmlformats.org/officeDocument/2006/relationships" xmlns:p="http://schemas.openxmlformats.org/presentationml/2006/main">
+  <p:cSld>
+    <p:spTree>
+      <p:nvGrpSpPr>
+        <p:cNvPr id="1" name=""/>
+        <p:cNvGrpSpPr/>
+        <p:nvPr/>
+      </p:nvGrpSpPr>
+      <p:grpSpPr>
+        <a:xfrm>
+          <a:off x="0" y="0"/>
+          <a:ext cx="0" cy="0"/>
+          <a:chOff x="0" y="0"/>
+          <a:chExt cx="0" cy="0"/>
+        </a:xfrm>
+      </p:grpSpPr>
+      <p:sp>
+        <p:nvSpPr>
+          <p:cNvPr id="2" name="Title 1"/>
+          <p:cNvSpPr>
+            <a:spLocks noGrp="1"/>
+          </p:cNvSpPr>
+          <p:nvPr>
+            <p:ph type="title"/>
+          </p:nvPr>
+        </p:nvSpPr>
+        <p:spPr/>
+        <p:txBody>
+          <a:bodyPr/>
+          <a:lstStyle/>
+          <a:p>
+            <a:r>
+              <a:rPr lang="en-US" dirty="0"/>
+              <a:t>Exploratory Data Analysis</a:t>
+            </a:r>
+          </a:p>
+        </p:txBody>
+      </p:sp>
+      <p:pic>
+        <p:nvPicPr>
+          <p:cNvPr id="4" name="Content Placeholder 3"/>
+          <p:cNvPicPr>
+            <a:picLocks noGrp="1" noChangeAspect="1"/>
+          </p:cNvPicPr>
+          <p:nvPr>
+            <p:ph idx="1"/>
+          </p:nvPr>
+        </p:nvPicPr>
+        <p:blipFill>
+          <a:blip r:embed="rId2">
+            <a:extLst>
+              <a:ext uri="{28A0092B-C50C-407E-A947-70E740481C1C}">
+                <a14:useLocalDpi xmlns:a14="http://schemas.microsoft.com/office/drawing/2010/main" val="0"/>
+              </a:ext>
+            </a:extLst>
+          </a:blip>
+          <a:stretch>
+            <a:fillRect/>
+          </a:stretch>
+        </p:blipFill>
+        <p:spPr>
+          <a:xfrm>
+            <a:off x="1674253" y="2110976"/>
+            <a:ext cx="8783391" cy="3993609"/>
+          </a:xfrm>
+        </p:spPr>
+      </p:pic>
+    </p:spTree>
+    <p:extLst>
+      <p:ext uri="{BB962C8B-B14F-4D97-AF65-F5344CB8AC3E}">
+        <p14:creationId xmlns:p14="http://schemas.microsoft.com/office/powerpoint/2010/main" val="3250726646"/>
+      </p:ext>
+    </p:extLst>
+  </p:cSld>
+  <p:clrMapOvr>
+    <a:masterClrMapping/>
+  </p:clrMapOvr>
+  <p:timing>
+    <p:tnLst>
+      <p:par>
+        <p:cTn id="1" dur="indefinite" restart="never" nodeType="tmRoot"/>
+      </p:par>
+    </p:tnLst>
+  </p:timing>
+</p:sld>
+</file>
+
+<file path=ppt/slides/slide11.xml><?xml version="1.0" encoding="utf-8"?>
+<p:sld xmlns:a="http://schemas.openxmlformats.org/drawingml/2006/main" xmlns:r="http://schemas.openxmlformats.org/officeDocument/2006/relationships" xmlns:p="http://schemas.openxmlformats.org/presentationml/2006/main">
+  <p:cSld>
+    <p:spTree>
+      <p:nvGrpSpPr>
+        <p:cNvPr id="1" name=""/>
+        <p:cNvGrpSpPr/>
+        <p:nvPr/>
+      </p:nvGrpSpPr>
+      <p:grpSpPr>
+        <a:xfrm>
+          <a:off x="0" y="0"/>
+          <a:ext cx="0" cy="0"/>
+          <a:chOff x="0" y="0"/>
+          <a:chExt cx="0" cy="0"/>
+        </a:xfrm>
+      </p:grpSpPr>
+      <p:sp>
+        <p:nvSpPr>
+          <p:cNvPr id="2" name="Title 1"/>
+          <p:cNvSpPr>
+            <a:spLocks noGrp="1"/>
+          </p:cNvSpPr>
+          <p:nvPr>
+            <p:ph type="title"/>
+          </p:nvPr>
+        </p:nvSpPr>
+        <p:spPr/>
+        <p:txBody>
+          <a:bodyPr/>
+          <a:lstStyle/>
+          <a:p>
+            <a:r>
+              <a:rPr lang="en-US" dirty="0"/>
+              <a:t>Exploratory Data Analysis</a:t>
+            </a:r>
+          </a:p>
+        </p:txBody>
+      </p:sp>
+      <p:pic>
+        <p:nvPicPr>
+          <p:cNvPr id="4" name="Content Placeholder 3"/>
+          <p:cNvPicPr>
+            <a:picLocks noGrp="1" noChangeAspect="1"/>
+          </p:cNvPicPr>
+          <p:nvPr>
+            <p:ph idx="1"/>
+          </p:nvPr>
+        </p:nvPicPr>
+        <p:blipFill>
+          <a:blip r:embed="rId2">
+            <a:extLst>
+              <a:ext uri="{28A0092B-C50C-407E-A947-70E740481C1C}">
+                <a14:useLocalDpi xmlns:a14="http://schemas.microsoft.com/office/drawing/2010/main" val="0"/>
+              </a:ext>
+            </a:extLst>
+          </a:blip>
+          <a:stretch>
+            <a:fillRect/>
+          </a:stretch>
+        </p:blipFill>
+        <p:spPr>
+          <a:xfrm>
+            <a:off x="1571223" y="2110976"/>
+            <a:ext cx="9350062" cy="3967851"/>
+          </a:xfrm>
+        </p:spPr>
+      </p:pic>
+    </p:spTree>
+    <p:extLst>
+      <p:ext uri="{BB962C8B-B14F-4D97-AF65-F5344CB8AC3E}">
+        <p14:creationId xmlns:p14="http://schemas.microsoft.com/office/powerpoint/2010/main" val="1897527995"/>
+      </p:ext>
+    </p:extLst>
+  </p:cSld>
+  <p:clrMapOvr>
+    <a:masterClrMapping/>
+  </p:clrMapOvr>
+  <p:timing>
+    <p:tnLst>
+      <p:par>
+        <p:cTn id="1" dur="indefinite" restart="never" nodeType="tmRoot"/>
+      </p:par>
+    </p:tnLst>
+  </p:timing>
+</p:sld>
+</file>
+
+<file path=ppt/slides/slide12.xml><?xml version="1.0" encoding="utf-8"?>
+<p:sld xmlns:a="http://schemas.openxmlformats.org/drawingml/2006/main" xmlns:r="http://schemas.openxmlformats.org/officeDocument/2006/relationships" xmlns:p="http://schemas.openxmlformats.org/presentationml/2006/main">
+  <p:cSld>
+    <p:spTree>
+      <p:nvGrpSpPr>
+        <p:cNvPr id="1" name=""/>
+        <p:cNvGrpSpPr/>
+        <p:nvPr/>
+      </p:nvGrpSpPr>
+      <p:grpSpPr>
+        <a:xfrm>
+          <a:off x="0" y="0"/>
+          <a:ext cx="0" cy="0"/>
+          <a:chOff x="0" y="0"/>
+          <a:chExt cx="0" cy="0"/>
+        </a:xfrm>
+      </p:grpSpPr>
+      <p:sp>
+        <p:nvSpPr>
+          <p:cNvPr id="2" name="Title 1"/>
+          <p:cNvSpPr>
+            <a:spLocks noGrp="1"/>
+          </p:cNvSpPr>
+          <p:nvPr>
+            <p:ph type="title"/>
+          </p:nvPr>
+        </p:nvSpPr>
+        <p:spPr/>
+        <p:txBody>
+          <a:bodyPr/>
+          <a:lstStyle/>
+          <a:p>
+            <a:r>
+              <a:rPr lang="en-US" dirty="0"/>
+              <a:t>Exploratory Data Analysis</a:t>
+            </a:r>
+          </a:p>
+        </p:txBody>
+      </p:sp>
+      <p:pic>
+        <p:nvPicPr>
+          <p:cNvPr id="4" name="Content Placeholder 3"/>
+          <p:cNvPicPr>
+            <a:picLocks noGrp="1" noChangeAspect="1"/>
+          </p:cNvPicPr>
+          <p:nvPr>
+            <p:ph idx="1"/>
+          </p:nvPr>
+        </p:nvPicPr>
+        <p:blipFill>
+          <a:blip r:embed="rId2">
+            <a:extLst>
+              <a:ext uri="{28A0092B-C50C-407E-A947-70E740481C1C}">
+                <a14:useLocalDpi xmlns:a14="http://schemas.microsoft.com/office/drawing/2010/main" val="0"/>
+              </a:ext>
+            </a:extLst>
+          </a:blip>
+          <a:stretch>
+            <a:fillRect/>
+          </a:stretch>
+        </p:blipFill>
+        <p:spPr>
+          <a:xfrm>
+            <a:off x="1455313" y="2098097"/>
+            <a:ext cx="8706118" cy="3839063"/>
+          </a:xfrm>
+        </p:spPr>
+      </p:pic>
+    </p:spTree>
+    <p:extLst>
+      <p:ext uri="{BB962C8B-B14F-4D97-AF65-F5344CB8AC3E}">
+        <p14:creationId xmlns:p14="http://schemas.microsoft.com/office/powerpoint/2010/main" val="2611995064"/>
+      </p:ext>
+    </p:extLst>
+  </p:cSld>
+  <p:clrMapOvr>
+    <a:masterClrMapping/>
+  </p:clrMapOvr>
+  <p:timing>
+    <p:tnLst>
+      <p:par>
+        <p:cTn id="1" dur="indefinite" restart="never" nodeType="tmRoot"/>
+      </p:par>
+    </p:tnLst>
+  </p:timing>
+</p:sld>
+</file>
+
+<file path=ppt/slides/slide13.xml><?xml version="1.0" encoding="utf-8"?>
+<p:sld xmlns:a="http://schemas.openxmlformats.org/drawingml/2006/main" xmlns:r="http://schemas.openxmlformats.org/officeDocument/2006/relationships" xmlns:p="http://schemas.openxmlformats.org/presentationml/2006/main">
+  <p:cSld>
+    <p:spTree>
+      <p:nvGrpSpPr>
+        <p:cNvPr id="1" name=""/>
+        <p:cNvGrpSpPr/>
+        <p:nvPr/>
+      </p:nvGrpSpPr>
+      <p:grpSpPr>
+        <a:xfrm>
+          <a:off x="0" y="0"/>
+          <a:ext cx="0" cy="0"/>
+          <a:chOff x="0" y="0"/>
+          <a:chExt cx="0" cy="0"/>
+        </a:xfrm>
+      </p:grpSpPr>
+      <p:sp>
+        <p:nvSpPr>
+          <p:cNvPr id="2" name="Title 1"/>
+          <p:cNvSpPr>
+            <a:spLocks noGrp="1"/>
+          </p:cNvSpPr>
+          <p:nvPr>
+            <p:ph type="title"/>
+          </p:nvPr>
+        </p:nvSpPr>
+        <p:spPr/>
+        <p:txBody>
+          <a:bodyPr/>
+          <a:lstStyle/>
+          <a:p>
+            <a:r>
+              <a:rPr lang="en-US" dirty="0"/>
+              <a:t>Exploratory Data Analysis</a:t>
+            </a:r>
+          </a:p>
+        </p:txBody>
+      </p:sp>
+      <p:pic>
+        <p:nvPicPr>
+          <p:cNvPr id="4" name="Content Placeholder 3"/>
+          <p:cNvPicPr>
+            <a:picLocks noGrp="1" noChangeAspect="1"/>
+          </p:cNvPicPr>
+          <p:nvPr>
+            <p:ph idx="1"/>
+          </p:nvPr>
+        </p:nvPicPr>
+        <p:blipFill>
+          <a:blip r:embed="rId2">
+            <a:extLst>
+              <a:ext uri="{28A0092B-C50C-407E-A947-70E740481C1C}">
+                <a14:useLocalDpi xmlns:a14="http://schemas.microsoft.com/office/drawing/2010/main" val="0"/>
+              </a:ext>
+            </a:extLst>
+          </a:blip>
+          <a:stretch>
+            <a:fillRect/>
+          </a:stretch>
+        </p:blipFill>
+        <p:spPr>
+          <a:xfrm>
+            <a:off x="1096963" y="2037147"/>
+            <a:ext cx="10058400" cy="3990166"/>
+          </a:xfrm>
+        </p:spPr>
+      </p:pic>
+    </p:spTree>
+    <p:extLst>
+      <p:ext uri="{BB962C8B-B14F-4D97-AF65-F5344CB8AC3E}">
+        <p14:creationId xmlns:p14="http://schemas.microsoft.com/office/powerpoint/2010/main" val="1971150792"/>
+      </p:ext>
+    </p:extLst>
+  </p:cSld>
+  <p:clrMapOvr>
+    <a:masterClrMapping/>
+  </p:clrMapOvr>
+  <p:timing>
+    <p:tnLst>
+      <p:par>
+        <p:cTn id="1" dur="indefinite" restart="never" nodeType="tmRoot"/>
+      </p:par>
+    </p:tnLst>
+  </p:timing>
+</p:sld>
+</file>
+
+<file path=ppt/slides/slide14.xml><?xml version="1.0" encoding="utf-8"?>
+<p:sld xmlns:a="http://schemas.openxmlformats.org/drawingml/2006/main" xmlns:r="http://schemas.openxmlformats.org/officeDocument/2006/relationships" xmlns:p="http://schemas.openxmlformats.org/presentationml/2006/main">
+  <p:cSld>
+    <p:spTree>
+      <p:nvGrpSpPr>
+        <p:cNvPr id="1" name=""/>
+        <p:cNvGrpSpPr/>
+        <p:nvPr/>
+      </p:nvGrpSpPr>
+      <p:grpSpPr>
+        <a:xfrm>
+          <a:off x="0" y="0"/>
+          <a:ext cx="0" cy="0"/>
+          <a:chOff x="0" y="0"/>
+          <a:chExt cx="0" cy="0"/>
+        </a:xfrm>
+      </p:grpSpPr>
+      <p:sp>
+        <p:nvSpPr>
+          <p:cNvPr id="2" name="Title 1"/>
+          <p:cNvSpPr>
+            <a:spLocks noGrp="1"/>
+          </p:cNvSpPr>
+          <p:nvPr>
+            <p:ph type="title"/>
+          </p:nvPr>
+        </p:nvSpPr>
+        <p:spPr/>
+        <p:txBody>
+          <a:bodyPr/>
+          <a:lstStyle/>
+          <a:p>
+            <a:r>
+              <a:rPr lang="en-US" dirty="0"/>
+              <a:t>Exploratory Data Analysis</a:t>
+            </a:r>
+          </a:p>
+        </p:txBody>
+      </p:sp>
+      <p:pic>
+        <p:nvPicPr>
+          <p:cNvPr id="4" name="Content Placeholder 3"/>
+          <p:cNvPicPr>
+            <a:picLocks noGrp="1" noChangeAspect="1"/>
+          </p:cNvPicPr>
+          <p:nvPr>
+            <p:ph idx="1"/>
+          </p:nvPr>
+        </p:nvPicPr>
+        <p:blipFill>
+          <a:blip r:embed="rId2">
+            <a:extLst>
+              <a:ext uri="{28A0092B-C50C-407E-A947-70E740481C1C}">
+                <a14:useLocalDpi xmlns:a14="http://schemas.microsoft.com/office/drawing/2010/main" val="0"/>
+              </a:ext>
+            </a:extLst>
+          </a:blip>
+          <a:stretch>
+            <a:fillRect/>
+          </a:stretch>
+        </p:blipFill>
+        <p:spPr>
+          <a:xfrm>
+            <a:off x="1096963" y="2027895"/>
+            <a:ext cx="10058400" cy="4179721"/>
+          </a:xfrm>
+        </p:spPr>
+      </p:pic>
+    </p:spTree>
+    <p:extLst>
+      <p:ext uri="{BB962C8B-B14F-4D97-AF65-F5344CB8AC3E}">
+        <p14:creationId xmlns:p14="http://schemas.microsoft.com/office/powerpoint/2010/main" val="4289621016"/>
+      </p:ext>
+    </p:extLst>
+  </p:cSld>
+  <p:clrMapOvr>
+    <a:masterClrMapping/>
+  </p:clrMapOvr>
+  <p:timing>
+    <p:tnLst>
+      <p:par>
+        <p:cTn id="1" dur="indefinite" restart="never" nodeType="tmRoot"/>
+      </p:par>
+    </p:tnLst>
+  </p:timing>
+</p:sld>
+</file>
+
+<file path=ppt/slides/slide15.xml><?xml version="1.0" encoding="utf-8"?>
+<p:sld xmlns:a="http://schemas.openxmlformats.org/drawingml/2006/main" xmlns:r="http://schemas.openxmlformats.org/officeDocument/2006/relationships" xmlns:p="http://schemas.openxmlformats.org/presentationml/2006/main">
+  <p:cSld>
+    <p:spTree>
+      <p:nvGrpSpPr>
+        <p:cNvPr id="1" name=""/>
+        <p:cNvGrpSpPr/>
+        <p:nvPr/>
+      </p:nvGrpSpPr>
+      <p:grpSpPr>
+        <a:xfrm>
+          <a:off x="0" y="0"/>
+          <a:ext cx="0" cy="0"/>
+          <a:chOff x="0" y="0"/>
+          <a:chExt cx="0" cy="0"/>
+        </a:xfrm>
+      </p:grpSpPr>
+      <p:sp>
+        <p:nvSpPr>
+          <p:cNvPr id="2" name="Title 1"/>
+          <p:cNvSpPr>
+            <a:spLocks noGrp="1"/>
+          </p:cNvSpPr>
+          <p:nvPr>
+            <p:ph type="title"/>
+          </p:nvPr>
+        </p:nvSpPr>
+        <p:spPr/>
+        <p:txBody>
+          <a:bodyPr/>
+          <a:lstStyle/>
+          <a:p>
+            <a:r>
+              <a:rPr lang="en-US" dirty="0"/>
+              <a:t>Exploratory Data Analysis</a:t>
+            </a:r>
+          </a:p>
+        </p:txBody>
+      </p:sp>
+      <p:pic>
+        <p:nvPicPr>
+          <p:cNvPr id="4" name="Content Placeholder 3"/>
+          <p:cNvPicPr>
+            <a:picLocks noGrp="1" noChangeAspect="1"/>
+          </p:cNvPicPr>
+          <p:nvPr>
+            <p:ph idx="1"/>
+          </p:nvPr>
+        </p:nvPicPr>
+        <p:blipFill>
+          <a:blip r:embed="rId2">
+            <a:extLst>
+              <a:ext uri="{28A0092B-C50C-407E-A947-70E740481C1C}">
+                <a14:useLocalDpi xmlns:a14="http://schemas.microsoft.com/office/drawing/2010/main" val="0"/>
+              </a:ext>
+            </a:extLst>
+          </a:blip>
+          <a:stretch>
+            <a:fillRect/>
+          </a:stretch>
+        </p:blipFill>
+        <p:spPr>
+          <a:xfrm>
+            <a:off x="1096963" y="2022301"/>
+            <a:ext cx="10058400" cy="4108043"/>
+          </a:xfrm>
+        </p:spPr>
+      </p:pic>
+    </p:spTree>
+    <p:extLst>
+      <p:ext uri="{BB962C8B-B14F-4D97-AF65-F5344CB8AC3E}">
+        <p14:creationId xmlns:p14="http://schemas.microsoft.com/office/powerpoint/2010/main" val="4125972213"/>
+      </p:ext>
+    </p:extLst>
+  </p:cSld>
+  <p:clrMapOvr>
+    <a:masterClrMapping/>
+  </p:clrMapOvr>
+  <p:timing>
+    <p:tnLst>
+      <p:par>
+        <p:cTn id="1" dur="indefinite" restart="never" nodeType="tmRoot"/>
+      </p:par>
+    </p:tnLst>
+  </p:timing>
+</p:sld>
+</file>
+
+<file path=ppt/slides/slide16.xml><?xml version="1.0" encoding="utf-8"?>
+<p:sld xmlns:a="http://schemas.openxmlformats.org/drawingml/2006/main" xmlns:r="http://schemas.openxmlformats.org/officeDocument/2006/relationships" xmlns:p="http://schemas.openxmlformats.org/presentationml/2006/main">
+  <p:cSld>
+    <p:spTree>
+      <p:nvGrpSpPr>
+        <p:cNvPr id="1" name=""/>
+        <p:cNvGrpSpPr/>
+        <p:nvPr/>
+      </p:nvGrpSpPr>
+      <p:grpSpPr>
+        <a:xfrm>
+          <a:off x="0" y="0"/>
+          <a:ext cx="0" cy="0"/>
+          <a:chOff x="0" y="0"/>
+          <a:chExt cx="0" cy="0"/>
+        </a:xfrm>
+      </p:grpSpPr>
+      <p:sp>
+        <p:nvSpPr>
+          <p:cNvPr id="2" name="Title 1"/>
+          <p:cNvSpPr>
+            <a:spLocks noGrp="1"/>
+          </p:cNvSpPr>
+          <p:nvPr>
+            <p:ph type="title"/>
+          </p:nvPr>
+        </p:nvSpPr>
+        <p:spPr/>
+        <p:txBody>
+          <a:bodyPr/>
+          <a:lstStyle/>
+          <a:p>
+            <a:r>
+              <a:rPr lang="en-US" dirty="0" smtClean="0"/>
+              <a:t>Inferential Analysis</a:t>
+            </a:r>
+            <a:endParaRPr lang="en-US" dirty="0"/>
+          </a:p>
+        </p:txBody>
+      </p:sp>
+      <p:sp>
+        <p:nvSpPr>
+          <p:cNvPr id="3" name="Content Placeholder 2"/>
+          <p:cNvSpPr>
+            <a:spLocks noGrp="1"/>
+          </p:cNvSpPr>
+          <p:nvPr>
+            <p:ph idx="1"/>
+          </p:nvPr>
+        </p:nvSpPr>
+        <p:spPr/>
+        <p:txBody>
+          <a:bodyPr>
+            <a:normAutofit/>
+          </a:bodyPr>
+          <a:lstStyle/>
+          <a:p>
+            <a:r>
+              <a:rPr lang="en-US" sz="2400" dirty="0" smtClean="0"/>
+              <a:t>Alpha set at .05</a:t>
+            </a:r>
+          </a:p>
+          <a:p>
+            <a:r>
+              <a:rPr lang="en-US" sz="2400" dirty="0"/>
+              <a:t>S</a:t>
+            </a:r>
+            <a:r>
+              <a:rPr lang="en-US" sz="2400" dirty="0" smtClean="0"/>
+              <a:t>ignificant price difference analysis about population.</a:t>
+            </a:r>
+          </a:p>
+          <a:p>
+            <a:endParaRPr lang="en-US" dirty="0" smtClean="0"/>
+          </a:p>
+          <a:p>
+            <a:r>
+              <a:rPr lang="en-US" b="1" dirty="0" smtClean="0"/>
+              <a:t>Central unit vs not a central unit</a:t>
+            </a:r>
+          </a:p>
+          <a:p>
+            <a:r>
+              <a:rPr lang="en-US" sz="1800" dirty="0" smtClean="0"/>
+              <a:t>P-value: </a:t>
+            </a:r>
+            <a:r>
+              <a:rPr lang="en-US" sz="1800" dirty="0"/>
+              <a:t>0.010090621217186681</a:t>
+            </a:r>
+            <a:endParaRPr lang="en-US" sz="1800" dirty="0"/>
+          </a:p>
+          <a:p>
+            <a:r>
+              <a:rPr lang="en-US" b="1" dirty="0" smtClean="0"/>
+              <a:t>One story houses  vs Two story houses </a:t>
+            </a:r>
+          </a:p>
+          <a:p>
+            <a:r>
+              <a:rPr lang="en-US" sz="1800" dirty="0" smtClean="0"/>
+              <a:t>P-value: </a:t>
+            </a:r>
+            <a:r>
+              <a:rPr lang="en-US" sz="1800" dirty="0"/>
+              <a:t>3.5535259636604621e-13</a:t>
+            </a:r>
+            <a:endParaRPr lang="en-US" sz="1800" dirty="0"/>
+          </a:p>
+          <a:p>
+            <a:r>
+              <a:rPr lang="en-US" b="1" dirty="0"/>
+              <a:t>G</a:t>
+            </a:r>
+            <a:r>
+              <a:rPr lang="en-US" b="1" dirty="0" smtClean="0"/>
+              <a:t>ood privacy fence vs minimum privacy fence</a:t>
+            </a:r>
+          </a:p>
+          <a:p>
+            <a:r>
+              <a:rPr lang="en-US" sz="1800" dirty="0" smtClean="0"/>
+              <a:t>P-value: </a:t>
+            </a:r>
+            <a:r>
+              <a:rPr lang="en-US" sz="1800" dirty="0"/>
+              <a:t>0.37003494954970051</a:t>
+            </a:r>
+            <a:endParaRPr lang="en-US" sz="1800" dirty="0"/>
+          </a:p>
+        </p:txBody>
+      </p:sp>
+    </p:spTree>
+    <p:extLst>
+      <p:ext uri="{BB962C8B-B14F-4D97-AF65-F5344CB8AC3E}">
+        <p14:creationId xmlns:p14="http://schemas.microsoft.com/office/powerpoint/2010/main" val="134407662"/>
+      </p:ext>
+    </p:extLst>
+  </p:cSld>
+  <p:clrMapOvr>
+    <a:masterClrMapping/>
+  </p:clrMapOvr>
+  <p:timing>
+    <p:tnLst>
+      <p:par>
+        <p:cTn id="1" dur="indefinite" restart="never" nodeType="tmRoot"/>
+      </p:par>
+    </p:tnLst>
+  </p:timing>
+</p:sld>
+</file>
+
+<file path=ppt/slides/slide17.xml><?xml version="1.0" encoding="utf-8"?>
+<p:sld xmlns:a="http://schemas.openxmlformats.org/drawingml/2006/main" xmlns:r="http://schemas.openxmlformats.org/officeDocument/2006/relationships" xmlns:p="http://schemas.openxmlformats.org/presentationml/2006/main">
+  <p:cSld>
+    <p:spTree>
+      <p:nvGrpSpPr>
+        <p:cNvPr id="1" name=""/>
+        <p:cNvGrpSpPr/>
+        <p:nvPr/>
+      </p:nvGrpSpPr>
+      <p:grpSpPr>
+        <a:xfrm>
+          <a:off x="0" y="0"/>
+          <a:ext cx="0" cy="0"/>
+          <a:chOff x="0" y="0"/>
+          <a:chExt cx="0" cy="0"/>
+        </a:xfrm>
+      </p:grpSpPr>
+      <p:sp>
+        <p:nvSpPr>
+          <p:cNvPr id="2" name="Title 1"/>
+          <p:cNvSpPr>
+            <a:spLocks noGrp="1"/>
+          </p:cNvSpPr>
+          <p:nvPr>
+            <p:ph type="title"/>
+          </p:nvPr>
+        </p:nvSpPr>
+        <p:spPr/>
+        <p:txBody>
+          <a:bodyPr/>
+          <a:lstStyle/>
+          <a:p>
+            <a:r>
+              <a:rPr lang="en-US" dirty="0" smtClean="0"/>
+              <a:t>Modeling and Analysis</a:t>
+            </a:r>
+            <a:endParaRPr lang="en-US" dirty="0"/>
+          </a:p>
+        </p:txBody>
+      </p:sp>
+      <p:sp>
+        <p:nvSpPr>
+          <p:cNvPr id="3" name="Content Placeholder 2"/>
+          <p:cNvSpPr>
+            <a:spLocks noGrp="1"/>
+          </p:cNvSpPr>
+          <p:nvPr>
+            <p:ph idx="1"/>
+          </p:nvPr>
+        </p:nvSpPr>
+        <p:spPr/>
+        <p:txBody>
+          <a:bodyPr/>
+          <a:lstStyle/>
+          <a:p>
+            <a:r>
+              <a:rPr lang="en-US" sz="2400" dirty="0" smtClean="0"/>
+              <a:t>Random Forest Predictive Algorithm</a:t>
+            </a:r>
+          </a:p>
+          <a:p>
+            <a:endParaRPr lang="en-US" dirty="0" smtClean="0"/>
+          </a:p>
+          <a:p>
+            <a:pPr lvl="1"/>
+            <a:r>
+              <a:rPr lang="en-US" dirty="0" smtClean="0"/>
+              <a:t>Continues Target variable(Regression)</a:t>
+            </a:r>
+          </a:p>
+          <a:p>
+            <a:pPr lvl="1"/>
+            <a:endParaRPr lang="en-US" dirty="0" smtClean="0"/>
+          </a:p>
+          <a:p>
+            <a:pPr lvl="1"/>
+            <a:r>
+              <a:rPr lang="en-US" dirty="0" smtClean="0"/>
+              <a:t>Based on Decision Trees Models</a:t>
+            </a:r>
+          </a:p>
+          <a:p>
+            <a:pPr lvl="1"/>
+            <a:endParaRPr lang="en-US" dirty="0" smtClean="0"/>
+          </a:p>
+          <a:p>
+            <a:pPr lvl="1"/>
+            <a:r>
+              <a:rPr lang="en-US" dirty="0" smtClean="0"/>
+              <a:t>Bootstrapping</a:t>
+            </a:r>
+          </a:p>
+          <a:p>
+            <a:pPr lvl="1"/>
+            <a:endParaRPr lang="en-US" dirty="0" smtClean="0"/>
+          </a:p>
+          <a:p>
+            <a:pPr lvl="1"/>
+            <a:r>
+              <a:rPr lang="en-US" dirty="0" smtClean="0"/>
+              <a:t>Root Mean Square Error Accuracy</a:t>
+            </a:r>
+          </a:p>
+          <a:p>
+            <a:pPr lvl="1"/>
+            <a:endParaRPr lang="en-US" dirty="0" smtClean="0"/>
+          </a:p>
+          <a:p>
+            <a:pPr lvl="1"/>
+            <a:r>
+              <a:rPr lang="en-US" dirty="0" smtClean="0"/>
+              <a:t>Feature Importance</a:t>
+            </a:r>
+          </a:p>
+          <a:p>
+            <a:pPr marL="0" indent="0">
+              <a:buNone/>
+            </a:pPr>
+            <a:endParaRPr lang="en-US" dirty="0"/>
+          </a:p>
+        </p:txBody>
+      </p:sp>
+      <p:pic>
+        <p:nvPicPr>
+          <p:cNvPr id="4" name="Picture 3"/>
+          <p:cNvPicPr>
+            <a:picLocks noChangeAspect="1"/>
+          </p:cNvPicPr>
+          <p:nvPr/>
+        </p:nvPicPr>
+        <p:blipFill>
+          <a:blip r:embed="rId2">
+            <a:extLst>
+              <a:ext uri="{28A0092B-C50C-407E-A947-70E740481C1C}">
+                <a14:useLocalDpi xmlns:a14="http://schemas.microsoft.com/office/drawing/2010/main" val="0"/>
+              </a:ext>
+            </a:extLst>
+          </a:blip>
+          <a:stretch>
+            <a:fillRect/>
+          </a:stretch>
+        </p:blipFill>
+        <p:spPr>
+          <a:xfrm>
+            <a:off x="7545705" y="1845734"/>
+            <a:ext cx="3609975" cy="2838450"/>
+          </a:xfrm>
+          <a:prstGeom prst="rect">
+            <a:avLst/>
+          </a:prstGeom>
+        </p:spPr>
+      </p:pic>
+      <p:pic>
+        <p:nvPicPr>
+          <p:cNvPr id="5" name="Picture 4"/>
+          <p:cNvPicPr>
+            <a:picLocks noChangeAspect="1"/>
+          </p:cNvPicPr>
+          <p:nvPr/>
+        </p:nvPicPr>
+        <p:blipFill>
+          <a:blip r:embed="rId3">
+            <a:extLst>
+              <a:ext uri="{28A0092B-C50C-407E-A947-70E740481C1C}">
+                <a14:useLocalDpi xmlns:a14="http://schemas.microsoft.com/office/drawing/2010/main" val="0"/>
+              </a:ext>
+            </a:extLst>
+          </a:blip>
+          <a:stretch>
+            <a:fillRect/>
+          </a:stretch>
+        </p:blipFill>
+        <p:spPr>
+          <a:xfrm>
+            <a:off x="5112913" y="3554569"/>
+            <a:ext cx="2921834" cy="2314525"/>
+          </a:xfrm>
+          <a:prstGeom prst="rect">
+            <a:avLst/>
+          </a:prstGeom>
+        </p:spPr>
+      </p:pic>
+    </p:spTree>
+    <p:extLst>
+      <p:ext uri="{BB962C8B-B14F-4D97-AF65-F5344CB8AC3E}">
+        <p14:creationId xmlns:p14="http://schemas.microsoft.com/office/powerpoint/2010/main" val="528347128"/>
+      </p:ext>
+    </p:extLst>
+  </p:cSld>
+  <p:clrMapOvr>
+    <a:masterClrMapping/>
+  </p:clrMapOvr>
+  <p:timing>
+    <p:tnLst>
+      <p:par>
+        <p:cTn id="1" dur="indefinite" restart="never" nodeType="tmRoot"/>
+      </p:par>
+    </p:tnLst>
+  </p:timing>
+</p:sld>
+</file>
+
+<file path=ppt/slides/slide18.xml><?xml version="1.0" encoding="utf-8"?>
+<p:sld xmlns:a="http://schemas.openxmlformats.org/drawingml/2006/main" xmlns:r="http://schemas.openxmlformats.org/officeDocument/2006/relationships" xmlns:p="http://schemas.openxmlformats.org/presentationml/2006/main">
+  <p:cSld>
+    <p:spTree>
+      <p:nvGrpSpPr>
+        <p:cNvPr id="1" name=""/>
+        <p:cNvGrpSpPr/>
+        <p:nvPr/>
+      </p:nvGrpSpPr>
+      <p:grpSpPr>
+        <a:xfrm>
+          <a:off x="0" y="0"/>
+          <a:ext cx="0" cy="0"/>
+          <a:chOff x="0" y="0"/>
+          <a:chExt cx="0" cy="0"/>
+        </a:xfrm>
+      </p:grpSpPr>
+      <p:sp>
+        <p:nvSpPr>
+          <p:cNvPr id="2" name="Title 1"/>
+          <p:cNvSpPr>
+            <a:spLocks noGrp="1"/>
+          </p:cNvSpPr>
+          <p:nvPr>
+            <p:ph type="title"/>
+          </p:nvPr>
+        </p:nvSpPr>
+        <p:spPr/>
+        <p:txBody>
+          <a:bodyPr/>
+          <a:lstStyle/>
+          <a:p>
+            <a:r>
+              <a:rPr lang="en-US" dirty="0" smtClean="0"/>
+              <a:t>Modeling and Analysis</a:t>
+            </a:r>
+            <a:endParaRPr lang="en-US" dirty="0"/>
+          </a:p>
+        </p:txBody>
+      </p:sp>
+      <p:sp>
+        <p:nvSpPr>
+          <p:cNvPr id="3" name="Content Placeholder 2"/>
+          <p:cNvSpPr>
+            <a:spLocks noGrp="1"/>
+          </p:cNvSpPr>
+          <p:nvPr>
+            <p:ph idx="1"/>
+          </p:nvPr>
+        </p:nvSpPr>
+        <p:spPr/>
+        <p:txBody>
+          <a:bodyPr/>
+          <a:lstStyle/>
+          <a:p>
+            <a:r>
+              <a:rPr lang="en-US" sz="2400" dirty="0" smtClean="0"/>
+              <a:t>Main packages and libraries</a:t>
+            </a:r>
+          </a:p>
+          <a:p>
+            <a:endParaRPr lang="en-US" sz="2400" dirty="0"/>
+          </a:p>
+          <a:p>
+            <a:r>
+              <a:rPr lang="en-US" dirty="0" err="1" smtClean="0"/>
+              <a:t>Scikit</a:t>
+            </a:r>
+            <a:r>
+              <a:rPr lang="en-US" dirty="0" smtClean="0"/>
+              <a:t>-learn and math </a:t>
+            </a:r>
+          </a:p>
+          <a:p>
+            <a:endParaRPr lang="en-US" dirty="0" smtClean="0"/>
+          </a:p>
+          <a:p>
+            <a:pPr lvl="1"/>
+            <a:r>
+              <a:rPr lang="en-US" dirty="0" err="1" smtClean="0"/>
+              <a:t>RandomForestRegressor</a:t>
+            </a:r>
+            <a:r>
+              <a:rPr lang="en-US" dirty="0" smtClean="0"/>
+              <a:t>()</a:t>
+            </a:r>
+          </a:p>
+          <a:p>
+            <a:pPr lvl="1"/>
+            <a:r>
+              <a:rPr lang="en-US" dirty="0" err="1" smtClean="0"/>
+              <a:t>Param_grid</a:t>
+            </a:r>
+            <a:r>
+              <a:rPr lang="en-US" dirty="0" smtClean="0"/>
+              <a:t>(</a:t>
+            </a:r>
+            <a:r>
+              <a:rPr lang="en-US" dirty="0" err="1" smtClean="0"/>
+              <a:t>GridSearchCV</a:t>
+            </a:r>
+            <a:r>
+              <a:rPr lang="en-US" dirty="0" smtClean="0"/>
+              <a:t>)</a:t>
+            </a:r>
+          </a:p>
+          <a:p>
+            <a:pPr lvl="1"/>
+            <a:r>
+              <a:rPr lang="en-US" dirty="0" smtClean="0"/>
+              <a:t>Fit()</a:t>
+            </a:r>
+          </a:p>
+          <a:p>
+            <a:pPr lvl="1"/>
+            <a:r>
+              <a:rPr lang="en-US" dirty="0" err="1" smtClean="0"/>
+              <a:t>Best_estimators</a:t>
+            </a:r>
+            <a:r>
+              <a:rPr lang="en-US" dirty="0" smtClean="0"/>
+              <a:t>()</a:t>
+            </a:r>
+          </a:p>
+          <a:p>
+            <a:pPr lvl="1"/>
+            <a:r>
+              <a:rPr lang="en-US" dirty="0" smtClean="0"/>
+              <a:t>Predict()</a:t>
+            </a:r>
+          </a:p>
+          <a:p>
+            <a:pPr lvl="1"/>
+            <a:r>
+              <a:rPr lang="en-US" dirty="0" smtClean="0"/>
+              <a:t>RMSE = </a:t>
+            </a:r>
+            <a:r>
+              <a:rPr lang="en-US" dirty="0" err="1" smtClean="0"/>
+              <a:t>sqrt</a:t>
+            </a:r>
+            <a:r>
+              <a:rPr lang="en-US" dirty="0" smtClean="0"/>
+              <a:t>(</a:t>
+            </a:r>
+            <a:r>
+              <a:rPr lang="en-US" dirty="0" err="1" smtClean="0"/>
+              <a:t>mean_squared_error</a:t>
+            </a:r>
+            <a:r>
+              <a:rPr lang="en-US" dirty="0" smtClean="0"/>
+              <a:t>(</a:t>
+            </a:r>
+            <a:r>
+              <a:rPr lang="en-US" dirty="0" err="1" smtClean="0"/>
+              <a:t>y_test</a:t>
+            </a:r>
+            <a:r>
+              <a:rPr lang="en-US" dirty="0" smtClean="0"/>
+              <a:t>, </a:t>
+            </a:r>
+            <a:r>
+              <a:rPr lang="en-US" dirty="0" err="1" smtClean="0"/>
+              <a:t>y_predict</a:t>
+            </a:r>
+            <a:r>
+              <a:rPr lang="en-US" dirty="0" smtClean="0"/>
+              <a:t>)</a:t>
+            </a:r>
+            <a:endParaRPr lang="en-US" dirty="0"/>
+          </a:p>
+        </p:txBody>
+      </p:sp>
+    </p:spTree>
+    <p:extLst>
+      <p:ext uri="{BB962C8B-B14F-4D97-AF65-F5344CB8AC3E}">
+        <p14:creationId xmlns:p14="http://schemas.microsoft.com/office/powerpoint/2010/main" val="4097770089"/>
+      </p:ext>
+    </p:extLst>
+  </p:cSld>
+  <p:clrMapOvr>
+    <a:masterClrMapping/>
+  </p:clrMapOvr>
+  <p:timing>
+    <p:tnLst>
+      <p:par>
+        <p:cTn id="1" dur="indefinite" restart="never" nodeType="tmRoot"/>
+      </p:par>
+    </p:tnLst>
+  </p:timing>
+</p:sld>
+</file>
+
+<file path=ppt/slides/slide19.xml><?xml version="1.0" encoding="utf-8"?>
+<p:sld xmlns:a="http://schemas.openxmlformats.org/drawingml/2006/main" xmlns:r="http://schemas.openxmlformats.org/officeDocument/2006/relationships" xmlns:p="http://schemas.openxmlformats.org/presentationml/2006/main">
+  <p:cSld>
+    <p:spTree>
+      <p:nvGrpSpPr>
+        <p:cNvPr id="1" name=""/>
+        <p:cNvGrpSpPr/>
+        <p:nvPr/>
+      </p:nvGrpSpPr>
+      <p:grpSpPr>
+        <a:xfrm>
+          <a:off x="0" y="0"/>
+          <a:ext cx="0" cy="0"/>
+          <a:chOff x="0" y="0"/>
+          <a:chExt cx="0" cy="0"/>
+        </a:xfrm>
+      </p:grpSpPr>
+      <p:sp>
+        <p:nvSpPr>
+          <p:cNvPr id="2" name="Title 1"/>
+          <p:cNvSpPr>
+            <a:spLocks noGrp="1"/>
+          </p:cNvSpPr>
+          <p:nvPr>
+            <p:ph type="title"/>
+          </p:nvPr>
+        </p:nvSpPr>
+        <p:spPr/>
+        <p:txBody>
+          <a:bodyPr/>
+          <a:lstStyle/>
+          <a:p>
+            <a:r>
+              <a:rPr lang="en-US" dirty="0" smtClean="0"/>
+              <a:t>Modeling and Analysis</a:t>
+            </a:r>
+            <a:endParaRPr lang="en-US" dirty="0"/>
+          </a:p>
+        </p:txBody>
+      </p:sp>
+      <p:pic>
+        <p:nvPicPr>
+          <p:cNvPr id="4" name="Content Placeholder 3"/>
+          <p:cNvPicPr>
+            <a:picLocks noGrp="1" noChangeAspect="1"/>
+          </p:cNvPicPr>
+          <p:nvPr>
+            <p:ph idx="1"/>
+          </p:nvPr>
+        </p:nvPicPr>
+        <p:blipFill>
+          <a:blip r:embed="rId2">
+            <a:extLst>
+              <a:ext uri="{28A0092B-C50C-407E-A947-70E740481C1C}">
+                <a14:useLocalDpi xmlns:a14="http://schemas.microsoft.com/office/drawing/2010/main" val="0"/>
+              </a:ext>
+            </a:extLst>
+          </a:blip>
+          <a:stretch>
+            <a:fillRect/>
+          </a:stretch>
+        </p:blipFill>
+        <p:spPr>
+          <a:xfrm>
+            <a:off x="1854558" y="1846263"/>
+            <a:ext cx="7961920" cy="4022725"/>
+          </a:xfrm>
+        </p:spPr>
+      </p:pic>
+    </p:spTree>
+    <p:extLst>
+      <p:ext uri="{BB962C8B-B14F-4D97-AF65-F5344CB8AC3E}">
+        <p14:creationId xmlns:p14="http://schemas.microsoft.com/office/powerpoint/2010/main" val="1956803247"/>
+      </p:ext>
+    </p:extLst>
+  </p:cSld>
+  <p:clrMapOvr>
+    <a:masterClrMapping/>
+  </p:clrMapOvr>
+  <p:timing>
+    <p:tnLst>
+      <p:par>
+        <p:cTn id="1" dur="indefinite" restart="never" nodeType="tmRoot"/>
+      </p:par>
+    </p:tnLst>
+  </p:timing>
 </p:sld>
 </file>
 
@@ -3055,7 +5110,11 @@
           <a:p>
             <a:r>
               <a:rPr lang="en-US" dirty="0" smtClean="0"/>
-              <a:t>Testing for upload</a:t>
+              <a:t>Introduction</a:t>
+            </a:r>
+            <a:r>
+              <a:rPr lang="en-US" dirty="0" smtClean="0"/>
+              <a:t/>
             </a:r>
             <a:br>
               <a:rPr lang="en-US" dirty="0" smtClean="0"/>
@@ -3074,12 +5133,135 @@
             <p:ph idx="1"/>
           </p:nvPr>
         </p:nvSpPr>
-        <p:spPr/>
-        <p:txBody>
-          <a:bodyPr/>
-          <a:lstStyle/>
-          <a:p>
-            <a:endParaRPr lang="en-US"/>
+        <p:spPr>
+          <a:xfrm>
+            <a:off x="1097280" y="1841678"/>
+            <a:ext cx="10058400" cy="4417454"/>
+          </a:xfrm>
+        </p:spPr>
+        <p:txBody>
+          <a:bodyPr>
+            <a:normAutofit fontScale="77500" lnSpcReduction="20000"/>
+          </a:bodyPr>
+          <a:lstStyle/>
+          <a:p>
+            <a:r>
+              <a:rPr lang="en-US" sz="5100" dirty="0" smtClean="0"/>
+              <a:t>Goal</a:t>
+            </a:r>
+          </a:p>
+          <a:p>
+            <a:pPr lvl="1">
+              <a:buFont typeface="Wingdings" panose="05000000000000000000" pitchFamily="2" charset="2"/>
+              <a:buChar char="§"/>
+            </a:pPr>
+            <a:r>
+              <a:rPr lang="en-US" sz="3800" dirty="0" smtClean="0"/>
+              <a:t>Predict Home Prices</a:t>
+            </a:r>
+          </a:p>
+          <a:p>
+            <a:pPr lvl="1">
+              <a:buFont typeface="Wingdings" panose="05000000000000000000" pitchFamily="2" charset="2"/>
+              <a:buChar char="§"/>
+            </a:pPr>
+            <a:endParaRPr lang="en-US" dirty="0" smtClean="0"/>
+          </a:p>
+          <a:p>
+            <a:r>
+              <a:rPr lang="en-US" sz="5100" dirty="0" smtClean="0"/>
+              <a:t>Client</a:t>
+            </a:r>
+            <a:endParaRPr lang="en-US" dirty="0"/>
+          </a:p>
+          <a:p>
+            <a:pPr lvl="1">
+              <a:buFont typeface="Wingdings" panose="05000000000000000000" pitchFamily="2" charset="2"/>
+              <a:buChar char="§"/>
+            </a:pPr>
+            <a:r>
+              <a:rPr lang="en-US" sz="3800" dirty="0" smtClean="0"/>
+              <a:t>Keller</a:t>
+            </a:r>
+            <a:r>
+              <a:rPr lang="en-US" sz="3200" dirty="0" smtClean="0"/>
+              <a:t> </a:t>
+            </a:r>
+            <a:r>
+              <a:rPr lang="en-US" sz="3200" dirty="0"/>
+              <a:t>Williams Realty, Inc.</a:t>
+            </a:r>
+          </a:p>
+          <a:p>
+            <a:pPr lvl="1">
+              <a:buFont typeface="Wingdings" panose="05000000000000000000" pitchFamily="2" charset="2"/>
+              <a:buChar char="§"/>
+            </a:pPr>
+            <a:r>
+              <a:rPr lang="en-US" sz="3200" dirty="0"/>
+              <a:t> </a:t>
+            </a:r>
+            <a:r>
+              <a:rPr lang="en-US" sz="3800" dirty="0" smtClean="0"/>
+              <a:t>Other</a:t>
+            </a:r>
+            <a:r>
+              <a:rPr lang="en-US" sz="3200" dirty="0" smtClean="0"/>
+              <a:t> </a:t>
+            </a:r>
+            <a:r>
+              <a:rPr lang="en-US" sz="3200" dirty="0"/>
+              <a:t>Real Estate Investment </a:t>
+            </a:r>
+            <a:r>
+              <a:rPr lang="en-US" sz="3200" dirty="0" smtClean="0"/>
+              <a:t>Companies</a:t>
+            </a:r>
+          </a:p>
+          <a:p>
+            <a:pPr lvl="1">
+              <a:buFont typeface="Wingdings" panose="05000000000000000000" pitchFamily="2" charset="2"/>
+              <a:buChar char="§"/>
+            </a:pPr>
+            <a:endParaRPr lang="en-US" dirty="0" smtClean="0"/>
+          </a:p>
+          <a:p>
+            <a:r>
+              <a:rPr lang="en-US" sz="5100" dirty="0" smtClean="0"/>
+              <a:t>Value</a:t>
+            </a:r>
+            <a:endParaRPr lang="en-US" sz="5100" dirty="0"/>
+          </a:p>
+          <a:p>
+            <a:pPr lvl="1">
+              <a:buFont typeface="Wingdings" panose="05000000000000000000" pitchFamily="2" charset="2"/>
+              <a:buChar char="§"/>
+            </a:pPr>
+            <a:r>
+              <a:rPr lang="en-US" sz="3400" dirty="0" smtClean="0"/>
+              <a:t>Sharper report analyses to help the negotiation of sales, purchases and other strategic agreements related to real </a:t>
+            </a:r>
+            <a:r>
+              <a:rPr lang="en-US" sz="3400" dirty="0"/>
+              <a:t>e</a:t>
+            </a:r>
+            <a:r>
+              <a:rPr lang="en-US" sz="3400" dirty="0" smtClean="0"/>
+              <a:t>state </a:t>
+            </a:r>
+            <a:r>
+              <a:rPr lang="en-US" sz="3400" dirty="0"/>
+              <a:t>p</a:t>
+            </a:r>
+            <a:r>
+              <a:rPr lang="en-US" sz="3400" dirty="0" smtClean="0"/>
+              <a:t>roperties</a:t>
+            </a:r>
+            <a:r>
+              <a:rPr lang="en-US" sz="3600" dirty="0" smtClean="0"/>
+              <a:t>.</a:t>
+            </a:r>
+            <a:endParaRPr lang="en-US" sz="3600" dirty="0"/>
           </a:p>
         </p:txBody>
       </p:sp>
@@ -3093,6 +5275,317 @@
   <p:clrMapOvr>
     <a:masterClrMapping/>
   </p:clrMapOvr>
+  <p:timing>
+    <p:tnLst>
+      <p:par>
+        <p:cTn id="1" dur="indefinite" restart="never" nodeType="tmRoot"/>
+      </p:par>
+    </p:tnLst>
+  </p:timing>
+</p:sld>
+</file>
+
+<file path=ppt/slides/slide20.xml><?xml version="1.0" encoding="utf-8"?>
+<p:sld xmlns:a="http://schemas.openxmlformats.org/drawingml/2006/main" xmlns:r="http://schemas.openxmlformats.org/officeDocument/2006/relationships" xmlns:p="http://schemas.openxmlformats.org/presentationml/2006/main">
+  <p:cSld>
+    <p:spTree>
+      <p:nvGrpSpPr>
+        <p:cNvPr id="1" name=""/>
+        <p:cNvGrpSpPr/>
+        <p:nvPr/>
+      </p:nvGrpSpPr>
+      <p:grpSpPr>
+        <a:xfrm>
+          <a:off x="0" y="0"/>
+          <a:ext cx="0" cy="0"/>
+          <a:chOff x="0" y="0"/>
+          <a:chExt cx="0" cy="0"/>
+        </a:xfrm>
+      </p:grpSpPr>
+      <p:sp>
+        <p:nvSpPr>
+          <p:cNvPr id="2" name="Title 1"/>
+          <p:cNvSpPr>
+            <a:spLocks noGrp="1"/>
+          </p:cNvSpPr>
+          <p:nvPr>
+            <p:ph type="title"/>
+          </p:nvPr>
+        </p:nvSpPr>
+        <p:spPr/>
+        <p:txBody>
+          <a:bodyPr/>
+          <a:lstStyle/>
+          <a:p>
+            <a:r>
+              <a:rPr lang="en-US" dirty="0" smtClean="0"/>
+              <a:t>Modeling and Analysis</a:t>
+            </a:r>
+            <a:endParaRPr lang="en-US" dirty="0"/>
+          </a:p>
+        </p:txBody>
+      </p:sp>
+      <p:pic>
+        <p:nvPicPr>
+          <p:cNvPr id="4" name="Content Placeholder 3"/>
+          <p:cNvPicPr>
+            <a:picLocks noGrp="1" noChangeAspect="1"/>
+          </p:cNvPicPr>
+          <p:nvPr>
+            <p:ph sz="half" idx="1"/>
+          </p:nvPr>
+        </p:nvPicPr>
+        <p:blipFill>
+          <a:blip r:embed="rId2">
+            <a:extLst>
+              <a:ext uri="{28A0092B-C50C-407E-A947-70E740481C1C}">
+                <a14:useLocalDpi xmlns:a14="http://schemas.microsoft.com/office/drawing/2010/main" val="0"/>
+              </a:ext>
+            </a:extLst>
+          </a:blip>
+          <a:stretch>
+            <a:fillRect/>
+          </a:stretch>
+        </p:blipFill>
+        <p:spPr>
+          <a:xfrm>
+            <a:off x="6722772" y="1845735"/>
+            <a:ext cx="4224270" cy="4023360"/>
+          </a:xfrm>
+        </p:spPr>
+      </p:pic>
+      <p:sp>
+        <p:nvSpPr>
+          <p:cNvPr id="5" name="Content Placeholder 4"/>
+          <p:cNvSpPr>
+            <a:spLocks noGrp="1"/>
+          </p:cNvSpPr>
+          <p:nvPr>
+            <p:ph sz="half" idx="2"/>
+          </p:nvPr>
+        </p:nvSpPr>
+        <p:spPr>
+          <a:xfrm>
+            <a:off x="1097280" y="1845735"/>
+            <a:ext cx="4762607" cy="4023360"/>
+          </a:xfrm>
+        </p:spPr>
+        <p:txBody>
+          <a:bodyPr/>
+          <a:lstStyle/>
+          <a:p>
+            <a:endParaRPr lang="en-US" dirty="0" smtClean="0"/>
+          </a:p>
+          <a:p>
+            <a:r>
+              <a:rPr lang="en-US" dirty="0" smtClean="0"/>
+              <a:t>Feature Importance related to predicted price value</a:t>
+            </a:r>
+            <a:endParaRPr lang="en-US" dirty="0"/>
+          </a:p>
+        </p:txBody>
+      </p:sp>
+    </p:spTree>
+    <p:extLst>
+      <p:ext uri="{BB962C8B-B14F-4D97-AF65-F5344CB8AC3E}">
+        <p14:creationId xmlns:p14="http://schemas.microsoft.com/office/powerpoint/2010/main" val="1244639343"/>
+      </p:ext>
+    </p:extLst>
+  </p:cSld>
+  <p:clrMapOvr>
+    <a:masterClrMapping/>
+  </p:clrMapOvr>
+  <p:timing>
+    <p:tnLst>
+      <p:par>
+        <p:cTn id="1" dur="indefinite" restart="never" nodeType="tmRoot"/>
+      </p:par>
+    </p:tnLst>
+  </p:timing>
+</p:sld>
+</file>
+
+<file path=ppt/slides/slide21.xml><?xml version="1.0" encoding="utf-8"?>
+<p:sld xmlns:a="http://schemas.openxmlformats.org/drawingml/2006/main" xmlns:r="http://schemas.openxmlformats.org/officeDocument/2006/relationships" xmlns:p="http://schemas.openxmlformats.org/presentationml/2006/main">
+  <p:cSld>
+    <p:spTree>
+      <p:nvGrpSpPr>
+        <p:cNvPr id="1" name=""/>
+        <p:cNvGrpSpPr/>
+        <p:nvPr/>
+      </p:nvGrpSpPr>
+      <p:grpSpPr>
+        <a:xfrm>
+          <a:off x="0" y="0"/>
+          <a:ext cx="0" cy="0"/>
+          <a:chOff x="0" y="0"/>
+          <a:chExt cx="0" cy="0"/>
+        </a:xfrm>
+      </p:grpSpPr>
+      <p:sp>
+        <p:nvSpPr>
+          <p:cNvPr id="2" name="Title 1"/>
+          <p:cNvSpPr>
+            <a:spLocks noGrp="1"/>
+          </p:cNvSpPr>
+          <p:nvPr>
+            <p:ph type="title"/>
+          </p:nvPr>
+        </p:nvSpPr>
+        <p:spPr/>
+        <p:txBody>
+          <a:bodyPr/>
+          <a:lstStyle/>
+          <a:p>
+            <a:r>
+              <a:rPr lang="en-US" dirty="0" smtClean="0"/>
+              <a:t>Modeling and Analysis</a:t>
+            </a:r>
+            <a:endParaRPr lang="en-US" dirty="0"/>
+          </a:p>
+        </p:txBody>
+      </p:sp>
+      <p:pic>
+        <p:nvPicPr>
+          <p:cNvPr id="4" name="Content Placeholder 3"/>
+          <p:cNvPicPr>
+            <a:picLocks noGrp="1" noChangeAspect="1"/>
+          </p:cNvPicPr>
+          <p:nvPr>
+            <p:ph idx="1"/>
+          </p:nvPr>
+        </p:nvPicPr>
+        <p:blipFill>
+          <a:blip r:embed="rId2">
+            <a:extLst>
+              <a:ext uri="{28A0092B-C50C-407E-A947-70E740481C1C}">
+                <a14:useLocalDpi xmlns:a14="http://schemas.microsoft.com/office/drawing/2010/main" val="0"/>
+              </a:ext>
+            </a:extLst>
+          </a:blip>
+          <a:stretch>
+            <a:fillRect/>
+          </a:stretch>
+        </p:blipFill>
+        <p:spPr>
+          <a:xfrm>
+            <a:off x="1365161" y="1846263"/>
+            <a:ext cx="9594759" cy="4296960"/>
+          </a:xfrm>
+        </p:spPr>
+      </p:pic>
+    </p:spTree>
+    <p:extLst>
+      <p:ext uri="{BB962C8B-B14F-4D97-AF65-F5344CB8AC3E}">
+        <p14:creationId xmlns:p14="http://schemas.microsoft.com/office/powerpoint/2010/main" val="3807960773"/>
+      </p:ext>
+    </p:extLst>
+  </p:cSld>
+  <p:clrMapOvr>
+    <a:masterClrMapping/>
+  </p:clrMapOvr>
+  <p:timing>
+    <p:tnLst>
+      <p:par>
+        <p:cTn id="1" dur="indefinite" restart="never" nodeType="tmRoot"/>
+      </p:par>
+    </p:tnLst>
+  </p:timing>
+</p:sld>
+</file>
+
+<file path=ppt/slides/slide22.xml><?xml version="1.0" encoding="utf-8"?>
+<p:sld xmlns:a="http://schemas.openxmlformats.org/drawingml/2006/main" xmlns:r="http://schemas.openxmlformats.org/officeDocument/2006/relationships" xmlns:p="http://schemas.openxmlformats.org/presentationml/2006/main">
+  <p:cSld>
+    <p:spTree>
+      <p:nvGrpSpPr>
+        <p:cNvPr id="1" name=""/>
+        <p:cNvGrpSpPr/>
+        <p:nvPr/>
+      </p:nvGrpSpPr>
+      <p:grpSpPr>
+        <a:xfrm>
+          <a:off x="0" y="0"/>
+          <a:ext cx="0" cy="0"/>
+          <a:chOff x="0" y="0"/>
+          <a:chExt cx="0" cy="0"/>
+        </a:xfrm>
+      </p:grpSpPr>
+      <p:sp>
+        <p:nvSpPr>
+          <p:cNvPr id="2" name="Title 1"/>
+          <p:cNvSpPr>
+            <a:spLocks noGrp="1"/>
+          </p:cNvSpPr>
+          <p:nvPr>
+            <p:ph type="title"/>
+          </p:nvPr>
+        </p:nvSpPr>
+        <p:spPr/>
+        <p:txBody>
+          <a:bodyPr/>
+          <a:lstStyle/>
+          <a:p>
+            <a:r>
+              <a:rPr lang="en-US" dirty="0" smtClean="0"/>
+              <a:t>Thank you!</a:t>
+            </a:r>
+            <a:endParaRPr lang="en-US" dirty="0"/>
+          </a:p>
+        </p:txBody>
+      </p:sp>
+      <p:sp>
+        <p:nvSpPr>
+          <p:cNvPr id="3" name="Content Placeholder 2"/>
+          <p:cNvSpPr>
+            <a:spLocks noGrp="1"/>
+          </p:cNvSpPr>
+          <p:nvPr>
+            <p:ph idx="1"/>
+          </p:nvPr>
+        </p:nvSpPr>
+        <p:spPr/>
+        <p:txBody>
+          <a:bodyPr/>
+          <a:lstStyle/>
+          <a:p>
+            <a:pPr algn="ctr"/>
+            <a:endParaRPr lang="en-US" dirty="0"/>
+          </a:p>
+          <a:p>
+            <a:pPr algn="ctr"/>
+            <a:endParaRPr lang="en-US" dirty="0" smtClean="0"/>
+          </a:p>
+          <a:p>
+            <a:pPr algn="ctr"/>
+            <a:endParaRPr lang="en-US" dirty="0"/>
+          </a:p>
+          <a:p>
+            <a:pPr algn="ctr"/>
+            <a:r>
+              <a:rPr lang="en-US" sz="3200" dirty="0" smtClean="0"/>
+              <a:t>Any Questions?</a:t>
+            </a:r>
+          </a:p>
+        </p:txBody>
+      </p:sp>
+    </p:spTree>
+    <p:extLst>
+      <p:ext uri="{BB962C8B-B14F-4D97-AF65-F5344CB8AC3E}">
+        <p14:creationId xmlns:p14="http://schemas.microsoft.com/office/powerpoint/2010/main" val="2172238092"/>
+      </p:ext>
+    </p:extLst>
+  </p:cSld>
+  <p:clrMapOvr>
+    <a:masterClrMapping/>
+  </p:clrMapOvr>
+  <p:timing>
+    <p:tnLst>
+      <p:par>
+        <p:cTn id="1" dur="indefinite" restart="never" nodeType="tmRoot"/>
+      </p:par>
+    </p:tnLst>
+  </p:timing>
 </p:sld>
 </file>
 
@@ -3128,7 +5621,11 @@
           <a:bodyPr/>
           <a:lstStyle/>
           <a:p>
-            <a:endParaRPr lang="en-US"/>
+            <a:r>
+              <a:rPr lang="en-US" dirty="0" smtClean="0"/>
+              <a:t>Data</a:t>
+            </a:r>
+            <a:endParaRPr lang="en-US" dirty="0"/>
           </a:p>
         </p:txBody>
       </p:sp>
@@ -3144,10 +5641,105 @@
         </p:nvSpPr>
         <p:spPr/>
         <p:txBody>
-          <a:bodyPr/>
-          <a:lstStyle/>
-          <a:p>
-            <a:endParaRPr lang="en-US"/>
+          <a:bodyPr>
+            <a:normAutofit/>
+          </a:bodyPr>
+          <a:lstStyle/>
+          <a:p>
+            <a:r>
+              <a:rPr lang="en-US" dirty="0" smtClean="0"/>
+              <a:t>Housing Dataset</a:t>
+            </a:r>
+          </a:p>
+          <a:p>
+            <a:endParaRPr lang="en-US" dirty="0" smtClean="0"/>
+          </a:p>
+          <a:p>
+            <a:pPr lvl="2"/>
+            <a:r>
+              <a:rPr lang="en-US" sz="1800" dirty="0"/>
+              <a:t>Originally compile by  Professor  Dean De Cock at Truman State University</a:t>
+            </a:r>
+          </a:p>
+          <a:p>
+            <a:pPr lvl="2"/>
+            <a:r>
+              <a:rPr lang="en-US" sz="1800" dirty="0"/>
+              <a:t>Consists of 2930 observations and 80 explanatory variables for the sale of homes between years 2006-2010</a:t>
+            </a:r>
+            <a:r>
+              <a:rPr lang="en-US" dirty="0" smtClean="0"/>
+              <a:t>.</a:t>
+            </a:r>
+          </a:p>
+          <a:p>
+            <a:pPr lvl="2"/>
+            <a:r>
+              <a:rPr lang="en-US" sz="1800" dirty="0" smtClean="0"/>
+              <a:t>Data is from records of city of Ames, Iowa</a:t>
+            </a:r>
+          </a:p>
+          <a:p>
+            <a:pPr lvl="2"/>
+            <a:endParaRPr lang="en-US" dirty="0" smtClean="0"/>
+          </a:p>
+          <a:p>
+            <a:r>
+              <a:rPr lang="en-US" dirty="0" smtClean="0"/>
+              <a:t>Weather Dataset</a:t>
+            </a:r>
+          </a:p>
+          <a:p>
+            <a:pPr lvl="2">
+              <a:buFont typeface="Courier New" panose="02070309020205020404" pitchFamily="49" charset="0"/>
+              <a:buChar char="o"/>
+            </a:pPr>
+            <a:endParaRPr lang="en-US" dirty="0" smtClean="0"/>
+          </a:p>
+          <a:p>
+            <a:pPr lvl="2"/>
+            <a:r>
+              <a:rPr lang="en-US" sz="1800" dirty="0" smtClean="0"/>
+              <a:t>Subtracted from the National Center for Environmental Information Webpage.</a:t>
+            </a:r>
+          </a:p>
+          <a:p>
+            <a:pPr lvl="2"/>
+            <a:r>
+              <a:rPr lang="en-US" sz="1800" dirty="0" smtClean="0"/>
+              <a:t>Includes daily, monthly and yearly records from different weather stations in the city.</a:t>
+            </a:r>
+          </a:p>
+          <a:p>
+            <a:pPr lvl="2"/>
+            <a:r>
+              <a:rPr lang="en-US" sz="1800" dirty="0" smtClean="0"/>
+              <a:t>Data is from records of city of Ames, Iowa</a:t>
+            </a:r>
+          </a:p>
+          <a:p>
+            <a:pPr lvl="1"/>
+            <a:endParaRPr lang="en-US" dirty="0" smtClean="0"/>
+          </a:p>
+          <a:p>
+            <a:pPr lvl="1"/>
+            <a:endParaRPr lang="en-US" dirty="0" smtClean="0"/>
+          </a:p>
+          <a:p>
+            <a:pPr lvl="2"/>
+            <a:endParaRPr lang="en-US" dirty="0" smtClean="0"/>
+          </a:p>
+          <a:p>
+            <a:pPr lvl="2"/>
+            <a:endParaRPr lang="en-US" dirty="0" smtClean="0"/>
+          </a:p>
+          <a:p>
+            <a:pPr lvl="2"/>
+            <a:endParaRPr lang="en-US" dirty="0"/>
+          </a:p>
+          <a:p>
+            <a:pPr lvl="2"/>
+            <a:endParaRPr lang="en-US" dirty="0"/>
           </a:p>
         </p:txBody>
       </p:sp>
@@ -3161,51 +5753,821 @@
   <p:clrMapOvr>
     <a:masterClrMapping/>
   </p:clrMapOvr>
+  <p:timing>
+    <p:tnLst>
+      <p:par>
+        <p:cTn id="1" dur="indefinite" restart="never" nodeType="tmRoot"/>
+      </p:par>
+    </p:tnLst>
+  </p:timing>
+</p:sld>
+</file>
+
+<file path=ppt/slides/slide4.xml><?xml version="1.0" encoding="utf-8"?>
+<p:sld xmlns:a="http://schemas.openxmlformats.org/drawingml/2006/main" xmlns:r="http://schemas.openxmlformats.org/officeDocument/2006/relationships" xmlns:p="http://schemas.openxmlformats.org/presentationml/2006/main">
+  <p:cSld>
+    <p:spTree>
+      <p:nvGrpSpPr>
+        <p:cNvPr id="1" name=""/>
+        <p:cNvGrpSpPr/>
+        <p:nvPr/>
+      </p:nvGrpSpPr>
+      <p:grpSpPr>
+        <a:xfrm>
+          <a:off x="0" y="0"/>
+          <a:ext cx="0" cy="0"/>
+          <a:chOff x="0" y="0"/>
+          <a:chExt cx="0" cy="0"/>
+        </a:xfrm>
+      </p:grpSpPr>
+      <p:sp>
+        <p:nvSpPr>
+          <p:cNvPr id="2" name="Title 1"/>
+          <p:cNvSpPr>
+            <a:spLocks noGrp="1"/>
+          </p:cNvSpPr>
+          <p:nvPr>
+            <p:ph type="title"/>
+          </p:nvPr>
+        </p:nvSpPr>
+        <p:spPr/>
+        <p:txBody>
+          <a:bodyPr/>
+          <a:lstStyle/>
+          <a:p>
+            <a:r>
+              <a:rPr lang="en-US" dirty="0" smtClean="0"/>
+              <a:t>Cleaning Data</a:t>
+            </a:r>
+            <a:endParaRPr lang="en-US" dirty="0"/>
+          </a:p>
+        </p:txBody>
+      </p:sp>
+      <p:sp>
+        <p:nvSpPr>
+          <p:cNvPr id="3" name="Content Placeholder 2"/>
+          <p:cNvSpPr>
+            <a:spLocks noGrp="1"/>
+          </p:cNvSpPr>
+          <p:nvPr>
+            <p:ph idx="1"/>
+          </p:nvPr>
+        </p:nvSpPr>
+        <p:spPr/>
+        <p:txBody>
+          <a:bodyPr/>
+          <a:lstStyle/>
+          <a:p>
+            <a:r>
+              <a:rPr lang="en-US" dirty="0" smtClean="0"/>
+              <a:t>Bad Data and Outliers</a:t>
+            </a:r>
+          </a:p>
+          <a:p>
+            <a:pPr lvl="1"/>
+            <a:r>
+              <a:rPr lang="en-US" dirty="0"/>
+              <a:t>Random Forest not very sensitive to </a:t>
+            </a:r>
+            <a:r>
+              <a:rPr lang="en-US" dirty="0" smtClean="0"/>
+              <a:t>outliers</a:t>
+            </a:r>
+          </a:p>
+          <a:p>
+            <a:pPr lvl="1"/>
+            <a:endParaRPr lang="en-US" dirty="0" smtClean="0"/>
+          </a:p>
+          <a:p>
+            <a:r>
+              <a:rPr lang="en-US" dirty="0" smtClean="0"/>
+              <a:t>Exploratory Data analysis for error type data</a:t>
+            </a:r>
+          </a:p>
+          <a:p>
+            <a:pPr lvl="1"/>
+            <a:endParaRPr lang="en-US" dirty="0"/>
+          </a:p>
+          <a:p>
+            <a:pPr lvl="1"/>
+            <a:endParaRPr lang="en-US" dirty="0"/>
+          </a:p>
+        </p:txBody>
+      </p:sp>
+      <p:pic>
+        <p:nvPicPr>
+          <p:cNvPr id="4" name="Picture 3"/>
+          <p:cNvPicPr>
+            <a:picLocks noChangeAspect="1"/>
+          </p:cNvPicPr>
+          <p:nvPr/>
+        </p:nvPicPr>
+        <p:blipFill>
+          <a:blip r:embed="rId2">
+            <a:extLst>
+              <a:ext uri="{28A0092B-C50C-407E-A947-70E740481C1C}">
+                <a14:useLocalDpi xmlns:a14="http://schemas.microsoft.com/office/drawing/2010/main" val="0"/>
+              </a:ext>
+            </a:extLst>
+          </a:blip>
+          <a:stretch>
+            <a:fillRect/>
+          </a:stretch>
+        </p:blipFill>
+        <p:spPr>
+          <a:xfrm>
+            <a:off x="1097279" y="3490174"/>
+            <a:ext cx="4427758" cy="2487293"/>
+          </a:xfrm>
+          <a:prstGeom prst="rect">
+            <a:avLst/>
+          </a:prstGeom>
+        </p:spPr>
+      </p:pic>
+      <p:pic>
+        <p:nvPicPr>
+          <p:cNvPr id="5" name="Picture 4"/>
+          <p:cNvPicPr>
+            <a:picLocks noChangeAspect="1"/>
+          </p:cNvPicPr>
+          <p:nvPr/>
+        </p:nvPicPr>
+        <p:blipFill>
+          <a:blip r:embed="rId3">
+            <a:extLst>
+              <a:ext uri="{28A0092B-C50C-407E-A947-70E740481C1C}">
+                <a14:useLocalDpi xmlns:a14="http://schemas.microsoft.com/office/drawing/2010/main" val="0"/>
+              </a:ext>
+            </a:extLst>
+          </a:blip>
+          <a:stretch>
+            <a:fillRect/>
+          </a:stretch>
+        </p:blipFill>
+        <p:spPr>
+          <a:xfrm>
+            <a:off x="5756856" y="3490174"/>
+            <a:ext cx="5398824" cy="2487294"/>
+          </a:xfrm>
+          <a:prstGeom prst="rect">
+            <a:avLst/>
+          </a:prstGeom>
+        </p:spPr>
+      </p:pic>
+    </p:spTree>
+    <p:extLst>
+      <p:ext uri="{BB962C8B-B14F-4D97-AF65-F5344CB8AC3E}">
+        <p14:creationId xmlns:p14="http://schemas.microsoft.com/office/powerpoint/2010/main" val="1124910753"/>
+      </p:ext>
+    </p:extLst>
+  </p:cSld>
+  <p:clrMapOvr>
+    <a:masterClrMapping/>
+  </p:clrMapOvr>
+  <p:timing>
+    <p:tnLst>
+      <p:par>
+        <p:cTn id="1" dur="indefinite" restart="never" nodeType="tmRoot"/>
+      </p:par>
+    </p:tnLst>
+  </p:timing>
+</p:sld>
+</file>
+
+<file path=ppt/slides/slide5.xml><?xml version="1.0" encoding="utf-8"?>
+<p:sld xmlns:a="http://schemas.openxmlformats.org/drawingml/2006/main" xmlns:r="http://schemas.openxmlformats.org/officeDocument/2006/relationships" xmlns:p="http://schemas.openxmlformats.org/presentationml/2006/main">
+  <p:cSld>
+    <p:spTree>
+      <p:nvGrpSpPr>
+        <p:cNvPr id="1" name=""/>
+        <p:cNvGrpSpPr/>
+        <p:nvPr/>
+      </p:nvGrpSpPr>
+      <p:grpSpPr>
+        <a:xfrm>
+          <a:off x="0" y="0"/>
+          <a:ext cx="0" cy="0"/>
+          <a:chOff x="0" y="0"/>
+          <a:chExt cx="0" cy="0"/>
+        </a:xfrm>
+      </p:grpSpPr>
+      <p:sp>
+        <p:nvSpPr>
+          <p:cNvPr id="2" name="Title 1"/>
+          <p:cNvSpPr>
+            <a:spLocks noGrp="1"/>
+          </p:cNvSpPr>
+          <p:nvPr>
+            <p:ph type="title"/>
+          </p:nvPr>
+        </p:nvSpPr>
+        <p:spPr/>
+        <p:txBody>
+          <a:bodyPr/>
+          <a:lstStyle/>
+          <a:p>
+            <a:r>
+              <a:rPr lang="en-US" dirty="0" smtClean="0"/>
+              <a:t>Cleaning Data Continue..</a:t>
+            </a:r>
+            <a:endParaRPr lang="en-US" dirty="0"/>
+          </a:p>
+        </p:txBody>
+      </p:sp>
+      <p:sp>
+        <p:nvSpPr>
+          <p:cNvPr id="3" name="Content Placeholder 2"/>
+          <p:cNvSpPr>
+            <a:spLocks noGrp="1"/>
+          </p:cNvSpPr>
+          <p:nvPr>
+            <p:ph idx="1"/>
+          </p:nvPr>
+        </p:nvSpPr>
+        <p:spPr>
+          <a:xfrm>
+            <a:off x="1097280" y="1845734"/>
+            <a:ext cx="10058400" cy="4303606"/>
+          </a:xfrm>
+        </p:spPr>
+        <p:txBody>
+          <a:bodyPr>
+            <a:normAutofit lnSpcReduction="10000"/>
+          </a:bodyPr>
+          <a:lstStyle/>
+          <a:p>
+            <a:r>
+              <a:rPr lang="en-US" dirty="0" smtClean="0"/>
+              <a:t>Housing Data</a:t>
+            </a:r>
+          </a:p>
+          <a:p>
+            <a:pPr lvl="1"/>
+            <a:r>
+              <a:rPr lang="en-US" dirty="0" smtClean="0"/>
+              <a:t>Attached homes’ Feature data set to price data set</a:t>
+            </a:r>
+          </a:p>
+          <a:p>
+            <a:pPr lvl="1"/>
+            <a:r>
+              <a:rPr lang="en-US" dirty="0" smtClean="0"/>
+              <a:t>Filtered  cells to dates 2006 and 2009 to match weather dates available</a:t>
+            </a:r>
+          </a:p>
+          <a:p>
+            <a:pPr lvl="1"/>
+            <a:r>
+              <a:rPr lang="en-US" dirty="0" smtClean="0"/>
+              <a:t>Built and sorted a Date Time Index for the sale of homes</a:t>
+            </a:r>
+          </a:p>
+          <a:p>
+            <a:pPr lvl="1"/>
+            <a:r>
+              <a:rPr lang="en-US" dirty="0" smtClean="0"/>
+              <a:t>Rest of cleaning was done  in future steps after splitting the data to build model</a:t>
+            </a:r>
+          </a:p>
+          <a:p>
+            <a:pPr lvl="1"/>
+            <a:endParaRPr lang="en-US" dirty="0"/>
+          </a:p>
+          <a:p>
+            <a:r>
+              <a:rPr lang="en-US" dirty="0" smtClean="0"/>
+              <a:t>Weather Data</a:t>
+            </a:r>
+          </a:p>
+          <a:p>
+            <a:pPr lvl="1"/>
+            <a:r>
+              <a:rPr lang="en-US" dirty="0"/>
+              <a:t>Subtracted the best dates and  weather station available from the data</a:t>
+            </a:r>
+          </a:p>
+          <a:p>
+            <a:pPr lvl="1"/>
+            <a:r>
+              <a:rPr lang="en-US" dirty="0"/>
+              <a:t>Filtered to the most significant weather variables</a:t>
+            </a:r>
+          </a:p>
+          <a:p>
+            <a:pPr lvl="1"/>
+            <a:r>
+              <a:rPr lang="en-US" dirty="0"/>
+              <a:t>Dates were filtered to match housing data sets</a:t>
+            </a:r>
+          </a:p>
+          <a:p>
+            <a:pPr lvl="1"/>
+            <a:r>
+              <a:rPr lang="en-US" dirty="0"/>
+              <a:t>Corrupted values were deleted, and averages </a:t>
+            </a:r>
+            <a:r>
+              <a:rPr lang="en-US" dirty="0" smtClean="0"/>
+              <a:t>obtained</a:t>
+            </a:r>
+          </a:p>
+          <a:p>
+            <a:pPr lvl="1"/>
+            <a:endParaRPr lang="en-US" dirty="0" smtClean="0"/>
+          </a:p>
+          <a:p>
+            <a:r>
+              <a:rPr lang="en-US" dirty="0" smtClean="0"/>
+              <a:t>At the end the two datasets were joined</a:t>
+            </a:r>
+          </a:p>
+        </p:txBody>
+      </p:sp>
+    </p:spTree>
+    <p:extLst>
+      <p:ext uri="{BB962C8B-B14F-4D97-AF65-F5344CB8AC3E}">
+        <p14:creationId xmlns:p14="http://schemas.microsoft.com/office/powerpoint/2010/main" val="2388824452"/>
+      </p:ext>
+    </p:extLst>
+  </p:cSld>
+  <p:clrMapOvr>
+    <a:masterClrMapping/>
+  </p:clrMapOvr>
+  <p:timing>
+    <p:tnLst>
+      <p:par>
+        <p:cTn id="1" dur="indefinite" restart="never" nodeType="tmRoot"/>
+      </p:par>
+    </p:tnLst>
+  </p:timing>
+</p:sld>
+</file>
+
+<file path=ppt/slides/slide6.xml><?xml version="1.0" encoding="utf-8"?>
+<p:sld xmlns:a="http://schemas.openxmlformats.org/drawingml/2006/main" xmlns:r="http://schemas.openxmlformats.org/officeDocument/2006/relationships" xmlns:p="http://schemas.openxmlformats.org/presentationml/2006/main">
+  <p:cSld>
+    <p:spTree>
+      <p:nvGrpSpPr>
+        <p:cNvPr id="1" name=""/>
+        <p:cNvGrpSpPr/>
+        <p:nvPr/>
+      </p:nvGrpSpPr>
+      <p:grpSpPr>
+        <a:xfrm>
+          <a:off x="0" y="0"/>
+          <a:ext cx="0" cy="0"/>
+          <a:chOff x="0" y="0"/>
+          <a:chExt cx="0" cy="0"/>
+        </a:xfrm>
+      </p:grpSpPr>
+      <p:sp>
+        <p:nvSpPr>
+          <p:cNvPr id="2" name="Title 1"/>
+          <p:cNvSpPr>
+            <a:spLocks noGrp="1"/>
+          </p:cNvSpPr>
+          <p:nvPr>
+            <p:ph type="title"/>
+          </p:nvPr>
+        </p:nvSpPr>
+        <p:spPr/>
+        <p:txBody>
+          <a:bodyPr/>
+          <a:lstStyle/>
+          <a:p>
+            <a:r>
+              <a:rPr lang="en-US" dirty="0" smtClean="0"/>
+              <a:t>Cleaning Data Continue..</a:t>
+            </a:r>
+            <a:endParaRPr lang="en-US" dirty="0"/>
+          </a:p>
+        </p:txBody>
+      </p:sp>
+      <p:sp>
+        <p:nvSpPr>
+          <p:cNvPr id="3" name="Content Placeholder 2"/>
+          <p:cNvSpPr>
+            <a:spLocks noGrp="1"/>
+          </p:cNvSpPr>
+          <p:nvPr>
+            <p:ph idx="1"/>
+          </p:nvPr>
+        </p:nvSpPr>
+        <p:spPr/>
+        <p:txBody>
+          <a:bodyPr>
+            <a:normAutofit/>
+          </a:bodyPr>
+          <a:lstStyle/>
+          <a:p>
+            <a:r>
+              <a:rPr lang="en-US" sz="2800" dirty="0"/>
+              <a:t>Splitting the data into train and test to fit </a:t>
+            </a:r>
+            <a:r>
+              <a:rPr lang="en-US" sz="2800" dirty="0" smtClean="0"/>
+              <a:t>model</a:t>
+            </a:r>
+          </a:p>
+          <a:p>
+            <a:endParaRPr lang="en-US" dirty="0" smtClean="0"/>
+          </a:p>
+          <a:p>
+            <a:r>
+              <a:rPr lang="en-US" sz="2400" dirty="0" smtClean="0"/>
+              <a:t>Train</a:t>
+            </a:r>
+            <a:endParaRPr lang="en-US" dirty="0" smtClean="0"/>
+          </a:p>
+          <a:p>
+            <a:pPr lvl="1"/>
+            <a:r>
+              <a:rPr lang="en-US" dirty="0" smtClean="0"/>
+              <a:t>Filled </a:t>
+            </a:r>
+            <a:r>
+              <a:rPr lang="en-US" dirty="0" err="1" smtClean="0"/>
+              <a:t>NaN</a:t>
+            </a:r>
+            <a:r>
+              <a:rPr lang="en-US" dirty="0" smtClean="0"/>
+              <a:t> values with means and modes</a:t>
+            </a:r>
+            <a:endParaRPr lang="en-US" dirty="0"/>
+          </a:p>
+          <a:p>
+            <a:pPr lvl="1"/>
+            <a:r>
+              <a:rPr lang="en-US" dirty="0" smtClean="0"/>
+              <a:t>Built dummy columns for categorical variables</a:t>
+            </a:r>
+            <a:endParaRPr lang="en-US" dirty="0"/>
+          </a:p>
+          <a:p>
+            <a:pPr lvl="1"/>
+            <a:endParaRPr lang="en-US" dirty="0" smtClean="0"/>
+          </a:p>
+          <a:p>
+            <a:pPr marL="201168" lvl="1" indent="0">
+              <a:buNone/>
+            </a:pPr>
+            <a:r>
+              <a:rPr lang="en-US" sz="2400" dirty="0" smtClean="0"/>
+              <a:t>Test</a:t>
+            </a:r>
+            <a:endParaRPr lang="en-US" sz="2400" dirty="0"/>
+          </a:p>
+          <a:p>
+            <a:pPr lvl="1"/>
+            <a:r>
+              <a:rPr lang="en-US" dirty="0" smtClean="0"/>
+              <a:t>Used means and mode values from training data for any </a:t>
+            </a:r>
+            <a:r>
+              <a:rPr lang="en-US" dirty="0" err="1" smtClean="0"/>
+              <a:t>NaN</a:t>
+            </a:r>
+            <a:r>
+              <a:rPr lang="en-US" dirty="0" smtClean="0"/>
+              <a:t> values.</a:t>
+            </a:r>
+          </a:p>
+          <a:p>
+            <a:pPr lvl="1"/>
+            <a:r>
+              <a:rPr lang="en-US" dirty="0" smtClean="0"/>
+              <a:t>Re-index and transfer the dummy variables from out training data</a:t>
+            </a:r>
+          </a:p>
+        </p:txBody>
+      </p:sp>
+    </p:spTree>
+    <p:extLst>
+      <p:ext uri="{BB962C8B-B14F-4D97-AF65-F5344CB8AC3E}">
+        <p14:creationId xmlns:p14="http://schemas.microsoft.com/office/powerpoint/2010/main" val="1108616532"/>
+      </p:ext>
+    </p:extLst>
+  </p:cSld>
+  <p:clrMapOvr>
+    <a:masterClrMapping/>
+  </p:clrMapOvr>
+  <p:timing>
+    <p:tnLst>
+      <p:par>
+        <p:cTn id="1" dur="indefinite" restart="never" nodeType="tmRoot"/>
+      </p:par>
+    </p:tnLst>
+  </p:timing>
+</p:sld>
+</file>
+
+<file path=ppt/slides/slide7.xml><?xml version="1.0" encoding="utf-8"?>
+<p:sld xmlns:a="http://schemas.openxmlformats.org/drawingml/2006/main" xmlns:r="http://schemas.openxmlformats.org/officeDocument/2006/relationships" xmlns:p="http://schemas.openxmlformats.org/presentationml/2006/main">
+  <p:cSld>
+    <p:spTree>
+      <p:nvGrpSpPr>
+        <p:cNvPr id="1" name=""/>
+        <p:cNvGrpSpPr/>
+        <p:nvPr/>
+      </p:nvGrpSpPr>
+      <p:grpSpPr>
+        <a:xfrm>
+          <a:off x="0" y="0"/>
+          <a:ext cx="0" cy="0"/>
+          <a:chOff x="0" y="0"/>
+          <a:chExt cx="0" cy="0"/>
+        </a:xfrm>
+      </p:grpSpPr>
+      <p:sp>
+        <p:nvSpPr>
+          <p:cNvPr id="2" name="Title 1"/>
+          <p:cNvSpPr>
+            <a:spLocks noGrp="1"/>
+          </p:cNvSpPr>
+          <p:nvPr>
+            <p:ph type="title"/>
+          </p:nvPr>
+        </p:nvSpPr>
+        <p:spPr/>
+        <p:txBody>
+          <a:bodyPr/>
+          <a:lstStyle/>
+          <a:p>
+            <a:r>
+              <a:rPr lang="en-US" dirty="0" smtClean="0"/>
+              <a:t>Exploratory Data Analysis</a:t>
+            </a:r>
+            <a:endParaRPr lang="en-US" dirty="0"/>
+          </a:p>
+        </p:txBody>
+      </p:sp>
+      <p:pic>
+        <p:nvPicPr>
+          <p:cNvPr id="4" name="Content Placeholder 3"/>
+          <p:cNvPicPr>
+            <a:picLocks noGrp="1" noChangeAspect="1"/>
+          </p:cNvPicPr>
+          <p:nvPr>
+            <p:ph idx="1"/>
+          </p:nvPr>
+        </p:nvPicPr>
+        <p:blipFill>
+          <a:blip r:embed="rId2">
+            <a:extLst>
+              <a:ext uri="{28A0092B-C50C-407E-A947-70E740481C1C}">
+                <a14:useLocalDpi xmlns:a14="http://schemas.microsoft.com/office/drawing/2010/main" val="0"/>
+              </a:ext>
+            </a:extLst>
+          </a:blip>
+          <a:stretch>
+            <a:fillRect/>
+          </a:stretch>
+        </p:blipFill>
+        <p:spPr>
+          <a:xfrm>
+            <a:off x="1390918" y="2110976"/>
+            <a:ext cx="9337183" cy="3851941"/>
+          </a:xfrm>
+        </p:spPr>
+      </p:pic>
+    </p:spTree>
+    <p:extLst>
+      <p:ext uri="{BB962C8B-B14F-4D97-AF65-F5344CB8AC3E}">
+        <p14:creationId xmlns:p14="http://schemas.microsoft.com/office/powerpoint/2010/main" val="373677228"/>
+      </p:ext>
+    </p:extLst>
+  </p:cSld>
+  <p:clrMapOvr>
+    <a:masterClrMapping/>
+  </p:clrMapOvr>
+  <p:timing>
+    <p:tnLst>
+      <p:par>
+        <p:cTn id="1" dur="indefinite" restart="never" nodeType="tmRoot"/>
+      </p:par>
+    </p:tnLst>
+  </p:timing>
+</p:sld>
+</file>
+
+<file path=ppt/slides/slide8.xml><?xml version="1.0" encoding="utf-8"?>
+<p:sld xmlns:a="http://schemas.openxmlformats.org/drawingml/2006/main" xmlns:r="http://schemas.openxmlformats.org/officeDocument/2006/relationships" xmlns:p="http://schemas.openxmlformats.org/presentationml/2006/main">
+  <p:cSld>
+    <p:spTree>
+      <p:nvGrpSpPr>
+        <p:cNvPr id="1" name=""/>
+        <p:cNvGrpSpPr/>
+        <p:nvPr/>
+      </p:nvGrpSpPr>
+      <p:grpSpPr>
+        <a:xfrm>
+          <a:off x="0" y="0"/>
+          <a:ext cx="0" cy="0"/>
+          <a:chOff x="0" y="0"/>
+          <a:chExt cx="0" cy="0"/>
+        </a:xfrm>
+      </p:grpSpPr>
+      <p:sp>
+        <p:nvSpPr>
+          <p:cNvPr id="2" name="Title 1"/>
+          <p:cNvSpPr>
+            <a:spLocks noGrp="1"/>
+          </p:cNvSpPr>
+          <p:nvPr>
+            <p:ph type="title"/>
+          </p:nvPr>
+        </p:nvSpPr>
+        <p:spPr/>
+        <p:txBody>
+          <a:bodyPr/>
+          <a:lstStyle/>
+          <a:p>
+            <a:r>
+              <a:rPr lang="en-US" dirty="0"/>
+              <a:t>Exploratory Data Analysis</a:t>
+            </a:r>
+          </a:p>
+        </p:txBody>
+      </p:sp>
+      <p:pic>
+        <p:nvPicPr>
+          <p:cNvPr id="4" name="Content Placeholder 3"/>
+          <p:cNvPicPr>
+            <a:picLocks noGrp="1" noChangeAspect="1"/>
+          </p:cNvPicPr>
+          <p:nvPr>
+            <p:ph idx="1"/>
+          </p:nvPr>
+        </p:nvPicPr>
+        <p:blipFill>
+          <a:blip r:embed="rId2">
+            <a:extLst>
+              <a:ext uri="{28A0092B-C50C-407E-A947-70E740481C1C}">
+                <a14:useLocalDpi xmlns:a14="http://schemas.microsoft.com/office/drawing/2010/main" val="0"/>
+              </a:ext>
+            </a:extLst>
+          </a:blip>
+          <a:stretch>
+            <a:fillRect/>
+          </a:stretch>
+        </p:blipFill>
+        <p:spPr>
+          <a:xfrm>
+            <a:off x="1096963" y="1996224"/>
+            <a:ext cx="10058400" cy="3940937"/>
+          </a:xfrm>
+        </p:spPr>
+      </p:pic>
+    </p:spTree>
+    <p:extLst>
+      <p:ext uri="{BB962C8B-B14F-4D97-AF65-F5344CB8AC3E}">
+        <p14:creationId xmlns:p14="http://schemas.microsoft.com/office/powerpoint/2010/main" val="1387579563"/>
+      </p:ext>
+    </p:extLst>
+  </p:cSld>
+  <p:clrMapOvr>
+    <a:masterClrMapping/>
+  </p:clrMapOvr>
+  <p:timing>
+    <p:tnLst>
+      <p:par>
+        <p:cTn id="1" dur="indefinite" restart="never" nodeType="tmRoot"/>
+      </p:par>
+    </p:tnLst>
+  </p:timing>
+</p:sld>
+</file>
+
+<file path=ppt/slides/slide9.xml><?xml version="1.0" encoding="utf-8"?>
+<p:sld xmlns:a="http://schemas.openxmlformats.org/drawingml/2006/main" xmlns:r="http://schemas.openxmlformats.org/officeDocument/2006/relationships" xmlns:p="http://schemas.openxmlformats.org/presentationml/2006/main">
+  <p:cSld>
+    <p:spTree>
+      <p:nvGrpSpPr>
+        <p:cNvPr id="1" name=""/>
+        <p:cNvGrpSpPr/>
+        <p:nvPr/>
+      </p:nvGrpSpPr>
+      <p:grpSpPr>
+        <a:xfrm>
+          <a:off x="0" y="0"/>
+          <a:ext cx="0" cy="0"/>
+          <a:chOff x="0" y="0"/>
+          <a:chExt cx="0" cy="0"/>
+        </a:xfrm>
+      </p:grpSpPr>
+      <p:sp>
+        <p:nvSpPr>
+          <p:cNvPr id="2" name="Title 1"/>
+          <p:cNvSpPr>
+            <a:spLocks noGrp="1"/>
+          </p:cNvSpPr>
+          <p:nvPr>
+            <p:ph type="title"/>
+          </p:nvPr>
+        </p:nvSpPr>
+        <p:spPr/>
+        <p:txBody>
+          <a:bodyPr/>
+          <a:lstStyle/>
+          <a:p>
+            <a:r>
+              <a:rPr lang="en-US" dirty="0"/>
+              <a:t>Exploratory Data Analysis</a:t>
+            </a:r>
+          </a:p>
+        </p:txBody>
+      </p:sp>
+      <p:pic>
+        <p:nvPicPr>
+          <p:cNvPr id="4" name="Content Placeholder 3"/>
+          <p:cNvPicPr>
+            <a:picLocks noGrp="1" noChangeAspect="1"/>
+          </p:cNvPicPr>
+          <p:nvPr>
+            <p:ph idx="1"/>
+          </p:nvPr>
+        </p:nvPicPr>
+        <p:blipFill>
+          <a:blip r:embed="rId2">
+            <a:extLst>
+              <a:ext uri="{28A0092B-C50C-407E-A947-70E740481C1C}">
+                <a14:useLocalDpi xmlns:a14="http://schemas.microsoft.com/office/drawing/2010/main" val="0"/>
+              </a:ext>
+            </a:extLst>
+          </a:blip>
+          <a:stretch>
+            <a:fillRect/>
+          </a:stretch>
+        </p:blipFill>
+        <p:spPr>
+          <a:xfrm>
+            <a:off x="1097280" y="2110977"/>
+            <a:ext cx="10058400" cy="3890578"/>
+          </a:xfrm>
+        </p:spPr>
+      </p:pic>
+    </p:spTree>
+    <p:extLst>
+      <p:ext uri="{BB962C8B-B14F-4D97-AF65-F5344CB8AC3E}">
+        <p14:creationId xmlns:p14="http://schemas.microsoft.com/office/powerpoint/2010/main" val="2075660579"/>
+      </p:ext>
+    </p:extLst>
+  </p:cSld>
+  <p:clrMapOvr>
+    <a:masterClrMapping/>
+  </p:clrMapOvr>
+  <p:timing>
+    <p:tnLst>
+      <p:par>
+        <p:cTn id="1" dur="indefinite" restart="never" nodeType="tmRoot"/>
+      </p:par>
+    </p:tnLst>
+  </p:timing>
 </p:sld>
 </file>
 
 <file path=ppt/theme/theme1.xml><?xml version="1.0" encoding="utf-8"?>
-<a:theme xmlns:a="http://schemas.openxmlformats.org/drawingml/2006/main" name="Office Theme">
+<a:theme xmlns:a="http://schemas.openxmlformats.org/drawingml/2006/main" name="Retrospect">
   <a:themeElements>
-    <a:clrScheme name="Office">
+    <a:clrScheme name="Retrospect">
       <a:dk1>
-        <a:sysClr val="windowText" lastClr="000000"/>
+        <a:srgbClr val="000000"/>
       </a:dk1>
       <a:lt1>
         <a:sysClr val="window" lastClr="FFFFFF"/>
       </a:lt1>
       <a:dk2>
-        <a:srgbClr val="44546A"/>
+        <a:srgbClr val="637052"/>
       </a:dk2>
       <a:lt2>
-        <a:srgbClr val="E7E6E6"/>
+        <a:srgbClr val="CCDDEA"/>
       </a:lt2>
       <a:accent1>
-        <a:srgbClr val="5B9BD5"/>
+        <a:srgbClr val="E48312"/>
       </a:accent1>
       <a:accent2>
-        <a:srgbClr val="ED7D31"/>
+        <a:srgbClr val="BD582C"/>
       </a:accent2>
       <a:accent3>
-        <a:srgbClr val="A5A5A5"/>
+        <a:srgbClr val="865640"/>
       </a:accent3>
       <a:accent4>
-        <a:srgbClr val="FFC000"/>
+        <a:srgbClr val="9B8357"/>
       </a:accent4>
       <a:accent5>
-        <a:srgbClr val="4472C4"/>
+        <a:srgbClr val="C2BC80"/>
       </a:accent5>
       <a:accent6>
-        <a:srgbClr val="70AD47"/>
+        <a:srgbClr val="94A088"/>
       </a:accent6>
       <a:hlink>
-        <a:srgbClr val="0563C1"/>
+        <a:srgbClr val="2998E3"/>
       </a:hlink>
       <a:folHlink>
-        <a:srgbClr val="954F72"/>
+        <a:srgbClr val="8C8C8C"/>
       </a:folHlink>
     </a:clrScheme>
-    <a:fontScheme name="Office">
+    <a:fontScheme name="Retrospect">
       <a:majorFont>
         <a:latin typeface="Calibri Light" panose="020F0302020204030204"/>
         <a:ea typeface=""/>
@@ -3277,7 +6639,7 @@
         <a:font script="Geor" typeface="Sylfaen"/>
       </a:minorFont>
     </a:fontScheme>
-    <a:fmtScheme name="Office">
+    <a:fmtScheme name="Retrospect">
       <a:fillStyleLst>
         <a:solidFill>
           <a:schemeClr val="phClr"/>
@@ -3286,76 +6648,81 @@
           <a:gsLst>
             <a:gs pos="0">
               <a:schemeClr val="phClr">
-                <a:lumMod val="110000"/>
-                <a:satMod val="105000"/>
-                <a:tint val="67000"/>
+                <a:tint val="65000"/>
+                <a:shade val="92000"/>
+                <a:satMod val="130000"/>
               </a:schemeClr>
             </a:gs>
-            <a:gs pos="50000">
+            <a:gs pos="45000">
               <a:schemeClr val="phClr">
-                <a:lumMod val="105000"/>
-                <a:satMod val="103000"/>
-                <a:tint val="73000"/>
+                <a:tint val="60000"/>
+                <a:shade val="99000"/>
+                <a:satMod val="120000"/>
               </a:schemeClr>
             </a:gs>
             <a:gs pos="100000">
               <a:schemeClr val="phClr">
-                <a:lumMod val="105000"/>
-                <a:satMod val="109000"/>
-                <a:tint val="81000"/>
+                <a:tint val="55000"/>
+                <a:satMod val="140000"/>
               </a:schemeClr>
             </a:gs>
           </a:gsLst>
-          <a:lin ang="5400000" scaled="0"/>
+          <a:path path="circle">
+            <a:fillToRect l="100000" t="100000" r="100000" b="100000"/>
+          </a:path>
         </a:gradFill>
         <a:gradFill rotWithShape="1">
           <a:gsLst>
             <a:gs pos="0">
               <a:schemeClr val="phClr">
-                <a:satMod val="103000"/>
-                <a:lumMod val="102000"/>
-                <a:tint val="94000"/>
+                <a:shade val="85000"/>
+                <a:satMod val="130000"/>
               </a:schemeClr>
             </a:gs>
-            <a:gs pos="50000">
+            <a:gs pos="34000">
               <a:schemeClr val="phClr">
-                <a:satMod val="110000"/>
-                <a:lumMod val="100000"/>
-                <a:shade val="100000"/>
+                <a:shade val="87000"/>
+                <a:satMod val="125000"/>
+              </a:schemeClr>
+            </a:gs>
+            <a:gs pos="70000">
+              <a:schemeClr val="phClr">
+                <a:tint val="100000"/>
+                <a:shade val="90000"/>
+                <a:satMod val="130000"/>
               </a:schemeClr>
             </a:gs>
             <a:gs pos="100000">
               <a:schemeClr val="phClr">
-                <a:lumMod val="99000"/>
-                <a:satMod val="120000"/>
-                <a:shade val="78000"/>
+                <a:tint val="100000"/>
+                <a:shade val="100000"/>
+                <a:satMod val="110000"/>
               </a:schemeClr>
             </a:gs>
           </a:gsLst>
-          <a:lin ang="5400000" scaled="0"/>
+          <a:path path="circle">
+            <a:fillToRect l="100000" t="100000" r="100000" b="100000"/>
+          </a:path>
         </a:gradFill>
       </a:fillStyleLst>
       <a:lnStyleLst>
-        <a:ln w="6350" cap="flat" cmpd="sng" algn="ctr">
-          <a:solidFill>
-            <a:schemeClr val="phClr"/>
-          </a:solidFill>
-          <a:prstDash val="solid"/>
-          <a:miter lim="800000"/>
-        </a:ln>
         <a:ln w="12700" cap="flat" cmpd="sng" algn="ctr">
           <a:solidFill>
             <a:schemeClr val="phClr"/>
           </a:solidFill>
           <a:prstDash val="solid"/>
-          <a:miter lim="800000"/>
         </a:ln>
-        <a:ln w="19050" cap="flat" cmpd="sng" algn="ctr">
+        <a:ln w="15875" cap="flat" cmpd="sng" algn="ctr">
           <a:solidFill>
             <a:schemeClr val="phClr"/>
           </a:solidFill>
           <a:prstDash val="solid"/>
-          <a:miter lim="800000"/>
+        </a:ln>
+        <a:ln w="25400" cap="flat" cmpd="sng" algn="ctr">
+          <a:solidFill>
+            <a:schemeClr val="phClr"/>
+          </a:solidFill>
+          <a:prstDash val="solid"/>
         </a:ln>
       </a:lnStyleLst>
       <a:effectStyleLst>
@@ -3363,16 +6730,33 @@
           <a:effectLst/>
         </a:effectStyle>
         <a:effectStyle>
-          <a:effectLst/>
+          <a:effectLst>
+            <a:outerShdw blurRad="38100" dist="25400" dir="2700000" algn="br" rotWithShape="0">
+              <a:srgbClr val="000000">
+                <a:alpha val="60000"/>
+              </a:srgbClr>
+            </a:outerShdw>
+          </a:effectLst>
         </a:effectStyle>
         <a:effectStyle>
           <a:effectLst>
-            <a:outerShdw blurRad="57150" dist="19050" dir="5400000" algn="ctr" rotWithShape="0">
+            <a:outerShdw blurRad="44450" dist="25400" dir="2700000" algn="br" rotWithShape="0">
               <a:srgbClr val="000000">
-                <a:alpha val="63000"/>
+                <a:alpha val="60000"/>
               </a:srgbClr>
             </a:outerShdw>
           </a:effectLst>
+          <a:scene3d>
+            <a:camera prst="orthographicFront">
+              <a:rot lat="0" lon="0" rev="0"/>
+            </a:camera>
+            <a:lightRig rig="threePt" dir="t">
+              <a:rot lat="0" lon="0" rev="19800000"/>
+            </a:lightRig>
+          </a:scene3d>
+          <a:sp3d prstMaterial="flat">
+            <a:bevelT w="25400" h="31750"/>
+          </a:sp3d>
         </a:effectStyle>
       </a:effectStyleLst>
       <a:bgFillStyleLst>
@@ -3381,36 +6765,36 @@
         </a:solidFill>
         <a:solidFill>
           <a:schemeClr val="phClr">
-            <a:tint val="95000"/>
-            <a:satMod val="170000"/>
+            <a:tint val="90000"/>
+            <a:shade val="97000"/>
+            <a:satMod val="130000"/>
           </a:schemeClr>
         </a:solidFill>
         <a:gradFill rotWithShape="1">
           <a:gsLst>
             <a:gs pos="0">
               <a:schemeClr val="phClr">
-                <a:tint val="93000"/>
-                <a:satMod val="150000"/>
-                <a:shade val="98000"/>
-                <a:lumMod val="102000"/>
+                <a:tint val="96000"/>
+                <a:shade val="99000"/>
+                <a:satMod val="140000"/>
               </a:schemeClr>
             </a:gs>
-            <a:gs pos="50000">
+            <a:gs pos="65000">
               <a:schemeClr val="phClr">
-                <a:tint val="98000"/>
+                <a:tint val="100000"/>
+                <a:shade val="80000"/>
                 <a:satMod val="130000"/>
-                <a:shade val="90000"/>
-                <a:lumMod val="103000"/>
               </a:schemeClr>
             </a:gs>
             <a:gs pos="100000">
               <a:schemeClr val="phClr">
-                <a:shade val="63000"/>
+                <a:tint val="100000"/>
+                <a:shade val="48000"/>
                 <a:satMod val="120000"/>
               </a:schemeClr>
             </a:gs>
           </a:gsLst>
-          <a:lin ang="5400000" scaled="0"/>
+          <a:lin ang="16200000" scaled="0"/>
         </a:gradFill>
       </a:bgFillStyleLst>
     </a:fmtScheme>
@@ -3419,7 +6803,7 @@
   <a:extraClrSchemeLst/>
   <a:extLst>
     <a:ext uri="{05A4C25C-085E-4340-85A3-A5531E510DB2}">
-      <thm15:themeFamily xmlns:thm15="http://schemas.microsoft.com/office/thememl/2012/main" name="Office Theme" id="{62F939B6-93AF-4DB8-9C6B-D6C7DFDC589F}" vid="{4A3C46E8-61CC-4603-A589-7422A47A8E4A}"/>
+      <thm15:themeFamily xmlns:thm15="http://schemas.microsoft.com/office/thememl/2012/main" name="Retrospect" id="{5F128B03-DCCA-4EEB-AB3B-CF2899314A46}" vid="{3F1AAB62-24C6-49D2-8E01-B56FAC9A3DCD}"/>
     </a:ext>
   </a:extLst>
 </a:theme>

--- a/Ames_project/Slide_deck.pptx
+++ b/Ames_project/Slide_deck.pptx
@@ -359,7 +359,7 @@
           <a:p>
             <a:fld id="{DE654CD9-B26A-40B3-8034-DADCF8851108}" type="datetimeFigureOut">
               <a:rPr lang="en-US" smtClean="0"/>
-              <a:t>11/6/2017</a:t>
+              <a:t>11/7/2017</a:t>
             </a:fld>
             <a:endParaRPr lang="en-US"/>
           </a:p>
@@ -567,7 +567,7 @@
           <a:p>
             <a:fld id="{DE654CD9-B26A-40B3-8034-DADCF8851108}" type="datetimeFigureOut">
               <a:rPr lang="en-US" smtClean="0"/>
-              <a:t>11/6/2017</a:t>
+              <a:t>11/7/2017</a:t>
             </a:fld>
             <a:endParaRPr lang="en-US"/>
           </a:p>
@@ -823,7 +823,7 @@
           <a:p>
             <a:fld id="{DE654CD9-B26A-40B3-8034-DADCF8851108}" type="datetimeFigureOut">
               <a:rPr lang="en-US" smtClean="0"/>
-              <a:t>11/6/2017</a:t>
+              <a:t>11/7/2017</a:t>
             </a:fld>
             <a:endParaRPr lang="en-US"/>
           </a:p>
@@ -997,7 +997,7 @@
           <a:p>
             <a:fld id="{DE654CD9-B26A-40B3-8034-DADCF8851108}" type="datetimeFigureOut">
               <a:rPr lang="en-US" smtClean="0"/>
-              <a:t>11/6/2017</a:t>
+              <a:t>11/7/2017</a:t>
             </a:fld>
             <a:endParaRPr lang="en-US"/>
           </a:p>
@@ -1340,7 +1340,7 @@
           <a:p>
             <a:fld id="{DE654CD9-B26A-40B3-8034-DADCF8851108}" type="datetimeFigureOut">
               <a:rPr lang="en-US" smtClean="0"/>
-              <a:t>11/6/2017</a:t>
+              <a:t>11/7/2017</a:t>
             </a:fld>
             <a:endParaRPr lang="en-US"/>
           </a:p>
@@ -1615,7 +1615,7 @@
           <a:p>
             <a:fld id="{DE654CD9-B26A-40B3-8034-DADCF8851108}" type="datetimeFigureOut">
               <a:rPr lang="en-US" smtClean="0"/>
-              <a:t>11/6/2017</a:t>
+              <a:t>11/7/2017</a:t>
             </a:fld>
             <a:endParaRPr lang="en-US"/>
           </a:p>
@@ -1994,7 +1994,7 @@
           <a:p>
             <a:fld id="{DE654CD9-B26A-40B3-8034-DADCF8851108}" type="datetimeFigureOut">
               <a:rPr lang="en-US" smtClean="0"/>
-              <a:t>11/6/2017</a:t>
+              <a:t>11/7/2017</a:t>
             </a:fld>
             <a:endParaRPr lang="en-US"/>
           </a:p>
@@ -2112,7 +2112,7 @@
           <a:p>
             <a:fld id="{DE654CD9-B26A-40B3-8034-DADCF8851108}" type="datetimeFigureOut">
               <a:rPr lang="en-US" smtClean="0"/>
-              <a:t>11/6/2017</a:t>
+              <a:t>11/7/2017</a:t>
             </a:fld>
             <a:endParaRPr lang="en-US"/>
           </a:p>
@@ -2283,7 +2283,7 @@
           <a:p>
             <a:fld id="{DE654CD9-B26A-40B3-8034-DADCF8851108}" type="datetimeFigureOut">
               <a:rPr lang="en-US" smtClean="0"/>
-              <a:t>11/6/2017</a:t>
+              <a:t>11/7/2017</a:t>
             </a:fld>
             <a:endParaRPr lang="en-US"/>
           </a:p>
@@ -2637,7 +2637,7 @@
           <a:p>
             <a:fld id="{DE654CD9-B26A-40B3-8034-DADCF8851108}" type="datetimeFigureOut">
               <a:rPr lang="en-US" smtClean="0"/>
-              <a:t>11/6/2017</a:t>
+              <a:t>11/7/2017</a:t>
             </a:fld>
             <a:endParaRPr lang="en-US"/>
           </a:p>
@@ -3019,7 +3019,7 @@
           <a:p>
             <a:fld id="{DE654CD9-B26A-40B3-8034-DADCF8851108}" type="datetimeFigureOut">
               <a:rPr lang="en-US" smtClean="0"/>
-              <a:t>11/6/2017</a:t>
+              <a:t>11/7/2017</a:t>
             </a:fld>
             <a:endParaRPr lang="en-US"/>
           </a:p>
@@ -3306,7 +3306,7 @@
           <a:p>
             <a:fld id="{DE654CD9-B26A-40B3-8034-DADCF8851108}" type="datetimeFigureOut">
               <a:rPr lang="en-US" smtClean="0"/>
-              <a:t>11/6/2017</a:t>
+              <a:t>11/7/2017</a:t>
             </a:fld>
             <a:endParaRPr lang="en-US"/>
           </a:p>
@@ -3872,20 +3872,32 @@
         </p:nvSpPr>
         <p:spPr/>
         <p:txBody>
-          <a:bodyPr/>
+          <a:bodyPr>
+            <a:normAutofit fontScale="85000" lnSpcReduction="20000"/>
+          </a:bodyPr>
           <a:lstStyle/>
           <a:p>
             <a:r>
               <a:rPr lang="en-US" dirty="0" smtClean="0"/>
-              <a:t>By: Alfredo Martinez</a:t>
-            </a:r>
-            <a:endParaRPr lang="en-US" dirty="0"/>
+              <a:t>By: Alfredo </a:t>
+            </a:r>
+            <a:r>
+              <a:rPr lang="en-US" dirty="0" smtClean="0"/>
+              <a:t>Martinez</a:t>
+            </a:r>
+          </a:p>
+          <a:p>
+            <a:r>
+              <a:rPr lang="en-US" dirty="0" smtClean="0"/>
+              <a:t>MENTOR: Lucas Allen </a:t>
+            </a:r>
           </a:p>
           <a:p>
             <a:r>
               <a:rPr lang="en-US" dirty="0" smtClean="0"/>
               <a:t>2017</a:t>
             </a:r>
+            <a:endParaRPr lang="en-US" dirty="0" smtClean="0"/>
           </a:p>
           <a:p>
             <a:endParaRPr lang="en-US" dirty="0" smtClean="0"/>
@@ -4530,7 +4542,6 @@
               <a:rPr lang="en-US" sz="1800" dirty="0"/>
               <a:t>0.010090621217186681</a:t>
             </a:r>
-            <a:endParaRPr lang="en-US" sz="1800" dirty="0"/>
           </a:p>
           <a:p>
             <a:r>
@@ -4547,7 +4558,6 @@
               <a:rPr lang="en-US" sz="1800" dirty="0"/>
               <a:t>3.5535259636604621e-13</a:t>
             </a:r>
-            <a:endParaRPr lang="en-US" sz="1800" dirty="0"/>
           </a:p>
           <a:p>
             <a:r>
@@ -4568,7 +4578,6 @@
               <a:rPr lang="en-US" sz="1800" dirty="0"/>
               <a:t>0.37003494954970051</a:t>
             </a:r>
-            <a:endParaRPr lang="en-US" sz="1800" dirty="0"/>
           </a:p>
         </p:txBody>
       </p:sp>
@@ -5111,10 +5120,6 @@
             <a:r>
               <a:rPr lang="en-US" dirty="0" smtClean="0"/>
               <a:t>Introduction</a:t>
-            </a:r>
-            <a:r>
-              <a:rPr lang="en-US" dirty="0" smtClean="0"/>
-              <a:t/>
             </a:r>
             <a:br>
               <a:rPr lang="en-US" dirty="0" smtClean="0"/>

--- a/Ames_project/Slide_deck.pptx
+++ b/Ames_project/Slide_deck.pptx
@@ -7,26 +7,19 @@
   <p:sldIdLst>
     <p:sldId id="256" r:id="rId2"/>
     <p:sldId id="257" r:id="rId3"/>
-    <p:sldId id="258" r:id="rId4"/>
-    <p:sldId id="259" r:id="rId5"/>
-    <p:sldId id="260" r:id="rId6"/>
-    <p:sldId id="261" r:id="rId7"/>
-    <p:sldId id="262" r:id="rId8"/>
-    <p:sldId id="263" r:id="rId9"/>
-    <p:sldId id="264" r:id="rId10"/>
-    <p:sldId id="265" r:id="rId11"/>
-    <p:sldId id="266" r:id="rId12"/>
-    <p:sldId id="267" r:id="rId13"/>
-    <p:sldId id="268" r:id="rId14"/>
-    <p:sldId id="269" r:id="rId15"/>
-    <p:sldId id="270" r:id="rId16"/>
-    <p:sldId id="271" r:id="rId17"/>
-    <p:sldId id="282" r:id="rId18"/>
-    <p:sldId id="272" r:id="rId19"/>
-    <p:sldId id="273" r:id="rId20"/>
-    <p:sldId id="274" r:id="rId21"/>
-    <p:sldId id="275" r:id="rId22"/>
-    <p:sldId id="276" r:id="rId23"/>
+    <p:sldId id="309" r:id="rId4"/>
+    <p:sldId id="288" r:id="rId5"/>
+    <p:sldId id="307" r:id="rId6"/>
+    <p:sldId id="310" r:id="rId7"/>
+    <p:sldId id="301" r:id="rId8"/>
+    <p:sldId id="315" r:id="rId9"/>
+    <p:sldId id="316" r:id="rId10"/>
+    <p:sldId id="297" r:id="rId11"/>
+    <p:sldId id="299" r:id="rId12"/>
+    <p:sldId id="311" r:id="rId13"/>
+    <p:sldId id="305" r:id="rId14"/>
+    <p:sldId id="306" r:id="rId15"/>
+    <p:sldId id="312" r:id="rId16"/>
   </p:sldIdLst>
   <p:sldSz cx="12192000" cy="6858000"/>
   <p:notesSz cx="6858000" cy="9144000"/>
@@ -359,7 +352,7 @@
           <a:p>
             <a:fld id="{DE654CD9-B26A-40B3-8034-DADCF8851108}" type="datetimeFigureOut">
               <a:rPr lang="en-US" smtClean="0"/>
-              <a:t>11/7/2017</a:t>
+              <a:t>11/25/2017</a:t>
             </a:fld>
             <a:endParaRPr lang="en-US"/>
           </a:p>
@@ -567,7 +560,7 @@
           <a:p>
             <a:fld id="{DE654CD9-B26A-40B3-8034-DADCF8851108}" type="datetimeFigureOut">
               <a:rPr lang="en-US" smtClean="0"/>
-              <a:t>11/7/2017</a:t>
+              <a:t>11/25/2017</a:t>
             </a:fld>
             <a:endParaRPr lang="en-US"/>
           </a:p>
@@ -823,7 +816,7 @@
           <a:p>
             <a:fld id="{DE654CD9-B26A-40B3-8034-DADCF8851108}" type="datetimeFigureOut">
               <a:rPr lang="en-US" smtClean="0"/>
-              <a:t>11/7/2017</a:t>
+              <a:t>11/25/2017</a:t>
             </a:fld>
             <a:endParaRPr lang="en-US"/>
           </a:p>
@@ -997,7 +990,7 @@
           <a:p>
             <a:fld id="{DE654CD9-B26A-40B3-8034-DADCF8851108}" type="datetimeFigureOut">
               <a:rPr lang="en-US" smtClean="0"/>
-              <a:t>11/7/2017</a:t>
+              <a:t>11/25/2017</a:t>
             </a:fld>
             <a:endParaRPr lang="en-US"/>
           </a:p>
@@ -1340,7 +1333,7 @@
           <a:p>
             <a:fld id="{DE654CD9-B26A-40B3-8034-DADCF8851108}" type="datetimeFigureOut">
               <a:rPr lang="en-US" smtClean="0"/>
-              <a:t>11/7/2017</a:t>
+              <a:t>11/25/2017</a:t>
             </a:fld>
             <a:endParaRPr lang="en-US"/>
           </a:p>
@@ -1615,7 +1608,7 @@
           <a:p>
             <a:fld id="{DE654CD9-B26A-40B3-8034-DADCF8851108}" type="datetimeFigureOut">
               <a:rPr lang="en-US" smtClean="0"/>
-              <a:t>11/7/2017</a:t>
+              <a:t>11/25/2017</a:t>
             </a:fld>
             <a:endParaRPr lang="en-US"/>
           </a:p>
@@ -1994,7 +1987,7 @@
           <a:p>
             <a:fld id="{DE654CD9-B26A-40B3-8034-DADCF8851108}" type="datetimeFigureOut">
               <a:rPr lang="en-US" smtClean="0"/>
-              <a:t>11/7/2017</a:t>
+              <a:t>11/25/2017</a:t>
             </a:fld>
             <a:endParaRPr lang="en-US"/>
           </a:p>
@@ -2112,7 +2105,7 @@
           <a:p>
             <a:fld id="{DE654CD9-B26A-40B3-8034-DADCF8851108}" type="datetimeFigureOut">
               <a:rPr lang="en-US" smtClean="0"/>
-              <a:t>11/7/2017</a:t>
+              <a:t>11/25/2017</a:t>
             </a:fld>
             <a:endParaRPr lang="en-US"/>
           </a:p>
@@ -2283,7 +2276,7 @@
           <a:p>
             <a:fld id="{DE654CD9-B26A-40B3-8034-DADCF8851108}" type="datetimeFigureOut">
               <a:rPr lang="en-US" smtClean="0"/>
-              <a:t>11/7/2017</a:t>
+              <a:t>11/25/2017</a:t>
             </a:fld>
             <a:endParaRPr lang="en-US"/>
           </a:p>
@@ -2637,7 +2630,7 @@
           <a:p>
             <a:fld id="{DE654CD9-B26A-40B3-8034-DADCF8851108}" type="datetimeFigureOut">
               <a:rPr lang="en-US" smtClean="0"/>
-              <a:t>11/7/2017</a:t>
+              <a:t>11/25/2017</a:t>
             </a:fld>
             <a:endParaRPr lang="en-US"/>
           </a:p>
@@ -3019,7 +3012,7 @@
           <a:p>
             <a:fld id="{DE654CD9-B26A-40B3-8034-DADCF8851108}" type="datetimeFigureOut">
               <a:rPr lang="en-US" smtClean="0"/>
-              <a:t>11/7/2017</a:t>
+              <a:t>11/25/2017</a:t>
             </a:fld>
             <a:endParaRPr lang="en-US"/>
           </a:p>
@@ -3306,7 +3299,7 @@
           <a:p>
             <a:fld id="{DE654CD9-B26A-40B3-8034-DADCF8851108}" type="datetimeFigureOut">
               <a:rPr lang="en-US" smtClean="0"/>
-              <a:t>11/7/2017</a:t>
+              <a:t>11/25/2017</a:t>
             </a:fld>
             <a:endParaRPr lang="en-US"/>
           </a:p>
@@ -3879,11 +3872,7 @@
           <a:p>
             <a:r>
               <a:rPr lang="en-US" dirty="0" smtClean="0"/>
-              <a:t>By: Alfredo </a:t>
-            </a:r>
-            <a:r>
-              <a:rPr lang="en-US" dirty="0" smtClean="0"/>
-              <a:t>Martinez</a:t>
+              <a:t>By: Alfredo Martinez</a:t>
             </a:r>
           </a:p>
           <a:p>
@@ -3897,7 +3886,6 @@
               <a:rPr lang="en-US" dirty="0" smtClean="0"/>
               <a:t>2017</a:t>
             </a:r>
-            <a:endParaRPr lang="en-US" dirty="0" smtClean="0"/>
           </a:p>
           <a:p>
             <a:endParaRPr lang="en-US" dirty="0" smtClean="0"/>
@@ -3925,683 +3913,6 @@
 </file>
 
 <file path=ppt/slides/slide10.xml><?xml version="1.0" encoding="utf-8"?>
-<p:sld xmlns:a="http://schemas.openxmlformats.org/drawingml/2006/main" xmlns:r="http://schemas.openxmlformats.org/officeDocument/2006/relationships" xmlns:p="http://schemas.openxmlformats.org/presentationml/2006/main">
-  <p:cSld>
-    <p:spTree>
-      <p:nvGrpSpPr>
-        <p:cNvPr id="1" name=""/>
-        <p:cNvGrpSpPr/>
-        <p:nvPr/>
-      </p:nvGrpSpPr>
-      <p:grpSpPr>
-        <a:xfrm>
-          <a:off x="0" y="0"/>
-          <a:ext cx="0" cy="0"/>
-          <a:chOff x="0" y="0"/>
-          <a:chExt cx="0" cy="0"/>
-        </a:xfrm>
-      </p:grpSpPr>
-      <p:sp>
-        <p:nvSpPr>
-          <p:cNvPr id="2" name="Title 1"/>
-          <p:cNvSpPr>
-            <a:spLocks noGrp="1"/>
-          </p:cNvSpPr>
-          <p:nvPr>
-            <p:ph type="title"/>
-          </p:nvPr>
-        </p:nvSpPr>
-        <p:spPr/>
-        <p:txBody>
-          <a:bodyPr/>
-          <a:lstStyle/>
-          <a:p>
-            <a:r>
-              <a:rPr lang="en-US" dirty="0"/>
-              <a:t>Exploratory Data Analysis</a:t>
-            </a:r>
-          </a:p>
-        </p:txBody>
-      </p:sp>
-      <p:pic>
-        <p:nvPicPr>
-          <p:cNvPr id="4" name="Content Placeholder 3"/>
-          <p:cNvPicPr>
-            <a:picLocks noGrp="1" noChangeAspect="1"/>
-          </p:cNvPicPr>
-          <p:nvPr>
-            <p:ph idx="1"/>
-          </p:nvPr>
-        </p:nvPicPr>
-        <p:blipFill>
-          <a:blip r:embed="rId2">
-            <a:extLst>
-              <a:ext uri="{28A0092B-C50C-407E-A947-70E740481C1C}">
-                <a14:useLocalDpi xmlns:a14="http://schemas.microsoft.com/office/drawing/2010/main" val="0"/>
-              </a:ext>
-            </a:extLst>
-          </a:blip>
-          <a:stretch>
-            <a:fillRect/>
-          </a:stretch>
-        </p:blipFill>
-        <p:spPr>
-          <a:xfrm>
-            <a:off x="1674253" y="2110976"/>
-            <a:ext cx="8783391" cy="3993609"/>
-          </a:xfrm>
-        </p:spPr>
-      </p:pic>
-    </p:spTree>
-    <p:extLst>
-      <p:ext uri="{BB962C8B-B14F-4D97-AF65-F5344CB8AC3E}">
-        <p14:creationId xmlns:p14="http://schemas.microsoft.com/office/powerpoint/2010/main" val="3250726646"/>
-      </p:ext>
-    </p:extLst>
-  </p:cSld>
-  <p:clrMapOvr>
-    <a:masterClrMapping/>
-  </p:clrMapOvr>
-  <p:timing>
-    <p:tnLst>
-      <p:par>
-        <p:cTn id="1" dur="indefinite" restart="never" nodeType="tmRoot"/>
-      </p:par>
-    </p:tnLst>
-  </p:timing>
-</p:sld>
-</file>
-
-<file path=ppt/slides/slide11.xml><?xml version="1.0" encoding="utf-8"?>
-<p:sld xmlns:a="http://schemas.openxmlformats.org/drawingml/2006/main" xmlns:r="http://schemas.openxmlformats.org/officeDocument/2006/relationships" xmlns:p="http://schemas.openxmlformats.org/presentationml/2006/main">
-  <p:cSld>
-    <p:spTree>
-      <p:nvGrpSpPr>
-        <p:cNvPr id="1" name=""/>
-        <p:cNvGrpSpPr/>
-        <p:nvPr/>
-      </p:nvGrpSpPr>
-      <p:grpSpPr>
-        <a:xfrm>
-          <a:off x="0" y="0"/>
-          <a:ext cx="0" cy="0"/>
-          <a:chOff x="0" y="0"/>
-          <a:chExt cx="0" cy="0"/>
-        </a:xfrm>
-      </p:grpSpPr>
-      <p:sp>
-        <p:nvSpPr>
-          <p:cNvPr id="2" name="Title 1"/>
-          <p:cNvSpPr>
-            <a:spLocks noGrp="1"/>
-          </p:cNvSpPr>
-          <p:nvPr>
-            <p:ph type="title"/>
-          </p:nvPr>
-        </p:nvSpPr>
-        <p:spPr/>
-        <p:txBody>
-          <a:bodyPr/>
-          <a:lstStyle/>
-          <a:p>
-            <a:r>
-              <a:rPr lang="en-US" dirty="0"/>
-              <a:t>Exploratory Data Analysis</a:t>
-            </a:r>
-          </a:p>
-        </p:txBody>
-      </p:sp>
-      <p:pic>
-        <p:nvPicPr>
-          <p:cNvPr id="4" name="Content Placeholder 3"/>
-          <p:cNvPicPr>
-            <a:picLocks noGrp="1" noChangeAspect="1"/>
-          </p:cNvPicPr>
-          <p:nvPr>
-            <p:ph idx="1"/>
-          </p:nvPr>
-        </p:nvPicPr>
-        <p:blipFill>
-          <a:blip r:embed="rId2">
-            <a:extLst>
-              <a:ext uri="{28A0092B-C50C-407E-A947-70E740481C1C}">
-                <a14:useLocalDpi xmlns:a14="http://schemas.microsoft.com/office/drawing/2010/main" val="0"/>
-              </a:ext>
-            </a:extLst>
-          </a:blip>
-          <a:stretch>
-            <a:fillRect/>
-          </a:stretch>
-        </p:blipFill>
-        <p:spPr>
-          <a:xfrm>
-            <a:off x="1571223" y="2110976"/>
-            <a:ext cx="9350062" cy="3967851"/>
-          </a:xfrm>
-        </p:spPr>
-      </p:pic>
-    </p:spTree>
-    <p:extLst>
-      <p:ext uri="{BB962C8B-B14F-4D97-AF65-F5344CB8AC3E}">
-        <p14:creationId xmlns:p14="http://schemas.microsoft.com/office/powerpoint/2010/main" val="1897527995"/>
-      </p:ext>
-    </p:extLst>
-  </p:cSld>
-  <p:clrMapOvr>
-    <a:masterClrMapping/>
-  </p:clrMapOvr>
-  <p:timing>
-    <p:tnLst>
-      <p:par>
-        <p:cTn id="1" dur="indefinite" restart="never" nodeType="tmRoot"/>
-      </p:par>
-    </p:tnLst>
-  </p:timing>
-</p:sld>
-</file>
-
-<file path=ppt/slides/slide12.xml><?xml version="1.0" encoding="utf-8"?>
-<p:sld xmlns:a="http://schemas.openxmlformats.org/drawingml/2006/main" xmlns:r="http://schemas.openxmlformats.org/officeDocument/2006/relationships" xmlns:p="http://schemas.openxmlformats.org/presentationml/2006/main">
-  <p:cSld>
-    <p:spTree>
-      <p:nvGrpSpPr>
-        <p:cNvPr id="1" name=""/>
-        <p:cNvGrpSpPr/>
-        <p:nvPr/>
-      </p:nvGrpSpPr>
-      <p:grpSpPr>
-        <a:xfrm>
-          <a:off x="0" y="0"/>
-          <a:ext cx="0" cy="0"/>
-          <a:chOff x="0" y="0"/>
-          <a:chExt cx="0" cy="0"/>
-        </a:xfrm>
-      </p:grpSpPr>
-      <p:sp>
-        <p:nvSpPr>
-          <p:cNvPr id="2" name="Title 1"/>
-          <p:cNvSpPr>
-            <a:spLocks noGrp="1"/>
-          </p:cNvSpPr>
-          <p:nvPr>
-            <p:ph type="title"/>
-          </p:nvPr>
-        </p:nvSpPr>
-        <p:spPr/>
-        <p:txBody>
-          <a:bodyPr/>
-          <a:lstStyle/>
-          <a:p>
-            <a:r>
-              <a:rPr lang="en-US" dirty="0"/>
-              <a:t>Exploratory Data Analysis</a:t>
-            </a:r>
-          </a:p>
-        </p:txBody>
-      </p:sp>
-      <p:pic>
-        <p:nvPicPr>
-          <p:cNvPr id="4" name="Content Placeholder 3"/>
-          <p:cNvPicPr>
-            <a:picLocks noGrp="1" noChangeAspect="1"/>
-          </p:cNvPicPr>
-          <p:nvPr>
-            <p:ph idx="1"/>
-          </p:nvPr>
-        </p:nvPicPr>
-        <p:blipFill>
-          <a:blip r:embed="rId2">
-            <a:extLst>
-              <a:ext uri="{28A0092B-C50C-407E-A947-70E740481C1C}">
-                <a14:useLocalDpi xmlns:a14="http://schemas.microsoft.com/office/drawing/2010/main" val="0"/>
-              </a:ext>
-            </a:extLst>
-          </a:blip>
-          <a:stretch>
-            <a:fillRect/>
-          </a:stretch>
-        </p:blipFill>
-        <p:spPr>
-          <a:xfrm>
-            <a:off x="1455313" y="2098097"/>
-            <a:ext cx="8706118" cy="3839063"/>
-          </a:xfrm>
-        </p:spPr>
-      </p:pic>
-    </p:spTree>
-    <p:extLst>
-      <p:ext uri="{BB962C8B-B14F-4D97-AF65-F5344CB8AC3E}">
-        <p14:creationId xmlns:p14="http://schemas.microsoft.com/office/powerpoint/2010/main" val="2611995064"/>
-      </p:ext>
-    </p:extLst>
-  </p:cSld>
-  <p:clrMapOvr>
-    <a:masterClrMapping/>
-  </p:clrMapOvr>
-  <p:timing>
-    <p:tnLst>
-      <p:par>
-        <p:cTn id="1" dur="indefinite" restart="never" nodeType="tmRoot"/>
-      </p:par>
-    </p:tnLst>
-  </p:timing>
-</p:sld>
-</file>
-
-<file path=ppt/slides/slide13.xml><?xml version="1.0" encoding="utf-8"?>
-<p:sld xmlns:a="http://schemas.openxmlformats.org/drawingml/2006/main" xmlns:r="http://schemas.openxmlformats.org/officeDocument/2006/relationships" xmlns:p="http://schemas.openxmlformats.org/presentationml/2006/main">
-  <p:cSld>
-    <p:spTree>
-      <p:nvGrpSpPr>
-        <p:cNvPr id="1" name=""/>
-        <p:cNvGrpSpPr/>
-        <p:nvPr/>
-      </p:nvGrpSpPr>
-      <p:grpSpPr>
-        <a:xfrm>
-          <a:off x="0" y="0"/>
-          <a:ext cx="0" cy="0"/>
-          <a:chOff x="0" y="0"/>
-          <a:chExt cx="0" cy="0"/>
-        </a:xfrm>
-      </p:grpSpPr>
-      <p:sp>
-        <p:nvSpPr>
-          <p:cNvPr id="2" name="Title 1"/>
-          <p:cNvSpPr>
-            <a:spLocks noGrp="1"/>
-          </p:cNvSpPr>
-          <p:nvPr>
-            <p:ph type="title"/>
-          </p:nvPr>
-        </p:nvSpPr>
-        <p:spPr/>
-        <p:txBody>
-          <a:bodyPr/>
-          <a:lstStyle/>
-          <a:p>
-            <a:r>
-              <a:rPr lang="en-US" dirty="0"/>
-              <a:t>Exploratory Data Analysis</a:t>
-            </a:r>
-          </a:p>
-        </p:txBody>
-      </p:sp>
-      <p:pic>
-        <p:nvPicPr>
-          <p:cNvPr id="4" name="Content Placeholder 3"/>
-          <p:cNvPicPr>
-            <a:picLocks noGrp="1" noChangeAspect="1"/>
-          </p:cNvPicPr>
-          <p:nvPr>
-            <p:ph idx="1"/>
-          </p:nvPr>
-        </p:nvPicPr>
-        <p:blipFill>
-          <a:blip r:embed="rId2">
-            <a:extLst>
-              <a:ext uri="{28A0092B-C50C-407E-A947-70E740481C1C}">
-                <a14:useLocalDpi xmlns:a14="http://schemas.microsoft.com/office/drawing/2010/main" val="0"/>
-              </a:ext>
-            </a:extLst>
-          </a:blip>
-          <a:stretch>
-            <a:fillRect/>
-          </a:stretch>
-        </p:blipFill>
-        <p:spPr>
-          <a:xfrm>
-            <a:off x="1096963" y="2037147"/>
-            <a:ext cx="10058400" cy="3990166"/>
-          </a:xfrm>
-        </p:spPr>
-      </p:pic>
-    </p:spTree>
-    <p:extLst>
-      <p:ext uri="{BB962C8B-B14F-4D97-AF65-F5344CB8AC3E}">
-        <p14:creationId xmlns:p14="http://schemas.microsoft.com/office/powerpoint/2010/main" val="1971150792"/>
-      </p:ext>
-    </p:extLst>
-  </p:cSld>
-  <p:clrMapOvr>
-    <a:masterClrMapping/>
-  </p:clrMapOvr>
-  <p:timing>
-    <p:tnLst>
-      <p:par>
-        <p:cTn id="1" dur="indefinite" restart="never" nodeType="tmRoot"/>
-      </p:par>
-    </p:tnLst>
-  </p:timing>
-</p:sld>
-</file>
-
-<file path=ppt/slides/slide14.xml><?xml version="1.0" encoding="utf-8"?>
-<p:sld xmlns:a="http://schemas.openxmlformats.org/drawingml/2006/main" xmlns:r="http://schemas.openxmlformats.org/officeDocument/2006/relationships" xmlns:p="http://schemas.openxmlformats.org/presentationml/2006/main">
-  <p:cSld>
-    <p:spTree>
-      <p:nvGrpSpPr>
-        <p:cNvPr id="1" name=""/>
-        <p:cNvGrpSpPr/>
-        <p:nvPr/>
-      </p:nvGrpSpPr>
-      <p:grpSpPr>
-        <a:xfrm>
-          <a:off x="0" y="0"/>
-          <a:ext cx="0" cy="0"/>
-          <a:chOff x="0" y="0"/>
-          <a:chExt cx="0" cy="0"/>
-        </a:xfrm>
-      </p:grpSpPr>
-      <p:sp>
-        <p:nvSpPr>
-          <p:cNvPr id="2" name="Title 1"/>
-          <p:cNvSpPr>
-            <a:spLocks noGrp="1"/>
-          </p:cNvSpPr>
-          <p:nvPr>
-            <p:ph type="title"/>
-          </p:nvPr>
-        </p:nvSpPr>
-        <p:spPr/>
-        <p:txBody>
-          <a:bodyPr/>
-          <a:lstStyle/>
-          <a:p>
-            <a:r>
-              <a:rPr lang="en-US" dirty="0"/>
-              <a:t>Exploratory Data Analysis</a:t>
-            </a:r>
-          </a:p>
-        </p:txBody>
-      </p:sp>
-      <p:pic>
-        <p:nvPicPr>
-          <p:cNvPr id="4" name="Content Placeholder 3"/>
-          <p:cNvPicPr>
-            <a:picLocks noGrp="1" noChangeAspect="1"/>
-          </p:cNvPicPr>
-          <p:nvPr>
-            <p:ph idx="1"/>
-          </p:nvPr>
-        </p:nvPicPr>
-        <p:blipFill>
-          <a:blip r:embed="rId2">
-            <a:extLst>
-              <a:ext uri="{28A0092B-C50C-407E-A947-70E740481C1C}">
-                <a14:useLocalDpi xmlns:a14="http://schemas.microsoft.com/office/drawing/2010/main" val="0"/>
-              </a:ext>
-            </a:extLst>
-          </a:blip>
-          <a:stretch>
-            <a:fillRect/>
-          </a:stretch>
-        </p:blipFill>
-        <p:spPr>
-          <a:xfrm>
-            <a:off x="1096963" y="2027895"/>
-            <a:ext cx="10058400" cy="4179721"/>
-          </a:xfrm>
-        </p:spPr>
-      </p:pic>
-    </p:spTree>
-    <p:extLst>
-      <p:ext uri="{BB962C8B-B14F-4D97-AF65-F5344CB8AC3E}">
-        <p14:creationId xmlns:p14="http://schemas.microsoft.com/office/powerpoint/2010/main" val="4289621016"/>
-      </p:ext>
-    </p:extLst>
-  </p:cSld>
-  <p:clrMapOvr>
-    <a:masterClrMapping/>
-  </p:clrMapOvr>
-  <p:timing>
-    <p:tnLst>
-      <p:par>
-        <p:cTn id="1" dur="indefinite" restart="never" nodeType="tmRoot"/>
-      </p:par>
-    </p:tnLst>
-  </p:timing>
-</p:sld>
-</file>
-
-<file path=ppt/slides/slide15.xml><?xml version="1.0" encoding="utf-8"?>
-<p:sld xmlns:a="http://schemas.openxmlformats.org/drawingml/2006/main" xmlns:r="http://schemas.openxmlformats.org/officeDocument/2006/relationships" xmlns:p="http://schemas.openxmlformats.org/presentationml/2006/main">
-  <p:cSld>
-    <p:spTree>
-      <p:nvGrpSpPr>
-        <p:cNvPr id="1" name=""/>
-        <p:cNvGrpSpPr/>
-        <p:nvPr/>
-      </p:nvGrpSpPr>
-      <p:grpSpPr>
-        <a:xfrm>
-          <a:off x="0" y="0"/>
-          <a:ext cx="0" cy="0"/>
-          <a:chOff x="0" y="0"/>
-          <a:chExt cx="0" cy="0"/>
-        </a:xfrm>
-      </p:grpSpPr>
-      <p:sp>
-        <p:nvSpPr>
-          <p:cNvPr id="2" name="Title 1"/>
-          <p:cNvSpPr>
-            <a:spLocks noGrp="1"/>
-          </p:cNvSpPr>
-          <p:nvPr>
-            <p:ph type="title"/>
-          </p:nvPr>
-        </p:nvSpPr>
-        <p:spPr/>
-        <p:txBody>
-          <a:bodyPr/>
-          <a:lstStyle/>
-          <a:p>
-            <a:r>
-              <a:rPr lang="en-US" dirty="0"/>
-              <a:t>Exploratory Data Analysis</a:t>
-            </a:r>
-          </a:p>
-        </p:txBody>
-      </p:sp>
-      <p:pic>
-        <p:nvPicPr>
-          <p:cNvPr id="4" name="Content Placeholder 3"/>
-          <p:cNvPicPr>
-            <a:picLocks noGrp="1" noChangeAspect="1"/>
-          </p:cNvPicPr>
-          <p:nvPr>
-            <p:ph idx="1"/>
-          </p:nvPr>
-        </p:nvPicPr>
-        <p:blipFill>
-          <a:blip r:embed="rId2">
-            <a:extLst>
-              <a:ext uri="{28A0092B-C50C-407E-A947-70E740481C1C}">
-                <a14:useLocalDpi xmlns:a14="http://schemas.microsoft.com/office/drawing/2010/main" val="0"/>
-              </a:ext>
-            </a:extLst>
-          </a:blip>
-          <a:stretch>
-            <a:fillRect/>
-          </a:stretch>
-        </p:blipFill>
-        <p:spPr>
-          <a:xfrm>
-            <a:off x="1096963" y="2022301"/>
-            <a:ext cx="10058400" cy="4108043"/>
-          </a:xfrm>
-        </p:spPr>
-      </p:pic>
-    </p:spTree>
-    <p:extLst>
-      <p:ext uri="{BB962C8B-B14F-4D97-AF65-F5344CB8AC3E}">
-        <p14:creationId xmlns:p14="http://schemas.microsoft.com/office/powerpoint/2010/main" val="4125972213"/>
-      </p:ext>
-    </p:extLst>
-  </p:cSld>
-  <p:clrMapOvr>
-    <a:masterClrMapping/>
-  </p:clrMapOvr>
-  <p:timing>
-    <p:tnLst>
-      <p:par>
-        <p:cTn id="1" dur="indefinite" restart="never" nodeType="tmRoot"/>
-      </p:par>
-    </p:tnLst>
-  </p:timing>
-</p:sld>
-</file>
-
-<file path=ppt/slides/slide16.xml><?xml version="1.0" encoding="utf-8"?>
-<p:sld xmlns:a="http://schemas.openxmlformats.org/drawingml/2006/main" xmlns:r="http://schemas.openxmlformats.org/officeDocument/2006/relationships" xmlns:p="http://schemas.openxmlformats.org/presentationml/2006/main">
-  <p:cSld>
-    <p:spTree>
-      <p:nvGrpSpPr>
-        <p:cNvPr id="1" name=""/>
-        <p:cNvGrpSpPr/>
-        <p:nvPr/>
-      </p:nvGrpSpPr>
-      <p:grpSpPr>
-        <a:xfrm>
-          <a:off x="0" y="0"/>
-          <a:ext cx="0" cy="0"/>
-          <a:chOff x="0" y="0"/>
-          <a:chExt cx="0" cy="0"/>
-        </a:xfrm>
-      </p:grpSpPr>
-      <p:sp>
-        <p:nvSpPr>
-          <p:cNvPr id="2" name="Title 1"/>
-          <p:cNvSpPr>
-            <a:spLocks noGrp="1"/>
-          </p:cNvSpPr>
-          <p:nvPr>
-            <p:ph type="title"/>
-          </p:nvPr>
-        </p:nvSpPr>
-        <p:spPr/>
-        <p:txBody>
-          <a:bodyPr/>
-          <a:lstStyle/>
-          <a:p>
-            <a:r>
-              <a:rPr lang="en-US" dirty="0" smtClean="0"/>
-              <a:t>Inferential Analysis</a:t>
-            </a:r>
-            <a:endParaRPr lang="en-US" dirty="0"/>
-          </a:p>
-        </p:txBody>
-      </p:sp>
-      <p:sp>
-        <p:nvSpPr>
-          <p:cNvPr id="3" name="Content Placeholder 2"/>
-          <p:cNvSpPr>
-            <a:spLocks noGrp="1"/>
-          </p:cNvSpPr>
-          <p:nvPr>
-            <p:ph idx="1"/>
-          </p:nvPr>
-        </p:nvSpPr>
-        <p:spPr/>
-        <p:txBody>
-          <a:bodyPr>
-            <a:normAutofit/>
-          </a:bodyPr>
-          <a:lstStyle/>
-          <a:p>
-            <a:r>
-              <a:rPr lang="en-US" sz="2400" dirty="0" smtClean="0"/>
-              <a:t>Alpha set at .05</a:t>
-            </a:r>
-          </a:p>
-          <a:p>
-            <a:r>
-              <a:rPr lang="en-US" sz="2400" dirty="0"/>
-              <a:t>S</a:t>
-            </a:r>
-            <a:r>
-              <a:rPr lang="en-US" sz="2400" dirty="0" smtClean="0"/>
-              <a:t>ignificant price difference analysis about population.</a:t>
-            </a:r>
-          </a:p>
-          <a:p>
-            <a:endParaRPr lang="en-US" dirty="0" smtClean="0"/>
-          </a:p>
-          <a:p>
-            <a:r>
-              <a:rPr lang="en-US" b="1" dirty="0" smtClean="0"/>
-              <a:t>Central unit vs not a central unit</a:t>
-            </a:r>
-          </a:p>
-          <a:p>
-            <a:r>
-              <a:rPr lang="en-US" sz="1800" dirty="0" smtClean="0"/>
-              <a:t>P-value: </a:t>
-            </a:r>
-            <a:r>
-              <a:rPr lang="en-US" sz="1800" dirty="0"/>
-              <a:t>0.010090621217186681</a:t>
-            </a:r>
-          </a:p>
-          <a:p>
-            <a:r>
-              <a:rPr lang="en-US" b="1" dirty="0" smtClean="0"/>
-              <a:t>One story houses  vs Two story houses </a:t>
-            </a:r>
-          </a:p>
-          <a:p>
-            <a:r>
-              <a:rPr lang="en-US" sz="1800" dirty="0" smtClean="0"/>
-              <a:t>P-value: </a:t>
-            </a:r>
-            <a:r>
-              <a:rPr lang="en-US" sz="1800" dirty="0"/>
-              <a:t>3.5535259636604621e-13</a:t>
-            </a:r>
-          </a:p>
-          <a:p>
-            <a:r>
-              <a:rPr lang="en-US" b="1" dirty="0"/>
-              <a:t>G</a:t>
-            </a:r>
-            <a:r>
-              <a:rPr lang="en-US" b="1" dirty="0" smtClean="0"/>
-              <a:t>ood privacy fence vs minimum privacy fence</a:t>
-            </a:r>
-          </a:p>
-          <a:p>
-            <a:r>
-              <a:rPr lang="en-US" sz="1800" dirty="0" smtClean="0"/>
-              <a:t>P-value: </a:t>
-            </a:r>
-            <a:r>
-              <a:rPr lang="en-US" sz="1800" dirty="0"/>
-              <a:t>0.37003494954970051</a:t>
-            </a:r>
-          </a:p>
-        </p:txBody>
-      </p:sp>
-    </p:spTree>
-    <p:extLst>
-      <p:ext uri="{BB962C8B-B14F-4D97-AF65-F5344CB8AC3E}">
-        <p14:creationId xmlns:p14="http://schemas.microsoft.com/office/powerpoint/2010/main" val="134407662"/>
-      </p:ext>
-    </p:extLst>
-  </p:cSld>
-  <p:clrMapOvr>
-    <a:masterClrMapping/>
-  </p:clrMapOvr>
-  <p:timing>
-    <p:tnLst>
-      <p:par>
-        <p:cTn id="1" dur="indefinite" restart="never" nodeType="tmRoot"/>
-      </p:par>
-    </p:tnLst>
-  </p:timing>
-</p:sld>
-</file>
-
-<file path=ppt/slides/slide17.xml><?xml version="1.0" encoding="utf-8"?>
 <p:sld xmlns:a="http://schemas.openxmlformats.org/drawingml/2006/main" xmlns:r="http://schemas.openxmlformats.org/officeDocument/2006/relationships" xmlns:p="http://schemas.openxmlformats.org/presentationml/2006/main">
   <p:cSld>
     <p:spTree>
@@ -4786,7 +4097,7 @@
     </p:spTree>
     <p:extLst>
       <p:ext uri="{BB962C8B-B14F-4D97-AF65-F5344CB8AC3E}">
-        <p14:creationId xmlns:p14="http://schemas.microsoft.com/office/powerpoint/2010/main" val="528347128"/>
+        <p14:creationId xmlns:p14="http://schemas.microsoft.com/office/powerpoint/2010/main" val="3254858796"/>
       </p:ext>
     </p:extLst>
   </p:cSld>
@@ -4803,7 +4114,7 @@
 </p:sld>
 </file>
 
-<file path=ppt/slides/slide18.xml><?xml version="1.0" encoding="utf-8"?>
+<file path=ppt/slides/slide11.xml><?xml version="1.0" encoding="utf-8"?>
 <p:sld xmlns:a="http://schemas.openxmlformats.org/drawingml/2006/main" xmlns:r="http://schemas.openxmlformats.org/officeDocument/2006/relationships" xmlns:p="http://schemas.openxmlformats.org/presentationml/2006/main">
   <p:cSld>
     <p:spTree>
@@ -4979,7 +4290,7 @@
     </p:spTree>
     <p:extLst>
       <p:ext uri="{BB962C8B-B14F-4D97-AF65-F5344CB8AC3E}">
-        <p14:creationId xmlns:p14="http://schemas.microsoft.com/office/powerpoint/2010/main" val="4097770089"/>
+        <p14:creationId xmlns:p14="http://schemas.microsoft.com/office/powerpoint/2010/main" val="3067204344"/>
       </p:ext>
     </p:extLst>
   </p:cSld>
@@ -4996,7 +4307,7 @@
 </p:sld>
 </file>
 
-<file path=ppt/slides/slide19.xml><?xml version="1.0" encoding="utf-8"?>
+<file path=ppt/slides/slide12.xml><?xml version="1.0" encoding="utf-8"?>
 <p:sld xmlns:a="http://schemas.openxmlformats.org/drawingml/2006/main" xmlns:r="http://schemas.openxmlformats.org/officeDocument/2006/relationships" xmlns:p="http://schemas.openxmlformats.org/presentationml/2006/main">
   <p:cSld>
     <p:spTree>
@@ -5030,9 +4341,90 @@
           <a:p>
             <a:r>
               <a:rPr lang="en-US" dirty="0" smtClean="0"/>
-              <a:t>Modeling and Analysis</a:t>
+              <a:t>Results</a:t>
             </a:r>
             <a:endParaRPr lang="en-US" dirty="0"/>
+          </a:p>
+        </p:txBody>
+      </p:sp>
+      <p:sp>
+        <p:nvSpPr>
+          <p:cNvPr id="3" name="Content Placeholder 2"/>
+          <p:cNvSpPr>
+            <a:spLocks noGrp="1"/>
+          </p:cNvSpPr>
+          <p:nvPr>
+            <p:ph idx="1"/>
+          </p:nvPr>
+        </p:nvSpPr>
+        <p:spPr/>
+        <p:txBody>
+          <a:bodyPr/>
+          <a:lstStyle/>
+          <a:p>
+            <a:r>
+              <a:rPr lang="en-US" sz="2800" dirty="0" smtClean="0"/>
+              <a:t>Root Mean Square Error = $4,202</a:t>
+            </a:r>
+          </a:p>
+          <a:p>
+            <a:pPr>
+              <a:buFont typeface="Arial" panose="020B0604020202020204" pitchFamily="34" charset="0"/>
+              <a:buChar char="•"/>
+            </a:pPr>
+            <a:r>
+              <a:rPr lang="en-US" sz="2800" dirty="0"/>
+              <a:t>Low Value</a:t>
+            </a:r>
+          </a:p>
+          <a:p>
+            <a:pPr>
+              <a:buFont typeface="Arial" panose="020B0604020202020204" pitchFamily="34" charset="0"/>
+              <a:buChar char="•"/>
+            </a:pPr>
+            <a:r>
+              <a:rPr lang="en-US" sz="2800" dirty="0"/>
+              <a:t>Small variance</a:t>
+            </a:r>
+          </a:p>
+          <a:p>
+            <a:pPr>
+              <a:buFont typeface="Arial" panose="020B0604020202020204" pitchFamily="34" charset="0"/>
+              <a:buChar char="•"/>
+            </a:pPr>
+            <a:r>
+              <a:rPr lang="en-US" sz="2800" dirty="0" smtClean="0"/>
+              <a:t>Fitted line is close to data</a:t>
+            </a:r>
+          </a:p>
+          <a:p>
+            <a:pPr>
+              <a:buFont typeface="Arial" panose="020B0604020202020204" pitchFamily="34" charset="0"/>
+              <a:buChar char="•"/>
+            </a:pPr>
+            <a:r>
+              <a:rPr lang="en-US" sz="2800" dirty="0" smtClean="0"/>
+              <a:t>Small average distance </a:t>
+            </a:r>
+          </a:p>
+          <a:p>
+            <a:pPr marL="0" indent="0">
+              <a:buNone/>
+            </a:pPr>
+            <a:r>
+              <a:rPr lang="en-US" sz="2800" dirty="0" smtClean="0"/>
+              <a:t> from data points to line</a:t>
+            </a:r>
+          </a:p>
+          <a:p>
+            <a:pPr>
+              <a:buFont typeface="Arial" panose="020B0604020202020204" pitchFamily="34" charset="0"/>
+              <a:buChar char="•"/>
+            </a:pPr>
+            <a:r>
+              <a:rPr lang="en-US" sz="2800" dirty="0" smtClean="0"/>
+              <a:t>Strong predictive outcome</a:t>
+            </a:r>
           </a:p>
         </p:txBody>
       </p:sp>
@@ -5040,11 +4432,9 @@
         <p:nvPicPr>
           <p:cNvPr id="4" name="Content Placeholder 3"/>
           <p:cNvPicPr>
-            <a:picLocks noGrp="1" noChangeAspect="1"/>
+            <a:picLocks noChangeAspect="1"/>
           </p:cNvPicPr>
-          <p:nvPr>
-            <p:ph idx="1"/>
-          </p:nvPr>
+          <p:nvPr/>
         </p:nvPicPr>
         <p:blipFill>
           <a:blip r:embed="rId2">
@@ -5060,15 +4450,457 @@
         </p:blipFill>
         <p:spPr>
           <a:xfrm>
-            <a:off x="1854558" y="1846263"/>
-            <a:ext cx="7961920" cy="4022725"/>
+            <a:off x="5254579" y="2279561"/>
+            <a:ext cx="5901101" cy="3902298"/>
+          </a:xfrm>
+          <a:prstGeom prst="rect">
+            <a:avLst/>
+          </a:prstGeom>
+        </p:spPr>
+      </p:pic>
+    </p:spTree>
+    <p:extLst>
+      <p:ext uri="{BB962C8B-B14F-4D97-AF65-F5344CB8AC3E}">
+        <p14:creationId xmlns:p14="http://schemas.microsoft.com/office/powerpoint/2010/main" val="2595439412"/>
+      </p:ext>
+    </p:extLst>
+  </p:cSld>
+  <p:clrMapOvr>
+    <a:masterClrMapping/>
+  </p:clrMapOvr>
+  <p:timing>
+    <p:tnLst>
+      <p:par>
+        <p:cTn id="1" dur="indefinite" restart="never" nodeType="tmRoot"/>
+      </p:par>
+    </p:tnLst>
+  </p:timing>
+</p:sld>
+</file>
+
+<file path=ppt/slides/slide13.xml><?xml version="1.0" encoding="utf-8"?>
+<p:sld xmlns:a="http://schemas.openxmlformats.org/drawingml/2006/main" xmlns:r="http://schemas.openxmlformats.org/officeDocument/2006/relationships" xmlns:p="http://schemas.openxmlformats.org/presentationml/2006/main">
+  <p:cSld>
+    <p:spTree>
+      <p:nvGrpSpPr>
+        <p:cNvPr id="1" name=""/>
+        <p:cNvGrpSpPr/>
+        <p:nvPr/>
+      </p:nvGrpSpPr>
+      <p:grpSpPr>
+        <a:xfrm>
+          <a:off x="0" y="0"/>
+          <a:ext cx="0" cy="0"/>
+          <a:chOff x="0" y="0"/>
+          <a:chExt cx="0" cy="0"/>
+        </a:xfrm>
+      </p:grpSpPr>
+      <p:sp>
+        <p:nvSpPr>
+          <p:cNvPr id="2" name="Title 1"/>
+          <p:cNvSpPr>
+            <a:spLocks noGrp="1"/>
+          </p:cNvSpPr>
+          <p:nvPr>
+            <p:ph type="title"/>
+          </p:nvPr>
+        </p:nvSpPr>
+        <p:spPr/>
+        <p:txBody>
+          <a:bodyPr/>
+          <a:lstStyle/>
+          <a:p>
+            <a:r>
+              <a:rPr lang="en-US" dirty="0" smtClean="0"/>
+              <a:t>Modeling and Analysis</a:t>
+            </a:r>
+            <a:endParaRPr lang="en-US" dirty="0"/>
+          </a:p>
+        </p:txBody>
+      </p:sp>
+      <p:sp>
+        <p:nvSpPr>
+          <p:cNvPr id="3" name="Text Placeholder 2"/>
+          <p:cNvSpPr>
+            <a:spLocks noGrp="1"/>
+          </p:cNvSpPr>
+          <p:nvPr>
+            <p:ph type="body" idx="1"/>
+          </p:nvPr>
+        </p:nvSpPr>
+        <p:spPr>
+          <a:xfrm>
+            <a:off x="1097280" y="1846052"/>
+            <a:ext cx="10058400" cy="736282"/>
+          </a:xfrm>
+        </p:spPr>
+        <p:txBody>
+          <a:bodyPr/>
+          <a:lstStyle/>
+          <a:p>
+            <a:r>
+              <a:rPr lang="en-US"/>
+              <a:t>Feature Importance in relationship to determine price</a:t>
+            </a:r>
+            <a:endParaRPr lang="en-US" dirty="0"/>
+          </a:p>
+        </p:txBody>
+      </p:sp>
+      <p:pic>
+        <p:nvPicPr>
+          <p:cNvPr id="8" name="Content Placeholder 3"/>
+          <p:cNvPicPr>
+            <a:picLocks noGrp="1" noChangeAspect="1"/>
+          </p:cNvPicPr>
+          <p:nvPr>
+            <p:ph sz="quarter" idx="4"/>
+          </p:nvPr>
+        </p:nvPicPr>
+        <p:blipFill>
+          <a:blip r:embed="rId2">
+            <a:extLst>
+              <a:ext uri="{28A0092B-C50C-407E-A947-70E740481C1C}">
+                <a14:useLocalDpi xmlns:a14="http://schemas.microsoft.com/office/drawing/2010/main" val="0"/>
+              </a:ext>
+            </a:extLst>
+          </a:blip>
+          <a:stretch>
+            <a:fillRect/>
+          </a:stretch>
+        </p:blipFill>
+        <p:spPr>
+          <a:xfrm>
+            <a:off x="6218238" y="2781837"/>
+            <a:ext cx="5102292" cy="3178697"/>
+          </a:xfrm>
+        </p:spPr>
+      </p:pic>
+      <p:pic>
+        <p:nvPicPr>
+          <p:cNvPr id="10" name="Content Placeholder 3"/>
+          <p:cNvPicPr>
+            <a:picLocks noGrp="1" noChangeAspect="1"/>
+          </p:cNvPicPr>
+          <p:nvPr>
+            <p:ph sz="half" idx="2"/>
+          </p:nvPr>
+        </p:nvPicPr>
+        <p:blipFill>
+          <a:blip r:embed="rId3">
+            <a:extLst>
+              <a:ext uri="{28A0092B-C50C-407E-A947-70E740481C1C}">
+                <a14:useLocalDpi xmlns:a14="http://schemas.microsoft.com/office/drawing/2010/main" val="0"/>
+              </a:ext>
+            </a:extLst>
+          </a:blip>
+          <a:stretch>
+            <a:fillRect/>
+          </a:stretch>
+        </p:blipFill>
+        <p:spPr>
+          <a:xfrm>
+            <a:off x="1097280" y="2691026"/>
+            <a:ext cx="4247452" cy="3269508"/>
           </a:xfrm>
         </p:spPr>
       </p:pic>
     </p:spTree>
     <p:extLst>
       <p:ext uri="{BB962C8B-B14F-4D97-AF65-F5344CB8AC3E}">
-        <p14:creationId xmlns:p14="http://schemas.microsoft.com/office/powerpoint/2010/main" val="1956803247"/>
+        <p14:creationId xmlns:p14="http://schemas.microsoft.com/office/powerpoint/2010/main" val="1617649785"/>
+      </p:ext>
+    </p:extLst>
+  </p:cSld>
+  <p:clrMapOvr>
+    <a:masterClrMapping/>
+  </p:clrMapOvr>
+  <p:timing>
+    <p:tnLst>
+      <p:par>
+        <p:cTn id="1" dur="indefinite" restart="never" nodeType="tmRoot"/>
+      </p:par>
+    </p:tnLst>
+  </p:timing>
+</p:sld>
+</file>
+
+<file path=ppt/slides/slide14.xml><?xml version="1.0" encoding="utf-8"?>
+<p:sld xmlns:a="http://schemas.openxmlformats.org/drawingml/2006/main" xmlns:r="http://schemas.openxmlformats.org/officeDocument/2006/relationships" xmlns:p="http://schemas.openxmlformats.org/presentationml/2006/main">
+  <p:cSld>
+    <p:spTree>
+      <p:nvGrpSpPr>
+        <p:cNvPr id="1" name=""/>
+        <p:cNvGrpSpPr/>
+        <p:nvPr/>
+      </p:nvGrpSpPr>
+      <p:grpSpPr>
+        <a:xfrm>
+          <a:off x="0" y="0"/>
+          <a:ext cx="0" cy="0"/>
+          <a:chOff x="0" y="0"/>
+          <a:chExt cx="0" cy="0"/>
+        </a:xfrm>
+      </p:grpSpPr>
+      <p:sp>
+        <p:nvSpPr>
+          <p:cNvPr id="2" name="Title 1"/>
+          <p:cNvSpPr>
+            <a:spLocks noGrp="1"/>
+          </p:cNvSpPr>
+          <p:nvPr>
+            <p:ph type="title"/>
+          </p:nvPr>
+        </p:nvSpPr>
+        <p:spPr>
+          <a:xfrm>
+            <a:off x="1097280" y="286604"/>
+            <a:ext cx="10058400" cy="936890"/>
+          </a:xfrm>
+        </p:spPr>
+        <p:txBody>
+          <a:bodyPr/>
+          <a:lstStyle/>
+          <a:p>
+            <a:r>
+              <a:rPr lang="en-US" sz="5400" dirty="0" smtClean="0"/>
+              <a:t>Business</a:t>
+            </a:r>
+            <a:r>
+              <a:rPr lang="en-US" dirty="0" smtClean="0"/>
+              <a:t> Value</a:t>
+            </a:r>
+            <a:endParaRPr lang="en-US" dirty="0"/>
+          </a:p>
+        </p:txBody>
+      </p:sp>
+      <p:sp>
+        <p:nvSpPr>
+          <p:cNvPr id="3" name="Content Placeholder 2"/>
+          <p:cNvSpPr>
+            <a:spLocks noGrp="1"/>
+          </p:cNvSpPr>
+          <p:nvPr>
+            <p:ph idx="1"/>
+          </p:nvPr>
+        </p:nvSpPr>
+        <p:spPr/>
+        <p:txBody>
+          <a:bodyPr>
+            <a:normAutofit/>
+          </a:bodyPr>
+          <a:lstStyle/>
+          <a:p>
+            <a:pPr marL="201168" lvl="1" indent="0">
+              <a:buNone/>
+            </a:pPr>
+            <a:r>
+              <a:rPr lang="en-US" sz="3600" dirty="0" smtClean="0"/>
+              <a:t>Sharper </a:t>
+            </a:r>
+            <a:r>
+              <a:rPr lang="en-US" sz="3600" dirty="0"/>
+              <a:t>report analyses to </a:t>
+            </a:r>
+            <a:r>
+              <a:rPr lang="en-US" sz="3600" dirty="0" smtClean="0"/>
+              <a:t>help:</a:t>
+            </a:r>
+          </a:p>
+          <a:p>
+            <a:pPr marL="201168" lvl="1" indent="0">
+              <a:buNone/>
+            </a:pPr>
+            <a:endParaRPr lang="en-US" sz="3200" dirty="0" smtClean="0"/>
+          </a:p>
+          <a:p>
+            <a:pPr lvl="1">
+              <a:buFont typeface="Arial" panose="020B0604020202020204" pitchFamily="34" charset="0"/>
+              <a:buChar char="•"/>
+            </a:pPr>
+            <a:r>
+              <a:rPr lang="en-US" sz="3200" dirty="0" smtClean="0"/>
+              <a:t> </a:t>
+            </a:r>
+            <a:r>
+              <a:rPr lang="en-US" sz="2400" dirty="0"/>
+              <a:t>N</a:t>
+            </a:r>
+            <a:r>
+              <a:rPr lang="en-US" sz="2400" dirty="0" smtClean="0"/>
+              <a:t>egotiation </a:t>
+            </a:r>
+            <a:r>
+              <a:rPr lang="en-US" sz="2400" dirty="0"/>
+              <a:t>of </a:t>
+            </a:r>
+            <a:r>
+              <a:rPr lang="en-US" sz="2400" dirty="0" smtClean="0"/>
+              <a:t>sales</a:t>
+            </a:r>
+          </a:p>
+          <a:p>
+            <a:pPr marL="201168" lvl="1" indent="0">
+              <a:buNone/>
+            </a:pPr>
+            <a:endParaRPr lang="en-US" sz="2400" dirty="0" smtClean="0"/>
+          </a:p>
+          <a:p>
+            <a:pPr lvl="1">
+              <a:buFont typeface="Arial" panose="020B0604020202020204" pitchFamily="34" charset="0"/>
+              <a:buChar char="•"/>
+            </a:pPr>
+            <a:r>
+              <a:rPr lang="en-US" sz="2400" dirty="0"/>
+              <a:t> P</a:t>
+            </a:r>
+            <a:r>
+              <a:rPr lang="en-US" sz="2400" dirty="0" smtClean="0"/>
+              <a:t>urchases </a:t>
+            </a:r>
+            <a:endParaRPr lang="en-US" sz="2400" dirty="0"/>
+          </a:p>
+          <a:p>
+            <a:pPr lvl="1">
+              <a:buFont typeface="Arial" panose="020B0604020202020204" pitchFamily="34" charset="0"/>
+              <a:buChar char="•"/>
+            </a:pPr>
+            <a:endParaRPr lang="en-US" sz="2400" dirty="0" smtClean="0"/>
+          </a:p>
+          <a:p>
+            <a:pPr lvl="1">
+              <a:buFont typeface="Arial" panose="020B0604020202020204" pitchFamily="34" charset="0"/>
+              <a:buChar char="•"/>
+            </a:pPr>
+            <a:r>
+              <a:rPr lang="en-US" sz="2400" dirty="0"/>
+              <a:t>O</a:t>
+            </a:r>
+            <a:r>
+              <a:rPr lang="en-US" sz="2400" dirty="0" smtClean="0"/>
+              <a:t>ther </a:t>
+            </a:r>
+            <a:r>
+              <a:rPr lang="en-US" sz="2400" dirty="0"/>
+              <a:t>strategic agreements related to real estate properties.</a:t>
+            </a:r>
+          </a:p>
+          <a:p>
+            <a:endParaRPr lang="en-US" dirty="0"/>
+          </a:p>
+        </p:txBody>
+      </p:sp>
+    </p:spTree>
+    <p:extLst>
+      <p:ext uri="{BB962C8B-B14F-4D97-AF65-F5344CB8AC3E}">
+        <p14:creationId xmlns:p14="http://schemas.microsoft.com/office/powerpoint/2010/main" val="4235864730"/>
+      </p:ext>
+    </p:extLst>
+  </p:cSld>
+  <p:clrMapOvr>
+    <a:masterClrMapping/>
+  </p:clrMapOvr>
+  <p:timing>
+    <p:tnLst>
+      <p:par>
+        <p:cTn id="1" dur="indefinite" restart="never" nodeType="tmRoot"/>
+      </p:par>
+    </p:tnLst>
+  </p:timing>
+</p:sld>
+</file>
+
+<file path=ppt/slides/slide15.xml><?xml version="1.0" encoding="utf-8"?>
+<p:sld xmlns:a="http://schemas.openxmlformats.org/drawingml/2006/main" xmlns:r="http://schemas.openxmlformats.org/officeDocument/2006/relationships" xmlns:p="http://schemas.openxmlformats.org/presentationml/2006/main">
+  <p:cSld>
+    <p:spTree>
+      <p:nvGrpSpPr>
+        <p:cNvPr id="1" name=""/>
+        <p:cNvGrpSpPr/>
+        <p:nvPr/>
+      </p:nvGrpSpPr>
+      <p:grpSpPr>
+        <a:xfrm>
+          <a:off x="0" y="0"/>
+          <a:ext cx="0" cy="0"/>
+          <a:chOff x="0" y="0"/>
+          <a:chExt cx="0" cy="0"/>
+        </a:xfrm>
+      </p:grpSpPr>
+      <p:sp>
+        <p:nvSpPr>
+          <p:cNvPr id="2" name="Title 1"/>
+          <p:cNvSpPr>
+            <a:spLocks noGrp="1"/>
+          </p:cNvSpPr>
+          <p:nvPr>
+            <p:ph type="title"/>
+          </p:nvPr>
+        </p:nvSpPr>
+        <p:spPr/>
+        <p:txBody>
+          <a:bodyPr/>
+          <a:lstStyle/>
+          <a:p>
+            <a:endParaRPr lang="en-US" dirty="0"/>
+          </a:p>
+        </p:txBody>
+      </p:sp>
+      <p:sp>
+        <p:nvSpPr>
+          <p:cNvPr id="3" name="Content Placeholder 2"/>
+          <p:cNvSpPr>
+            <a:spLocks noGrp="1"/>
+          </p:cNvSpPr>
+          <p:nvPr>
+            <p:ph idx="1"/>
+          </p:nvPr>
+        </p:nvSpPr>
+        <p:spPr/>
+        <p:txBody>
+          <a:bodyPr/>
+          <a:lstStyle/>
+          <a:p>
+            <a:pPr algn="ctr"/>
+            <a:endParaRPr lang="en-US" dirty="0"/>
+          </a:p>
+          <a:p>
+            <a:pPr algn="ctr"/>
+            <a:endParaRPr lang="en-US" dirty="0" smtClean="0"/>
+          </a:p>
+          <a:p>
+            <a:pPr algn="ctr"/>
+            <a:endParaRPr lang="en-US" dirty="0"/>
+          </a:p>
+          <a:p>
+            <a:pPr algn="ctr"/>
+            <a:r>
+              <a:rPr lang="en-US" sz="5400" dirty="0"/>
+              <a:t>Thank </a:t>
+            </a:r>
+            <a:r>
+              <a:rPr lang="en-US" sz="5400" dirty="0" smtClean="0"/>
+              <a:t>you!  </a:t>
+            </a:r>
+            <a:endParaRPr lang="en-US" sz="5400" dirty="0">
+              <a:sym typeface="Wingdings" panose="05000000000000000000" pitchFamily="2" charset="2"/>
+            </a:endParaRPr>
+          </a:p>
+          <a:p>
+            <a:pPr algn="ctr"/>
+            <a:r>
+              <a:rPr lang="en-US" sz="3200" dirty="0" smtClean="0">
+                <a:sym typeface="Wingdings" panose="05000000000000000000" pitchFamily="2" charset="2"/>
+              </a:rPr>
+              <a:t></a:t>
+            </a:r>
+            <a:endParaRPr lang="en-US" sz="3200" dirty="0" smtClean="0"/>
+          </a:p>
+        </p:txBody>
+      </p:sp>
+    </p:spTree>
+    <p:extLst>
+      <p:ext uri="{BB962C8B-B14F-4D97-AF65-F5344CB8AC3E}">
+        <p14:creationId xmlns:p14="http://schemas.microsoft.com/office/powerpoint/2010/main" val="3616740289"/>
       </p:ext>
     </p:extLst>
   </p:cSld>
@@ -5146,14 +4978,15 @@
         </p:spPr>
         <p:txBody>
           <a:bodyPr>
-            <a:normAutofit fontScale="77500" lnSpcReduction="20000"/>
+            <a:normAutofit/>
           </a:bodyPr>
           <a:lstStyle/>
           <a:p>
             <a:r>
-              <a:rPr lang="en-US" sz="5100" dirty="0" smtClean="0"/>
+              <a:rPr lang="en-US" sz="4000" dirty="0" smtClean="0"/>
               <a:t>Goal</a:t>
             </a:r>
+            <a:endParaRPr lang="en-US" sz="4000" dirty="0" smtClean="0"/>
           </a:p>
           <a:p>
             <a:pPr lvl="1">
@@ -5161,23 +4994,36 @@
               <a:buChar char="§"/>
             </a:pPr>
             <a:r>
-              <a:rPr lang="en-US" sz="3800" dirty="0" smtClean="0"/>
-              <a:t>Predict Home Prices</a:t>
-            </a:r>
+              <a:rPr lang="en-US" sz="2400" dirty="0" smtClean="0"/>
+              <a:t> Build a Predictive Model System for Home Prices</a:t>
+            </a:r>
+          </a:p>
+          <a:p>
+            <a:pPr marL="201168" lvl="1" indent="0">
+              <a:buNone/>
+            </a:pPr>
+            <a:endParaRPr lang="en-US" dirty="0" smtClean="0"/>
+          </a:p>
+          <a:p>
+            <a:r>
+              <a:rPr lang="en-US" sz="4000" dirty="0" smtClean="0"/>
+              <a:t>Client</a:t>
+            </a:r>
+            <a:endParaRPr lang="en-US" sz="4000" dirty="0"/>
           </a:p>
           <a:p>
             <a:pPr lvl="1">
               <a:buFont typeface="Wingdings" panose="05000000000000000000" pitchFamily="2" charset="2"/>
               <a:buChar char="§"/>
             </a:pPr>
-            <a:endParaRPr lang="en-US" dirty="0" smtClean="0"/>
-          </a:p>
-          <a:p>
-            <a:r>
-              <a:rPr lang="en-US" sz="5100" dirty="0" smtClean="0"/>
-              <a:t>Client</a:t>
-            </a:r>
-            <a:endParaRPr lang="en-US" dirty="0"/>
+            <a:r>
+              <a:rPr lang="en-US" sz="2400" dirty="0" smtClean="0"/>
+              <a:t>Keller </a:t>
+            </a:r>
+            <a:r>
+              <a:rPr lang="en-US" sz="2400" dirty="0"/>
+              <a:t>Williams Realty, Inc.</a:t>
+            </a:r>
           </a:p>
           <a:p>
             <a:pPr lvl="1">
@@ -5185,160 +5031,37 @@
               <a:buChar char="§"/>
             </a:pPr>
             <a:r>
-              <a:rPr lang="en-US" sz="3800" dirty="0" smtClean="0"/>
-              <a:t>Keller</a:t>
-            </a:r>
-            <a:r>
-              <a:rPr lang="en-US" sz="3200" dirty="0" smtClean="0"/>
+              <a:rPr lang="en-US" sz="2400" dirty="0"/>
               <a:t> </a:t>
             </a:r>
             <a:r>
-              <a:rPr lang="en-US" sz="3200" dirty="0"/>
-              <a:t>Williams Realty, Inc.</a:t>
-            </a:r>
-          </a:p>
-          <a:p>
-            <a:pPr lvl="1">
-              <a:buFont typeface="Wingdings" panose="05000000000000000000" pitchFamily="2" charset="2"/>
-              <a:buChar char="§"/>
-            </a:pPr>
-            <a:r>
-              <a:rPr lang="en-US" sz="3200" dirty="0"/>
-              <a:t> </a:t>
-            </a:r>
-            <a:r>
-              <a:rPr lang="en-US" sz="3800" dirty="0" smtClean="0"/>
-              <a:t>Other</a:t>
-            </a:r>
-            <a:r>
-              <a:rPr lang="en-US" sz="3200" dirty="0" smtClean="0"/>
-              <a:t> </a:t>
-            </a:r>
-            <a:r>
-              <a:rPr lang="en-US" sz="3200" dirty="0"/>
+              <a:rPr lang="en-US" sz="2400" dirty="0" smtClean="0"/>
+              <a:t>Other </a:t>
+            </a:r>
+            <a:r>
+              <a:rPr lang="en-US" sz="2400" dirty="0"/>
               <a:t>Real Estate Investment </a:t>
             </a:r>
             <a:r>
-              <a:rPr lang="en-US" sz="3200" dirty="0" smtClean="0"/>
+              <a:rPr lang="en-US" sz="2400" dirty="0" smtClean="0"/>
               <a:t>Companies</a:t>
             </a:r>
           </a:p>
           <a:p>
-            <a:pPr lvl="1">
-              <a:buFont typeface="Wingdings" panose="05000000000000000000" pitchFamily="2" charset="2"/>
-              <a:buChar char="§"/>
+            <a:pPr marL="201168" lvl="1" indent="0">
+              <a:buNone/>
             </a:pPr>
             <a:endParaRPr lang="en-US" dirty="0" smtClean="0"/>
           </a:p>
-          <a:p>
-            <a:r>
-              <a:rPr lang="en-US" sz="5100" dirty="0" smtClean="0"/>
-              <a:t>Value</a:t>
-            </a:r>
-            <a:endParaRPr lang="en-US" sz="5100" dirty="0"/>
-          </a:p>
-          <a:p>
-            <a:pPr lvl="1">
-              <a:buFont typeface="Wingdings" panose="05000000000000000000" pitchFamily="2" charset="2"/>
-              <a:buChar char="§"/>
-            </a:pPr>
-            <a:r>
-              <a:rPr lang="en-US" sz="3400" dirty="0" smtClean="0"/>
-              <a:t>Sharper report analyses to help the negotiation of sales, purchases and other strategic agreements related to real </a:t>
-            </a:r>
-            <a:r>
-              <a:rPr lang="en-US" sz="3400" dirty="0"/>
-              <a:t>e</a:t>
-            </a:r>
-            <a:r>
-              <a:rPr lang="en-US" sz="3400" dirty="0" smtClean="0"/>
-              <a:t>state </a:t>
-            </a:r>
-            <a:r>
-              <a:rPr lang="en-US" sz="3400" dirty="0"/>
-              <a:t>p</a:t>
-            </a:r>
-            <a:r>
-              <a:rPr lang="en-US" sz="3400" dirty="0" smtClean="0"/>
-              <a:t>roperties</a:t>
-            </a:r>
-            <a:r>
-              <a:rPr lang="en-US" sz="3600" dirty="0" smtClean="0"/>
-              <a:t>.</a:t>
-            </a:r>
-            <a:endParaRPr lang="en-US" sz="3600" dirty="0"/>
-          </a:p>
-        </p:txBody>
-      </p:sp>
-    </p:spTree>
-    <p:extLst>
-      <p:ext uri="{BB962C8B-B14F-4D97-AF65-F5344CB8AC3E}">
-        <p14:creationId xmlns:p14="http://schemas.microsoft.com/office/powerpoint/2010/main" val="1372863915"/>
-      </p:ext>
-    </p:extLst>
-  </p:cSld>
-  <p:clrMapOvr>
-    <a:masterClrMapping/>
-  </p:clrMapOvr>
-  <p:timing>
-    <p:tnLst>
-      <p:par>
-        <p:cTn id="1" dur="indefinite" restart="never" nodeType="tmRoot"/>
-      </p:par>
-    </p:tnLst>
-  </p:timing>
-</p:sld>
-</file>
-
-<file path=ppt/slides/slide20.xml><?xml version="1.0" encoding="utf-8"?>
-<p:sld xmlns:a="http://schemas.openxmlformats.org/drawingml/2006/main" xmlns:r="http://schemas.openxmlformats.org/officeDocument/2006/relationships" xmlns:p="http://schemas.openxmlformats.org/presentationml/2006/main">
-  <p:cSld>
-    <p:spTree>
-      <p:nvGrpSpPr>
-        <p:cNvPr id="1" name=""/>
-        <p:cNvGrpSpPr/>
-        <p:nvPr/>
-      </p:nvGrpSpPr>
-      <p:grpSpPr>
-        <a:xfrm>
-          <a:off x="0" y="0"/>
-          <a:ext cx="0" cy="0"/>
-          <a:chOff x="0" y="0"/>
-          <a:chExt cx="0" cy="0"/>
-        </a:xfrm>
-      </p:grpSpPr>
-      <p:sp>
-        <p:nvSpPr>
-          <p:cNvPr id="2" name="Title 1"/>
-          <p:cNvSpPr>
-            <a:spLocks noGrp="1"/>
-          </p:cNvSpPr>
-          <p:nvPr>
-            <p:ph type="title"/>
-          </p:nvPr>
-        </p:nvSpPr>
-        <p:spPr/>
-        <p:txBody>
-          <a:bodyPr/>
-          <a:lstStyle/>
-          <a:p>
-            <a:r>
-              <a:rPr lang="en-US" dirty="0" smtClean="0"/>
-              <a:t>Modeling and Analysis</a:t>
-            </a:r>
-            <a:endParaRPr lang="en-US" dirty="0"/>
-          </a:p>
         </p:txBody>
       </p:sp>
       <p:pic>
         <p:nvPicPr>
-          <p:cNvPr id="4" name="Content Placeholder 3"/>
+          <p:cNvPr id="4" name="Picture 3"/>
           <p:cNvPicPr>
-            <a:picLocks noGrp="1" noChangeAspect="1"/>
+            <a:picLocks noChangeAspect="1"/>
           </p:cNvPicPr>
-          <p:nvPr>
-            <p:ph sz="half" idx="1"/>
-          </p:nvPr>
+          <p:nvPr/>
         </p:nvPicPr>
         <p:blipFill>
           <a:blip r:embed="rId2">
@@ -5354,230 +5077,18 @@
         </p:blipFill>
         <p:spPr>
           <a:xfrm>
-            <a:off x="6722772" y="1845735"/>
-            <a:ext cx="4224270" cy="4023360"/>
+            <a:off x="7894750" y="3374266"/>
+            <a:ext cx="2550016" cy="1700010"/>
           </a:xfrm>
-        </p:spPr>
-      </p:pic>
-      <p:sp>
-        <p:nvSpPr>
-          <p:cNvPr id="5" name="Content Placeholder 4"/>
-          <p:cNvSpPr>
-            <a:spLocks noGrp="1"/>
-          </p:cNvSpPr>
-          <p:nvPr>
-            <p:ph sz="half" idx="2"/>
-          </p:nvPr>
-        </p:nvSpPr>
-        <p:spPr>
-          <a:xfrm>
-            <a:off x="1097280" y="1845735"/>
-            <a:ext cx="4762607" cy="4023360"/>
-          </a:xfrm>
-        </p:spPr>
-        <p:txBody>
-          <a:bodyPr/>
-          <a:lstStyle/>
-          <a:p>
-            <a:endParaRPr lang="en-US" dirty="0" smtClean="0"/>
-          </a:p>
-          <a:p>
-            <a:r>
-              <a:rPr lang="en-US" dirty="0" smtClean="0"/>
-              <a:t>Feature Importance related to predicted price value</a:t>
-            </a:r>
-            <a:endParaRPr lang="en-US" dirty="0"/>
-          </a:p>
-        </p:txBody>
-      </p:sp>
-    </p:spTree>
-    <p:extLst>
-      <p:ext uri="{BB962C8B-B14F-4D97-AF65-F5344CB8AC3E}">
-        <p14:creationId xmlns:p14="http://schemas.microsoft.com/office/powerpoint/2010/main" val="1244639343"/>
-      </p:ext>
-    </p:extLst>
-  </p:cSld>
-  <p:clrMapOvr>
-    <a:masterClrMapping/>
-  </p:clrMapOvr>
-  <p:timing>
-    <p:tnLst>
-      <p:par>
-        <p:cTn id="1" dur="indefinite" restart="never" nodeType="tmRoot"/>
-      </p:par>
-    </p:tnLst>
-  </p:timing>
-</p:sld>
-</file>
-
-<file path=ppt/slides/slide21.xml><?xml version="1.0" encoding="utf-8"?>
-<p:sld xmlns:a="http://schemas.openxmlformats.org/drawingml/2006/main" xmlns:r="http://schemas.openxmlformats.org/officeDocument/2006/relationships" xmlns:p="http://schemas.openxmlformats.org/presentationml/2006/main">
-  <p:cSld>
-    <p:spTree>
-      <p:nvGrpSpPr>
-        <p:cNvPr id="1" name=""/>
-        <p:cNvGrpSpPr/>
-        <p:nvPr/>
-      </p:nvGrpSpPr>
-      <p:grpSpPr>
-        <a:xfrm>
-          <a:off x="0" y="0"/>
-          <a:ext cx="0" cy="0"/>
-          <a:chOff x="0" y="0"/>
-          <a:chExt cx="0" cy="0"/>
-        </a:xfrm>
-      </p:grpSpPr>
-      <p:sp>
-        <p:nvSpPr>
-          <p:cNvPr id="2" name="Title 1"/>
-          <p:cNvSpPr>
-            <a:spLocks noGrp="1"/>
-          </p:cNvSpPr>
-          <p:nvPr>
-            <p:ph type="title"/>
-          </p:nvPr>
-        </p:nvSpPr>
-        <p:spPr/>
-        <p:txBody>
-          <a:bodyPr/>
-          <a:lstStyle/>
-          <a:p>
-            <a:r>
-              <a:rPr lang="en-US" dirty="0" smtClean="0"/>
-              <a:t>Modeling and Analysis</a:t>
-            </a:r>
-            <a:endParaRPr lang="en-US" dirty="0"/>
-          </a:p>
-        </p:txBody>
-      </p:sp>
-      <p:pic>
-        <p:nvPicPr>
-          <p:cNvPr id="4" name="Content Placeholder 3"/>
-          <p:cNvPicPr>
-            <a:picLocks noGrp="1" noChangeAspect="1"/>
-          </p:cNvPicPr>
-          <p:nvPr>
-            <p:ph idx="1"/>
-          </p:nvPr>
-        </p:nvPicPr>
-        <p:blipFill>
-          <a:blip r:embed="rId2">
-            <a:extLst>
-              <a:ext uri="{28A0092B-C50C-407E-A947-70E740481C1C}">
-                <a14:useLocalDpi xmlns:a14="http://schemas.microsoft.com/office/drawing/2010/main" val="0"/>
-              </a:ext>
-            </a:extLst>
-          </a:blip>
-          <a:stretch>
-            <a:fillRect/>
-          </a:stretch>
-        </p:blipFill>
-        <p:spPr>
-          <a:xfrm>
-            <a:off x="1365161" y="1846263"/>
-            <a:ext cx="9594759" cy="4296960"/>
-          </a:xfrm>
+          <a:prstGeom prst="rect">
+            <a:avLst/>
+          </a:prstGeom>
         </p:spPr>
       </p:pic>
     </p:spTree>
     <p:extLst>
       <p:ext uri="{BB962C8B-B14F-4D97-AF65-F5344CB8AC3E}">
-        <p14:creationId xmlns:p14="http://schemas.microsoft.com/office/powerpoint/2010/main" val="3807960773"/>
-      </p:ext>
-    </p:extLst>
-  </p:cSld>
-  <p:clrMapOvr>
-    <a:masterClrMapping/>
-  </p:clrMapOvr>
-  <p:timing>
-    <p:tnLst>
-      <p:par>
-        <p:cTn id="1" dur="indefinite" restart="never" nodeType="tmRoot"/>
-      </p:par>
-    </p:tnLst>
-  </p:timing>
-</p:sld>
-</file>
-
-<file path=ppt/slides/slide22.xml><?xml version="1.0" encoding="utf-8"?>
-<p:sld xmlns:a="http://schemas.openxmlformats.org/drawingml/2006/main" xmlns:r="http://schemas.openxmlformats.org/officeDocument/2006/relationships" xmlns:p="http://schemas.openxmlformats.org/presentationml/2006/main">
-  <p:cSld>
-    <p:spTree>
-      <p:nvGrpSpPr>
-        <p:cNvPr id="1" name=""/>
-        <p:cNvGrpSpPr/>
-        <p:nvPr/>
-      </p:nvGrpSpPr>
-      <p:grpSpPr>
-        <a:xfrm>
-          <a:off x="0" y="0"/>
-          <a:ext cx="0" cy="0"/>
-          <a:chOff x="0" y="0"/>
-          <a:chExt cx="0" cy="0"/>
-        </a:xfrm>
-      </p:grpSpPr>
-      <p:sp>
-        <p:nvSpPr>
-          <p:cNvPr id="2" name="Title 1"/>
-          <p:cNvSpPr>
-            <a:spLocks noGrp="1"/>
-          </p:cNvSpPr>
-          <p:nvPr>
-            <p:ph type="title"/>
-          </p:nvPr>
-        </p:nvSpPr>
-        <p:spPr/>
-        <p:txBody>
-          <a:bodyPr/>
-          <a:lstStyle/>
-          <a:p>
-            <a:r>
-              <a:rPr lang="en-US" dirty="0" smtClean="0"/>
-              <a:t>Thank you!</a:t>
-            </a:r>
-            <a:endParaRPr lang="en-US" dirty="0"/>
-          </a:p>
-        </p:txBody>
-      </p:sp>
-      <p:sp>
-        <p:nvSpPr>
-          <p:cNvPr id="3" name="Content Placeholder 2"/>
-          <p:cNvSpPr>
-            <a:spLocks noGrp="1"/>
-          </p:cNvSpPr>
-          <p:nvPr>
-            <p:ph idx="1"/>
-          </p:nvPr>
-        </p:nvSpPr>
-        <p:spPr/>
-        <p:txBody>
-          <a:bodyPr/>
-          <a:lstStyle/>
-          <a:p>
-            <a:pPr algn="ctr"/>
-            <a:endParaRPr lang="en-US" dirty="0"/>
-          </a:p>
-          <a:p>
-            <a:pPr algn="ctr"/>
-            <a:endParaRPr lang="en-US" dirty="0" smtClean="0"/>
-          </a:p>
-          <a:p>
-            <a:pPr algn="ctr"/>
-            <a:endParaRPr lang="en-US" dirty="0"/>
-          </a:p>
-          <a:p>
-            <a:pPr algn="ctr"/>
-            <a:r>
-              <a:rPr lang="en-US" sz="3200" dirty="0" smtClean="0"/>
-              <a:t>Any Questions?</a:t>
-            </a:r>
-          </a:p>
-        </p:txBody>
-      </p:sp>
-    </p:spTree>
-    <p:extLst>
-      <p:ext uri="{BB962C8B-B14F-4D97-AF65-F5344CB8AC3E}">
-        <p14:creationId xmlns:p14="http://schemas.microsoft.com/office/powerpoint/2010/main" val="2172238092"/>
+        <p14:creationId xmlns:p14="http://schemas.microsoft.com/office/powerpoint/2010/main" val="1372863915"/>
       </p:ext>
     </p:extLst>
   </p:cSld>
@@ -5621,14 +5132,19 @@
             <p:ph type="title"/>
           </p:nvPr>
         </p:nvSpPr>
-        <p:spPr/>
+        <p:spPr>
+          <a:xfrm>
+            <a:off x="1097280" y="286604"/>
+            <a:ext cx="10058400" cy="730828"/>
+          </a:xfrm>
+        </p:spPr>
         <p:txBody>
           <a:bodyPr/>
           <a:lstStyle/>
           <a:p>
             <a:r>
               <a:rPr lang="en-US" dirty="0" smtClean="0"/>
-              <a:t>Data</a:t>
+              <a:t>Exploratory Data Analysis(EDA)</a:t>
             </a:r>
             <a:endParaRPr lang="en-US" dirty="0"/>
           </a:p>
@@ -5644,54 +5160,147 @@
             <p:ph idx="1"/>
           </p:nvPr>
         </p:nvSpPr>
-        <p:spPr/>
+        <p:spPr>
+          <a:xfrm>
+            <a:off x="1097280" y="1803043"/>
+            <a:ext cx="10058400" cy="4340180"/>
+          </a:xfrm>
+        </p:spPr>
         <p:txBody>
           <a:bodyPr>
-            <a:normAutofit/>
+            <a:normAutofit fontScale="92500" lnSpcReduction="20000"/>
           </a:bodyPr>
           <a:lstStyle/>
           <a:p>
+            <a:pPr marL="201168" lvl="1" indent="0">
+              <a:buNone/>
+            </a:pPr>
+            <a:r>
+              <a:rPr lang="en-US" sz="2200" b="1" dirty="0" smtClean="0"/>
+              <a:t>Housing Dataset</a:t>
+            </a:r>
+          </a:p>
+          <a:p>
+            <a:pPr marL="201168" lvl="1" indent="0">
+              <a:buNone/>
+            </a:pPr>
+            <a:endParaRPr lang="en-US" sz="2200" dirty="0" smtClean="0"/>
+          </a:p>
+          <a:p>
+            <a:pPr marL="201168" lvl="1" indent="0">
+              <a:buNone/>
+            </a:pPr>
+            <a:r>
+              <a:rPr lang="en-US" sz="2000" dirty="0" smtClean="0"/>
+              <a:t>Categorical(Qualitative) data</a:t>
+            </a:r>
             <a:r>
               <a:rPr lang="en-US" dirty="0" smtClean="0"/>
-              <a:t>Housing Dataset</a:t>
-            </a:r>
-          </a:p>
-          <a:p>
+              <a:t>:</a:t>
+            </a:r>
+          </a:p>
+          <a:p>
+            <a:pPr marL="201168" lvl="1" indent="0">
+              <a:buNone/>
+            </a:pPr>
             <a:endParaRPr lang="en-US" dirty="0" smtClean="0"/>
           </a:p>
           <a:p>
-            <a:pPr lvl="2"/>
-            <a:r>
-              <a:rPr lang="en-US" sz="1800" dirty="0"/>
-              <a:t>Originally compile by  Professor  Dean De Cock at Truman State University</a:t>
-            </a:r>
-          </a:p>
-          <a:p>
-            <a:pPr lvl="2"/>
-            <a:r>
-              <a:rPr lang="en-US" sz="1800" dirty="0"/>
-              <a:t>Consists of 2930 observations and 80 explanatory variables for the sale of homes between years 2006-2010</a:t>
+            <a:pPr lvl="1"/>
+            <a:r>
+              <a:rPr lang="en-US" dirty="0"/>
+              <a:t>23 </a:t>
             </a:r>
             <a:r>
               <a:rPr lang="en-US" dirty="0" smtClean="0"/>
-              <a:t>.</a:t>
-            </a:r>
-          </a:p>
-          <a:p>
-            <a:pPr lvl="2"/>
-            <a:r>
-              <a:rPr lang="en-US" sz="1800" dirty="0" smtClean="0"/>
-              <a:t>Data is from records of city of Ames, Iowa</a:t>
-            </a:r>
-          </a:p>
-          <a:p>
-            <a:pPr lvl="2"/>
+              <a:t>nominal (There was no natural order, e.g. Type of house)</a:t>
+            </a:r>
+          </a:p>
+          <a:p>
+            <a:pPr lvl="1"/>
+            <a:r>
+              <a:rPr lang="en-US" dirty="0" smtClean="0"/>
+              <a:t> </a:t>
+            </a:r>
+            <a:r>
+              <a:rPr lang="en-US" dirty="0"/>
+              <a:t>23 </a:t>
+            </a:r>
+            <a:r>
+              <a:rPr lang="en-US" dirty="0" smtClean="0"/>
+              <a:t>ordinal (</a:t>
+            </a:r>
+            <a:r>
+              <a:rPr lang="en-US" dirty="0"/>
+              <a:t>O</a:t>
+            </a:r>
+            <a:r>
+              <a:rPr lang="en-US" dirty="0" smtClean="0"/>
+              <a:t>rder do exist, e.g. Property condition; bad, fair, good excellent)</a:t>
+            </a:r>
+          </a:p>
+          <a:p>
+            <a:pPr marL="201168" lvl="1" indent="0">
+              <a:buNone/>
+            </a:pPr>
             <a:endParaRPr lang="en-US" dirty="0" smtClean="0"/>
           </a:p>
           <a:p>
+            <a:pPr marL="201168" lvl="1" indent="0">
+              <a:buNone/>
+            </a:pPr>
+            <a:r>
+              <a:rPr lang="en-US" sz="2000" dirty="0" smtClean="0"/>
+              <a:t>Numerical data</a:t>
+            </a:r>
+            <a:r>
+              <a:rPr lang="en-US" sz="2000" dirty="0" smtClean="0"/>
+              <a:t>:</a:t>
+            </a:r>
+            <a:endParaRPr lang="en-US" sz="2000" dirty="0" smtClean="0"/>
+          </a:p>
+          <a:p>
+            <a:pPr lvl="1"/>
             <a:r>
               <a:rPr lang="en-US" dirty="0" smtClean="0"/>
-              <a:t>Weather Dataset</a:t>
+              <a:t> </a:t>
+            </a:r>
+            <a:r>
+              <a:rPr lang="en-US" dirty="0"/>
+              <a:t>14 </a:t>
+            </a:r>
+            <a:r>
+              <a:rPr lang="en-US" dirty="0" smtClean="0"/>
+              <a:t>discrete(Integers, e.g. Number of rooms)</a:t>
+            </a:r>
+          </a:p>
+          <a:p>
+            <a:pPr lvl="1"/>
+            <a:r>
+              <a:rPr lang="en-US" dirty="0" smtClean="0"/>
+              <a:t>20 continuous(Can take on any value, e.g. Square Feet</a:t>
+            </a:r>
+            <a:r>
+              <a:rPr lang="en-US" dirty="0" smtClean="0"/>
+              <a:t>)</a:t>
+            </a:r>
+          </a:p>
+          <a:p>
+            <a:pPr lvl="1"/>
+            <a:endParaRPr lang="en-US" dirty="0"/>
+          </a:p>
+          <a:p>
+            <a:r>
+              <a:rPr lang="en-US" sz="2200" dirty="0" smtClean="0"/>
+              <a:t>  </a:t>
+            </a:r>
+            <a:r>
+              <a:rPr lang="en-US" sz="2200" b="1" dirty="0" smtClean="0"/>
+              <a:t>Weather </a:t>
+            </a:r>
+            <a:r>
+              <a:rPr lang="en-US" sz="2200" b="1" dirty="0"/>
+              <a:t>Dataset</a:t>
             </a:r>
           </a:p>
           <a:p>
@@ -5699,27 +5308,20 @@
               <a:buFont typeface="Courier New" panose="02070309020205020404" pitchFamily="49" charset="0"/>
               <a:buChar char="o"/>
             </a:pPr>
-            <a:endParaRPr lang="en-US" dirty="0" smtClean="0"/>
+            <a:endParaRPr lang="en-US" dirty="0"/>
           </a:p>
           <a:p>
             <a:pPr lvl="2"/>
             <a:r>
-              <a:rPr lang="en-US" sz="1800" dirty="0" smtClean="0"/>
+              <a:rPr lang="en-US" sz="1800" dirty="0"/>
               <a:t>Subtracted from the National Center for Environmental Information Webpage.</a:t>
             </a:r>
           </a:p>
           <a:p>
             <a:pPr lvl="2"/>
             <a:r>
-              <a:rPr lang="en-US" sz="1800" dirty="0" smtClean="0"/>
+              <a:rPr lang="en-US" sz="1800" dirty="0"/>
               <a:t>Includes daily, monthly and yearly records from different weather stations in the city.</a:t>
-            </a:r>
-          </a:p>
-          <a:p>
-            <a:pPr lvl="2"/>
-            <a:r>
-              <a:rPr lang="en-US" sz="1800" dirty="0" smtClean="0"/>
-              <a:t>Data is from records of city of Ames, Iowa</a:t>
             </a:r>
           </a:p>
           <a:p>
@@ -5728,22 +5330,10 @@
           </a:p>
           <a:p>
             <a:pPr lvl="1"/>
-            <a:endParaRPr lang="en-US" dirty="0" smtClean="0"/>
-          </a:p>
-          <a:p>
-            <a:pPr lvl="2"/>
-            <a:endParaRPr lang="en-US" dirty="0" smtClean="0"/>
-          </a:p>
-          <a:p>
-            <a:pPr lvl="2"/>
-            <a:endParaRPr lang="en-US" dirty="0" smtClean="0"/>
-          </a:p>
-          <a:p>
-            <a:pPr lvl="2"/>
             <a:endParaRPr lang="en-US" dirty="0"/>
           </a:p>
           <a:p>
-            <a:pPr lvl="2"/>
+            <a:pPr lvl="1"/>
             <a:endParaRPr lang="en-US" dirty="0"/>
           </a:p>
         </p:txBody>
@@ -5751,7 +5341,7 @@
     </p:spTree>
     <p:extLst>
       <p:ext uri="{BB962C8B-B14F-4D97-AF65-F5344CB8AC3E}">
-        <p14:creationId xmlns:p14="http://schemas.microsoft.com/office/powerpoint/2010/main" val="1585826263"/>
+        <p14:creationId xmlns:p14="http://schemas.microsoft.com/office/powerpoint/2010/main" val="3262135052"/>
       </p:ext>
     </p:extLst>
   </p:cSld>
@@ -5801,38 +5391,87 @@
           <a:lstStyle/>
           <a:p>
             <a:r>
+              <a:rPr lang="en-US" dirty="0"/>
+              <a:t>Exploratory Data Analysis(EDA)</a:t>
+            </a:r>
+          </a:p>
+        </p:txBody>
+      </p:sp>
+      <p:sp>
+        <p:nvSpPr>
+          <p:cNvPr id="3" name="Content Placeholder 2"/>
+          <p:cNvSpPr>
+            <a:spLocks noGrp="1"/>
+          </p:cNvSpPr>
+          <p:nvPr>
+            <p:ph idx="1"/>
+          </p:nvPr>
+        </p:nvSpPr>
+        <p:spPr>
+          <a:xfrm>
+            <a:off x="1097280" y="1845734"/>
+            <a:ext cx="10058400" cy="4400520"/>
+          </a:xfrm>
+        </p:spPr>
+        <p:txBody>
+          <a:bodyPr/>
+          <a:lstStyle/>
+          <a:p>
+            <a:pPr marL="0" indent="0">
+              <a:buNone/>
+            </a:pPr>
+            <a:r>
+              <a:rPr lang="en-US" sz="2800" dirty="0"/>
+              <a:t>Bad Data and </a:t>
+            </a:r>
+            <a:r>
+              <a:rPr lang="en-US" sz="2800" dirty="0" smtClean="0"/>
+              <a:t>Outliers</a:t>
+            </a:r>
+          </a:p>
+          <a:p>
+            <a:pPr marL="0" indent="0">
+              <a:buNone/>
+            </a:pPr>
+            <a:r>
               <a:rPr lang="en-US" dirty="0" smtClean="0"/>
-              <a:t>Cleaning Data</a:t>
+              <a:t>Random Forest:</a:t>
+            </a:r>
+            <a:endParaRPr lang="en-US" dirty="0" smtClean="0"/>
+          </a:p>
+          <a:p>
+            <a:pPr marL="0" indent="0">
+              <a:buNone/>
+            </a:pPr>
+            <a:r>
+              <a:rPr lang="en-US" dirty="0" smtClean="0"/>
+              <a:t>Different people, different arguments weather to keep all </a:t>
+            </a:r>
+            <a:r>
+              <a:rPr lang="en-US" dirty="0" smtClean="0"/>
+              <a:t>data or not</a:t>
+            </a:r>
+            <a:endParaRPr lang="en-US" dirty="0" smtClean="0"/>
+          </a:p>
+          <a:p>
+            <a:pPr marL="0" indent="0">
+              <a:buNone/>
+            </a:pPr>
+            <a:r>
+              <a:rPr lang="en-US" dirty="0"/>
+              <a:t> </a:t>
+            </a:r>
+            <a:r>
+              <a:rPr lang="en-US" b="1" dirty="0" smtClean="0"/>
+              <a:t>Ideas</a:t>
             </a:r>
             <a:endParaRPr lang="en-US" dirty="0"/>
           </a:p>
-        </p:txBody>
-      </p:sp>
-      <p:sp>
-        <p:nvSpPr>
-          <p:cNvPr id="3" name="Content Placeholder 2"/>
-          <p:cNvSpPr>
-            <a:spLocks noGrp="1"/>
-          </p:cNvSpPr>
-          <p:nvPr>
-            <p:ph idx="1"/>
-          </p:nvPr>
-        </p:nvSpPr>
-        <p:spPr/>
-        <p:txBody>
-          <a:bodyPr/>
-          <a:lstStyle/>
-          <a:p>
+          <a:p>
+            <a:pPr lvl="1"/>
             <a:r>
               <a:rPr lang="en-US" dirty="0" smtClean="0"/>
-              <a:t>Bad Data and Outliers</a:t>
-            </a:r>
-          </a:p>
-          <a:p>
-            <a:pPr lvl="1"/>
-            <a:r>
-              <a:rPr lang="en-US" dirty="0"/>
-              <a:t>Random Forest not very sensitive to </a:t>
+              <a:t>Not sensitive to </a:t>
             </a:r>
             <a:r>
               <a:rPr lang="en-US" dirty="0" smtClean="0"/>
@@ -5840,28 +5479,37 @@
             </a:r>
           </a:p>
           <a:p>
+            <a:pPr marL="201168" lvl="1" indent="0">
+              <a:buNone/>
+            </a:pPr>
+            <a:endParaRPr lang="en-US" dirty="0" smtClean="0"/>
+          </a:p>
+          <a:p>
+            <a:pPr lvl="1"/>
+            <a:r>
+              <a:rPr lang="en-US" dirty="0" smtClean="0"/>
+              <a:t>Sensitive</a:t>
+            </a:r>
+          </a:p>
+          <a:p>
             <a:pPr lvl="1"/>
             <a:endParaRPr lang="en-US" dirty="0" smtClean="0"/>
           </a:p>
           <a:p>
-            <a:r>
-              <a:rPr lang="en-US" dirty="0" smtClean="0"/>
-              <a:t>Exploratory Data analysis for error type data</a:t>
-            </a:r>
-          </a:p>
-          <a:p>
             <a:pPr lvl="1"/>
             <a:endParaRPr lang="en-US" dirty="0"/>
           </a:p>
           <a:p>
-            <a:pPr lvl="1"/>
+            <a:pPr marL="201168" lvl="1" indent="0">
+              <a:buNone/>
+            </a:pPr>
             <a:endParaRPr lang="en-US" dirty="0"/>
           </a:p>
         </p:txBody>
       </p:sp>
       <p:pic>
         <p:nvPicPr>
-          <p:cNvPr id="4" name="Picture 3"/>
+          <p:cNvPr id="5" name="Picture 4"/>
           <p:cNvPicPr>
             <a:picLocks noChangeAspect="1"/>
           </p:cNvPicPr>
@@ -5881,38 +5529,8 @@
         </p:blipFill>
         <p:spPr>
           <a:xfrm>
-            <a:off x="1097279" y="3490174"/>
-            <a:ext cx="4427758" cy="2487293"/>
-          </a:xfrm>
-          <a:prstGeom prst="rect">
-            <a:avLst/>
-          </a:prstGeom>
-        </p:spPr>
-      </p:pic>
-      <p:pic>
-        <p:nvPicPr>
-          <p:cNvPr id="5" name="Picture 4"/>
-          <p:cNvPicPr>
-            <a:picLocks noChangeAspect="1"/>
-          </p:cNvPicPr>
-          <p:nvPr/>
-        </p:nvPicPr>
-        <p:blipFill>
-          <a:blip r:embed="rId3">
-            <a:extLst>
-              <a:ext uri="{28A0092B-C50C-407E-A947-70E740481C1C}">
-                <a14:useLocalDpi xmlns:a14="http://schemas.microsoft.com/office/drawing/2010/main" val="0"/>
-              </a:ext>
-            </a:extLst>
-          </a:blip>
-          <a:stretch>
-            <a:fillRect/>
-          </a:stretch>
-        </p:blipFill>
-        <p:spPr>
-          <a:xfrm>
-            <a:off x="5756856" y="3490174"/>
-            <a:ext cx="5398824" cy="2487294"/>
+            <a:off x="4069724" y="3296992"/>
+            <a:ext cx="7085957" cy="2949261"/>
           </a:xfrm>
           <a:prstGeom prst="rect">
             <a:avLst/>
@@ -5922,7 +5540,7 @@
     </p:spTree>
     <p:extLst>
       <p:ext uri="{BB962C8B-B14F-4D97-AF65-F5344CB8AC3E}">
-        <p14:creationId xmlns:p14="http://schemas.microsoft.com/office/powerpoint/2010/main" val="1124910753"/>
+        <p14:creationId xmlns:p14="http://schemas.microsoft.com/office/powerpoint/2010/main" val="2139238074"/>
       </p:ext>
     </p:extLst>
   </p:cSld>
@@ -5972,8 +5590,30 @@
           <a:lstStyle/>
           <a:p>
             <a:r>
+              <a:rPr lang="en-US" dirty="0"/>
+              <a:t>Exploratory Data Analysis</a:t>
+            </a:r>
+          </a:p>
+        </p:txBody>
+      </p:sp>
+      <p:sp>
+        <p:nvSpPr>
+          <p:cNvPr id="3" name="Text Placeholder 2"/>
+          <p:cNvSpPr>
+            <a:spLocks noGrp="1"/>
+          </p:cNvSpPr>
+          <p:nvPr>
+            <p:ph type="body" idx="1"/>
+          </p:nvPr>
+        </p:nvSpPr>
+        <p:spPr/>
+        <p:txBody>
+          <a:bodyPr/>
+          <a:lstStyle/>
+          <a:p>
+            <a:r>
               <a:rPr lang="en-US" dirty="0" smtClean="0"/>
-              <a:t>Cleaning Data Continue..</a:t>
+              <a:t>Monthly Homes’ Sales</a:t>
             </a:r>
             <a:endParaRPr lang="en-US" dirty="0"/>
           </a:p>
@@ -5981,117 +5621,89 @@
       </p:sp>
       <p:sp>
         <p:nvSpPr>
-          <p:cNvPr id="3" name="Content Placeholder 2"/>
-          <p:cNvSpPr>
-            <a:spLocks noGrp="1"/>
-          </p:cNvSpPr>
-          <p:nvPr>
-            <p:ph idx="1"/>
-          </p:nvPr>
-        </p:nvSpPr>
+          <p:cNvPr id="5" name="Text Placeholder 4"/>
+          <p:cNvSpPr>
+            <a:spLocks noGrp="1"/>
+          </p:cNvSpPr>
+          <p:nvPr>
+            <p:ph type="body" sz="quarter" idx="3"/>
+          </p:nvPr>
+        </p:nvSpPr>
+        <p:spPr/>
+        <p:txBody>
+          <a:bodyPr/>
+          <a:lstStyle/>
+          <a:p>
+            <a:r>
+              <a:rPr lang="en-US" dirty="0" smtClean="0"/>
+              <a:t>Above ground living area in relationship to sale price</a:t>
+            </a:r>
+            <a:endParaRPr lang="en-US" dirty="0"/>
+          </a:p>
+        </p:txBody>
+      </p:sp>
+      <p:pic>
+        <p:nvPicPr>
+          <p:cNvPr id="7" name="Content Placeholder 4"/>
+          <p:cNvPicPr>
+            <a:picLocks noGrp="1" noChangeAspect="1"/>
+          </p:cNvPicPr>
+          <p:nvPr>
+            <p:ph sz="half" idx="2"/>
+          </p:nvPr>
+        </p:nvPicPr>
+        <p:blipFill>
+          <a:blip r:embed="rId2">
+            <a:extLst>
+              <a:ext uri="{28A0092B-C50C-407E-A947-70E740481C1C}">
+                <a14:useLocalDpi xmlns:a14="http://schemas.microsoft.com/office/drawing/2010/main" val="0"/>
+              </a:ext>
+            </a:extLst>
+          </a:blip>
+          <a:stretch>
+            <a:fillRect/>
+          </a:stretch>
+        </p:blipFill>
         <p:spPr>
           <a:xfrm>
-            <a:off x="1097280" y="1845734"/>
-            <a:ext cx="10058400" cy="4303606"/>
+            <a:off x="1096963" y="2691027"/>
+            <a:ext cx="4938712" cy="3465074"/>
           </a:xfrm>
         </p:spPr>
-        <p:txBody>
-          <a:bodyPr>
-            <a:normAutofit lnSpcReduction="10000"/>
-          </a:bodyPr>
-          <a:lstStyle/>
-          <a:p>
-            <a:r>
-              <a:rPr lang="en-US" dirty="0" smtClean="0"/>
-              <a:t>Housing Data</a:t>
-            </a:r>
-          </a:p>
-          <a:p>
-            <a:pPr lvl="1"/>
-            <a:r>
-              <a:rPr lang="en-US" dirty="0" smtClean="0"/>
-              <a:t>Attached homes’ Feature data set to price data set</a:t>
-            </a:r>
-          </a:p>
-          <a:p>
-            <a:pPr lvl="1"/>
-            <a:r>
-              <a:rPr lang="en-US" dirty="0" smtClean="0"/>
-              <a:t>Filtered  cells to dates 2006 and 2009 to match weather dates available</a:t>
-            </a:r>
-          </a:p>
-          <a:p>
-            <a:pPr lvl="1"/>
-            <a:r>
-              <a:rPr lang="en-US" dirty="0" smtClean="0"/>
-              <a:t>Built and sorted a Date Time Index for the sale of homes</a:t>
-            </a:r>
-          </a:p>
-          <a:p>
-            <a:pPr lvl="1"/>
-            <a:r>
-              <a:rPr lang="en-US" dirty="0" smtClean="0"/>
-              <a:t>Rest of cleaning was done  in future steps after splitting the data to build model</a:t>
-            </a:r>
-          </a:p>
-          <a:p>
-            <a:pPr lvl="1"/>
-            <a:endParaRPr lang="en-US" dirty="0"/>
-          </a:p>
-          <a:p>
-            <a:r>
-              <a:rPr lang="en-US" dirty="0" smtClean="0"/>
-              <a:t>Weather Data</a:t>
-            </a:r>
-          </a:p>
-          <a:p>
-            <a:pPr lvl="1"/>
-            <a:r>
-              <a:rPr lang="en-US" dirty="0"/>
-              <a:t>Subtracted the best dates and  weather station available from the data</a:t>
-            </a:r>
-          </a:p>
-          <a:p>
-            <a:pPr lvl="1"/>
-            <a:r>
-              <a:rPr lang="en-US" dirty="0"/>
-              <a:t>Filtered to the most significant weather variables</a:t>
-            </a:r>
-          </a:p>
-          <a:p>
-            <a:pPr lvl="1"/>
-            <a:r>
-              <a:rPr lang="en-US" dirty="0"/>
-              <a:t>Dates were filtered to match housing data sets</a:t>
-            </a:r>
-          </a:p>
-          <a:p>
-            <a:pPr lvl="1"/>
-            <a:r>
-              <a:rPr lang="en-US" dirty="0"/>
-              <a:t>Corrupted values were deleted, and averages </a:t>
-            </a:r>
-            <a:r>
-              <a:rPr lang="en-US" dirty="0" smtClean="0"/>
-              <a:t>obtained</a:t>
-            </a:r>
-          </a:p>
-          <a:p>
-            <a:pPr lvl="1"/>
-            <a:endParaRPr lang="en-US" dirty="0" smtClean="0"/>
-          </a:p>
-          <a:p>
-            <a:r>
-              <a:rPr lang="en-US" dirty="0" smtClean="0"/>
-              <a:t>At the end the two datasets were joined</a:t>
-            </a:r>
-          </a:p>
-        </p:txBody>
-      </p:sp>
+      </p:pic>
+      <p:pic>
+        <p:nvPicPr>
+          <p:cNvPr id="10" name="Content Placeholder 3"/>
+          <p:cNvPicPr>
+            <a:picLocks noGrp="1" noChangeAspect="1"/>
+          </p:cNvPicPr>
+          <p:nvPr>
+            <p:ph sz="quarter" idx="4"/>
+          </p:nvPr>
+        </p:nvPicPr>
+        <p:blipFill>
+          <a:blip r:embed="rId3">
+            <a:extLst>
+              <a:ext uri="{28A0092B-C50C-407E-A947-70E740481C1C}">
+                <a14:useLocalDpi xmlns:a14="http://schemas.microsoft.com/office/drawing/2010/main" val="0"/>
+              </a:ext>
+            </a:extLst>
+          </a:blip>
+          <a:stretch>
+            <a:fillRect/>
+          </a:stretch>
+        </p:blipFill>
+        <p:spPr>
+          <a:xfrm>
+            <a:off x="6218238" y="2953798"/>
+            <a:ext cx="4937125" cy="3202303"/>
+          </a:xfrm>
+        </p:spPr>
+      </p:pic>
     </p:spTree>
     <p:extLst>
       <p:ext uri="{BB962C8B-B14F-4D97-AF65-F5344CB8AC3E}">
-        <p14:creationId xmlns:p14="http://schemas.microsoft.com/office/powerpoint/2010/main" val="2388824452"/>
+        <p14:creationId xmlns:p14="http://schemas.microsoft.com/office/powerpoint/2010/main" val="880697584"/>
       </p:ext>
     </p:extLst>
   </p:cSld>
@@ -6141,8 +5753,30 @@
           <a:lstStyle/>
           <a:p>
             <a:r>
+              <a:rPr lang="en-US" dirty="0"/>
+              <a:t>Exploratory Data Analysis</a:t>
+            </a:r>
+          </a:p>
+        </p:txBody>
+      </p:sp>
+      <p:sp>
+        <p:nvSpPr>
+          <p:cNvPr id="3" name="Text Placeholder 2"/>
+          <p:cNvSpPr>
+            <a:spLocks noGrp="1"/>
+          </p:cNvSpPr>
+          <p:nvPr>
+            <p:ph type="body" idx="1"/>
+          </p:nvPr>
+        </p:nvSpPr>
+        <p:spPr/>
+        <p:txBody>
+          <a:bodyPr/>
+          <a:lstStyle/>
+          <a:p>
+            <a:r>
               <a:rPr lang="en-US" dirty="0" smtClean="0"/>
-              <a:t>Cleaning Data Continue..</a:t>
+              <a:t>Home’s lot area in relationship to price</a:t>
             </a:r>
             <a:endParaRPr lang="en-US" dirty="0"/>
           </a:p>
@@ -6150,106 +5784,89 @@
       </p:sp>
       <p:sp>
         <p:nvSpPr>
-          <p:cNvPr id="3" name="Content Placeholder 2"/>
-          <p:cNvSpPr>
-            <a:spLocks noGrp="1"/>
-          </p:cNvSpPr>
-          <p:nvPr>
-            <p:ph idx="1"/>
+          <p:cNvPr id="5" name="Text Placeholder 4"/>
+          <p:cNvSpPr>
+            <a:spLocks noGrp="1"/>
+          </p:cNvSpPr>
+          <p:nvPr>
+            <p:ph type="body" sz="quarter" idx="3"/>
           </p:nvPr>
         </p:nvSpPr>
         <p:spPr/>
         <p:txBody>
-          <a:bodyPr>
-            <a:normAutofit/>
-          </a:bodyPr>
-          <a:lstStyle/>
-          <a:p>
-            <a:r>
-              <a:rPr lang="en-US" sz="2800" dirty="0"/>
-              <a:t>Splitting the data into train and test to fit </a:t>
-            </a:r>
-            <a:r>
-              <a:rPr lang="en-US" sz="2800" dirty="0" smtClean="0"/>
-              <a:t>model</a:t>
-            </a:r>
-          </a:p>
-          <a:p>
-            <a:endParaRPr lang="en-US" dirty="0" smtClean="0"/>
-          </a:p>
-          <a:p>
-            <a:r>
-              <a:rPr lang="en-US" sz="2400" dirty="0" smtClean="0"/>
-              <a:t>Train</a:t>
-            </a:r>
-            <a:endParaRPr lang="en-US" dirty="0" smtClean="0"/>
-          </a:p>
-          <a:p>
-            <a:pPr lvl="1"/>
-            <a:r>
-              <a:rPr lang="en-US" dirty="0" smtClean="0"/>
-              <a:t>Filled </a:t>
-            </a:r>
-            <a:r>
-              <a:rPr lang="en-US" dirty="0" err="1" smtClean="0"/>
-              <a:t>NaN</a:t>
-            </a:r>
-            <a:r>
-              <a:rPr lang="en-US" dirty="0" smtClean="0"/>
-              <a:t> values with means and modes</a:t>
+          <a:bodyPr/>
+          <a:lstStyle/>
+          <a:p>
+            <a:r>
+              <a:rPr lang="en-US" dirty="0"/>
+              <a:t>Yearly Weather Temperature </a:t>
             </a:r>
             <a:endParaRPr lang="en-US" dirty="0"/>
           </a:p>
-          <a:p>
-            <a:pPr lvl="1"/>
-            <a:r>
-              <a:rPr lang="en-US" dirty="0" smtClean="0"/>
-              <a:t>Built dummy columns for categorical variables</a:t>
-            </a:r>
-            <a:endParaRPr lang="en-US" dirty="0"/>
-          </a:p>
-          <a:p>
-            <a:pPr lvl="1"/>
-            <a:endParaRPr lang="en-US" dirty="0" smtClean="0"/>
-          </a:p>
-          <a:p>
-            <a:pPr marL="201168" lvl="1" indent="0">
-              <a:buNone/>
-            </a:pPr>
-            <a:r>
-              <a:rPr lang="en-US" sz="2400" dirty="0" smtClean="0"/>
-              <a:t>Test</a:t>
-            </a:r>
-            <a:endParaRPr lang="en-US" sz="2400" dirty="0"/>
-          </a:p>
-          <a:p>
-            <a:pPr lvl="1"/>
-            <a:r>
-              <a:rPr lang="en-US" dirty="0" smtClean="0"/>
-              <a:t>Used means and mode values from training data for any </a:t>
-            </a:r>
-            <a:r>
-              <a:rPr lang="en-US" dirty="0" err="1" smtClean="0"/>
-              <a:t>NaN</a:t>
-            </a:r>
-            <a:r>
-              <a:rPr lang="en-US" dirty="0" smtClean="0"/>
-              <a:t> values.</a:t>
-            </a:r>
-          </a:p>
-          <a:p>
-            <a:pPr lvl="1"/>
-            <a:r>
-              <a:rPr lang="en-US" dirty="0" smtClean="0"/>
-              <a:t>Re-index and transfer the dummy variables from out training data</a:t>
-            </a:r>
-          </a:p>
-        </p:txBody>
-      </p:sp>
+        </p:txBody>
+      </p:sp>
+      <p:pic>
+        <p:nvPicPr>
+          <p:cNvPr id="7" name="Content Placeholder 3"/>
+          <p:cNvPicPr>
+            <a:picLocks noGrp="1" noChangeAspect="1"/>
+          </p:cNvPicPr>
+          <p:nvPr>
+            <p:ph sz="half" idx="2"/>
+          </p:nvPr>
+        </p:nvPicPr>
+        <p:blipFill>
+          <a:blip r:embed="rId2">
+            <a:extLst>
+              <a:ext uri="{28A0092B-C50C-407E-A947-70E740481C1C}">
+                <a14:useLocalDpi xmlns:a14="http://schemas.microsoft.com/office/drawing/2010/main" val="0"/>
+              </a:ext>
+            </a:extLst>
+          </a:blip>
+          <a:stretch>
+            <a:fillRect/>
+          </a:stretch>
+        </p:blipFill>
+        <p:spPr>
+          <a:xfrm>
+            <a:off x="1096963" y="2953375"/>
+            <a:ext cx="4938712" cy="3073938"/>
+          </a:xfrm>
+        </p:spPr>
+      </p:pic>
+      <p:pic>
+        <p:nvPicPr>
+          <p:cNvPr id="8" name="Content Placeholder 5"/>
+          <p:cNvPicPr>
+            <a:picLocks noGrp="1" noChangeAspect="1"/>
+          </p:cNvPicPr>
+          <p:nvPr>
+            <p:ph sz="quarter" idx="4"/>
+          </p:nvPr>
+        </p:nvPicPr>
+        <p:blipFill>
+          <a:blip r:embed="rId3">
+            <a:extLst>
+              <a:ext uri="{28A0092B-C50C-407E-A947-70E740481C1C}">
+                <a14:useLocalDpi xmlns:a14="http://schemas.microsoft.com/office/drawing/2010/main" val="0"/>
+              </a:ext>
+            </a:extLst>
+          </a:blip>
+          <a:stretch>
+            <a:fillRect/>
+          </a:stretch>
+        </p:blipFill>
+        <p:spPr>
+          <a:xfrm>
+            <a:off x="6218238" y="2953375"/>
+            <a:ext cx="4937125" cy="3073938"/>
+          </a:xfrm>
+        </p:spPr>
+      </p:pic>
     </p:spTree>
     <p:extLst>
       <p:ext uri="{BB962C8B-B14F-4D97-AF65-F5344CB8AC3E}">
-        <p14:creationId xmlns:p14="http://schemas.microsoft.com/office/powerpoint/2010/main" val="1108616532"/>
+        <p14:creationId xmlns:p14="http://schemas.microsoft.com/office/powerpoint/2010/main" val="855392243"/>
       </p:ext>
     </p:extLst>
   </p:cSld>
@@ -6300,45 +5917,132 @@
           <a:p>
             <a:r>
               <a:rPr lang="en-US" dirty="0" smtClean="0"/>
-              <a:t>Exploratory Data Analysis</a:t>
+              <a:t>Inferential Analysis</a:t>
             </a:r>
             <a:endParaRPr lang="en-US" dirty="0"/>
           </a:p>
         </p:txBody>
       </p:sp>
-      <p:pic>
-        <p:nvPicPr>
-          <p:cNvPr id="4" name="Content Placeholder 3"/>
-          <p:cNvPicPr>
-            <a:picLocks noGrp="1" noChangeAspect="1"/>
-          </p:cNvPicPr>
+      <p:sp>
+        <p:nvSpPr>
+          <p:cNvPr id="3" name="Content Placeholder 2"/>
+          <p:cNvSpPr>
+            <a:spLocks noGrp="1"/>
+          </p:cNvSpPr>
           <p:nvPr>
             <p:ph idx="1"/>
           </p:nvPr>
-        </p:nvPicPr>
-        <p:blipFill>
-          <a:blip r:embed="rId2">
-            <a:extLst>
-              <a:ext uri="{28A0092B-C50C-407E-A947-70E740481C1C}">
-                <a14:useLocalDpi xmlns:a14="http://schemas.microsoft.com/office/drawing/2010/main" val="0"/>
-              </a:ext>
-            </a:extLst>
-          </a:blip>
-          <a:stretch>
-            <a:fillRect/>
-          </a:stretch>
-        </p:blipFill>
-        <p:spPr>
-          <a:xfrm>
-            <a:off x="1390918" y="2110976"/>
-            <a:ext cx="9337183" cy="3851941"/>
-          </a:xfrm>
-        </p:spPr>
-      </p:pic>
+        </p:nvSpPr>
+        <p:spPr/>
+        <p:txBody>
+          <a:bodyPr>
+            <a:normAutofit/>
+          </a:bodyPr>
+          <a:lstStyle/>
+          <a:p>
+            <a:r>
+              <a:rPr lang="en-US" sz="2400" dirty="0" smtClean="0"/>
+              <a:t>Alpha set at .05</a:t>
+            </a:r>
+          </a:p>
+          <a:p>
+            <a:r>
+              <a:rPr lang="en-US" sz="2400" dirty="0"/>
+              <a:t>S</a:t>
+            </a:r>
+            <a:r>
+              <a:rPr lang="en-US" sz="2400" dirty="0" smtClean="0"/>
+              <a:t>ignificant price difference analysis about population.</a:t>
+            </a:r>
+          </a:p>
+          <a:p>
+            <a:endParaRPr lang="en-US" dirty="0" smtClean="0"/>
+          </a:p>
+          <a:p>
+            <a:r>
+              <a:rPr lang="en-US" b="1" dirty="0" smtClean="0"/>
+              <a:t>Central unit vs not a central unit</a:t>
+            </a:r>
+          </a:p>
+          <a:p>
+            <a:r>
+              <a:rPr lang="en-US" sz="1800" dirty="0" smtClean="0"/>
+              <a:t>P-value: </a:t>
+            </a:r>
+            <a:r>
+              <a:rPr lang="en-US" sz="1800" dirty="0" smtClean="0"/>
+              <a:t>0.010090621217186681 (</a:t>
+            </a:r>
+            <a:r>
+              <a:rPr lang="en-US" sz="1800" b="1" dirty="0" smtClean="0"/>
+              <a:t>Significant</a:t>
+            </a:r>
+            <a:r>
+              <a:rPr lang="en-US" sz="1800" dirty="0" smtClean="0"/>
+              <a:t>)</a:t>
+            </a:r>
+            <a:endParaRPr lang="en-US" sz="1800" dirty="0"/>
+          </a:p>
+          <a:p>
+            <a:r>
+              <a:rPr lang="en-US" b="1" dirty="0" smtClean="0"/>
+              <a:t>One story houses  vs Two story houses </a:t>
+            </a:r>
+          </a:p>
+          <a:p>
+            <a:r>
+              <a:rPr lang="en-US" sz="1800" dirty="0" smtClean="0"/>
+              <a:t>P-value: </a:t>
+            </a:r>
+            <a:r>
+              <a:rPr lang="en-US" sz="1800" dirty="0" smtClean="0"/>
+              <a:t>3.5535259636604621e-13 (</a:t>
+            </a:r>
+            <a:r>
+              <a:rPr lang="en-US" sz="1800" b="1" dirty="0" smtClean="0"/>
+              <a:t>Significant</a:t>
+            </a:r>
+            <a:r>
+              <a:rPr lang="en-US" sz="1800" dirty="0" smtClean="0"/>
+              <a:t>)</a:t>
+            </a:r>
+            <a:endParaRPr lang="en-US" sz="1800" dirty="0"/>
+          </a:p>
+          <a:p>
+            <a:r>
+              <a:rPr lang="en-US" b="1" dirty="0"/>
+              <a:t>G</a:t>
+            </a:r>
+            <a:r>
+              <a:rPr lang="en-US" b="1" dirty="0" smtClean="0"/>
+              <a:t>ood privacy fence vs minimum privacy fence</a:t>
+            </a:r>
+          </a:p>
+          <a:p>
+            <a:r>
+              <a:rPr lang="en-US" sz="1800" dirty="0" smtClean="0"/>
+              <a:t>P-value: </a:t>
+            </a:r>
+            <a:r>
+              <a:rPr lang="en-US" sz="1800" dirty="0" smtClean="0"/>
+              <a:t>0.37003494954970051 (</a:t>
+            </a:r>
+            <a:r>
+              <a:rPr lang="en-US" sz="1800" b="1" dirty="0" smtClean="0"/>
+              <a:t>Needs further research</a:t>
+            </a:r>
+            <a:r>
+              <a:rPr lang="en-US" sz="1800" dirty="0" smtClean="0"/>
+              <a:t>)</a:t>
+            </a:r>
+            <a:endParaRPr lang="en-US" sz="1800" dirty="0"/>
+          </a:p>
+        </p:txBody>
+      </p:sp>
     </p:spTree>
     <p:extLst>
       <p:ext uri="{BB962C8B-B14F-4D97-AF65-F5344CB8AC3E}">
-        <p14:creationId xmlns:p14="http://schemas.microsoft.com/office/powerpoint/2010/main" val="373677228"/>
+        <p14:creationId xmlns:p14="http://schemas.microsoft.com/office/powerpoint/2010/main" val="547648345"/>
       </p:ext>
     </p:extLst>
   </p:cSld>
@@ -6382,51 +6086,151 @@
             <p:ph type="title"/>
           </p:nvPr>
         </p:nvSpPr>
-        <p:spPr/>
-        <p:txBody>
-          <a:bodyPr/>
-          <a:lstStyle/>
-          <a:p>
-            <a:r>
-              <a:rPr lang="en-US" dirty="0"/>
-              <a:t>Exploratory Data Analysis</a:t>
-            </a:r>
-          </a:p>
-        </p:txBody>
-      </p:sp>
-      <p:pic>
-        <p:nvPicPr>
-          <p:cNvPr id="4" name="Content Placeholder 3"/>
-          <p:cNvPicPr>
-            <a:picLocks noGrp="1" noChangeAspect="1"/>
-          </p:cNvPicPr>
-          <p:nvPr>
-            <p:ph idx="1"/>
-          </p:nvPr>
-        </p:nvPicPr>
-        <p:blipFill>
-          <a:blip r:embed="rId2">
-            <a:extLst>
-              <a:ext uri="{28A0092B-C50C-407E-A947-70E740481C1C}">
-                <a14:useLocalDpi xmlns:a14="http://schemas.microsoft.com/office/drawing/2010/main" val="0"/>
-              </a:ext>
-            </a:extLst>
-          </a:blip>
-          <a:stretch>
-            <a:fillRect/>
-          </a:stretch>
-        </p:blipFill>
         <p:spPr>
           <a:xfrm>
-            <a:off x="1096963" y="1996224"/>
-            <a:ext cx="10058400" cy="3940937"/>
+            <a:off x="1097280" y="286604"/>
+            <a:ext cx="10058400" cy="1001284"/>
           </a:xfrm>
         </p:spPr>
-      </p:pic>
+        <p:txBody>
+          <a:bodyPr/>
+          <a:lstStyle/>
+          <a:p>
+            <a:r>
+              <a:rPr lang="en-US" dirty="0" smtClean="0"/>
+              <a:t>Data Challenges</a:t>
+            </a:r>
+            <a:endParaRPr lang="en-US" dirty="0"/>
+          </a:p>
+        </p:txBody>
+      </p:sp>
+      <p:sp>
+        <p:nvSpPr>
+          <p:cNvPr id="3" name="Content Placeholder 2"/>
+          <p:cNvSpPr>
+            <a:spLocks noGrp="1"/>
+          </p:cNvSpPr>
+          <p:nvPr>
+            <p:ph idx="1"/>
+          </p:nvPr>
+        </p:nvSpPr>
+        <p:spPr>
+          <a:xfrm>
+            <a:off x="1241523" y="1750238"/>
+            <a:ext cx="10058400" cy="4023360"/>
+          </a:xfrm>
+        </p:spPr>
+        <p:txBody>
+          <a:bodyPr/>
+          <a:lstStyle/>
+          <a:p>
+            <a:pPr marL="0" indent="0">
+              <a:buNone/>
+            </a:pPr>
+            <a:r>
+              <a:rPr lang="en-US" sz="2400" b="1" dirty="0" smtClean="0"/>
+              <a:t>Missing Data</a:t>
+            </a:r>
+          </a:p>
+          <a:p>
+            <a:pPr>
+              <a:buFont typeface="Arial" panose="020B0604020202020204" pitchFamily="34" charset="0"/>
+              <a:buChar char="•"/>
+            </a:pPr>
+            <a:r>
+              <a:rPr lang="en-US" dirty="0"/>
+              <a:t> </a:t>
+            </a:r>
+            <a:r>
+              <a:rPr lang="en-US" dirty="0" smtClean="0"/>
+              <a:t>N/A Values</a:t>
+            </a:r>
+          </a:p>
+          <a:p>
+            <a:pPr marL="0" indent="0">
+              <a:buNone/>
+            </a:pPr>
+            <a:r>
+              <a:rPr lang="en-US" sz="2400" b="1" dirty="0" smtClean="0"/>
+              <a:t>Corrupted Data</a:t>
+            </a:r>
+          </a:p>
+          <a:p>
+            <a:pPr>
+              <a:buFont typeface="Arial" panose="020B0604020202020204" pitchFamily="34" charset="0"/>
+              <a:buChar char="•"/>
+            </a:pPr>
+            <a:r>
+              <a:rPr lang="en-US" dirty="0"/>
+              <a:t> </a:t>
+            </a:r>
+            <a:r>
+              <a:rPr lang="en-US" dirty="0" smtClean="0"/>
+              <a:t>Present as (-999) values</a:t>
+            </a:r>
+          </a:p>
+          <a:p>
+            <a:pPr marL="0" indent="0">
+              <a:buNone/>
+            </a:pPr>
+            <a:r>
+              <a:rPr lang="en-US" sz="2400" b="1" dirty="0" smtClean="0"/>
+              <a:t>Categorical to Numerical</a:t>
+            </a:r>
+          </a:p>
+          <a:p>
+            <a:pPr>
+              <a:buFont typeface="Arial" panose="020B0604020202020204" pitchFamily="34" charset="0"/>
+              <a:buChar char="•"/>
+            </a:pPr>
+            <a:r>
+              <a:rPr lang="en-US" dirty="0" smtClean="0"/>
+              <a:t> Transforming values to be able to use in predictive model(</a:t>
+            </a:r>
+            <a:r>
+              <a:rPr lang="en-US" dirty="0" err="1" smtClean="0"/>
+              <a:t>scikit</a:t>
+            </a:r>
+            <a:r>
+              <a:rPr lang="en-US" dirty="0" smtClean="0"/>
+              <a:t>-learn)</a:t>
+            </a:r>
+          </a:p>
+          <a:p>
+            <a:pPr marL="0" indent="0">
+              <a:buNone/>
+            </a:pPr>
+            <a:r>
+              <a:rPr lang="en-US" sz="2400" b="1" dirty="0" smtClean="0"/>
+              <a:t>Fixed Values</a:t>
+            </a:r>
+          </a:p>
+          <a:p>
+            <a:pPr>
+              <a:buFont typeface="Arial" panose="020B0604020202020204" pitchFamily="34" charset="0"/>
+              <a:buChar char="•"/>
+            </a:pPr>
+            <a:r>
+              <a:rPr lang="en-US" dirty="0"/>
+              <a:t> </a:t>
+            </a:r>
+            <a:r>
+              <a:rPr lang="en-US" dirty="0" smtClean="0"/>
+              <a:t>Mean, Median, Mode, and dummy variables indexing(from train to test)</a:t>
+            </a:r>
+          </a:p>
+          <a:p>
+            <a:endParaRPr lang="en-US" dirty="0"/>
+          </a:p>
+          <a:p>
+            <a:endParaRPr lang="en-US" dirty="0"/>
+          </a:p>
+        </p:txBody>
+      </p:sp>
     </p:spTree>
     <p:extLst>
       <p:ext uri="{BB962C8B-B14F-4D97-AF65-F5344CB8AC3E}">
-        <p14:creationId xmlns:p14="http://schemas.microsoft.com/office/powerpoint/2010/main" val="1387579563"/>
+        <p14:creationId xmlns:p14="http://schemas.microsoft.com/office/powerpoint/2010/main" val="1409867184"/>
       </p:ext>
     </p:extLst>
   </p:cSld>
@@ -6470,51 +6274,185 @@
             <p:ph type="title"/>
           </p:nvPr>
         </p:nvSpPr>
-        <p:spPr/>
-        <p:txBody>
-          <a:bodyPr/>
-          <a:lstStyle/>
-          <a:p>
-            <a:r>
-              <a:rPr lang="en-US" dirty="0"/>
-              <a:t>Exploratory Data Analysis</a:t>
-            </a:r>
-          </a:p>
-        </p:txBody>
-      </p:sp>
-      <p:pic>
-        <p:nvPicPr>
-          <p:cNvPr id="4" name="Content Placeholder 3"/>
-          <p:cNvPicPr>
-            <a:picLocks noGrp="1" noChangeAspect="1"/>
-          </p:cNvPicPr>
-          <p:nvPr>
-            <p:ph idx="1"/>
-          </p:nvPr>
-        </p:nvPicPr>
-        <p:blipFill>
-          <a:blip r:embed="rId2">
-            <a:extLst>
-              <a:ext uri="{28A0092B-C50C-407E-A947-70E740481C1C}">
-                <a14:useLocalDpi xmlns:a14="http://schemas.microsoft.com/office/drawing/2010/main" val="0"/>
-              </a:ext>
-            </a:extLst>
-          </a:blip>
-          <a:stretch>
-            <a:fillRect/>
-          </a:stretch>
-        </p:blipFill>
         <p:spPr>
           <a:xfrm>
-            <a:off x="1097280" y="2110977"/>
-            <a:ext cx="10058400" cy="3890578"/>
+            <a:off x="1097280" y="286603"/>
+            <a:ext cx="10058400" cy="833859"/>
           </a:xfrm>
         </p:spPr>
-      </p:pic>
+        <p:txBody>
+          <a:bodyPr/>
+          <a:lstStyle/>
+          <a:p>
+            <a:r>
+              <a:rPr lang="en-US" dirty="0" smtClean="0"/>
+              <a:t>Technology</a:t>
+            </a:r>
+            <a:endParaRPr lang="en-US" dirty="0"/>
+          </a:p>
+        </p:txBody>
+      </p:sp>
+      <p:sp>
+        <p:nvSpPr>
+          <p:cNvPr id="3" name="Content Placeholder 2"/>
+          <p:cNvSpPr>
+            <a:spLocks noGrp="1"/>
+          </p:cNvSpPr>
+          <p:nvPr>
+            <p:ph idx="1"/>
+          </p:nvPr>
+        </p:nvSpPr>
+        <p:spPr>
+          <a:xfrm>
+            <a:off x="1097280" y="1845734"/>
+            <a:ext cx="10058400" cy="4400520"/>
+          </a:xfrm>
+        </p:spPr>
+        <p:txBody>
+          <a:bodyPr>
+            <a:normAutofit fontScale="25000" lnSpcReduction="20000"/>
+          </a:bodyPr>
+          <a:lstStyle/>
+          <a:p>
+            <a:pPr marL="0" indent="0">
+              <a:buNone/>
+            </a:pPr>
+            <a:r>
+              <a:rPr lang="en-US" sz="8000" b="1" u="sng" dirty="0" smtClean="0"/>
+              <a:t>Pandas</a:t>
+            </a:r>
+          </a:p>
+          <a:p>
+            <a:pPr>
+              <a:buFont typeface="Arial" panose="020B0604020202020204" pitchFamily="34" charset="0"/>
+              <a:buChar char="•"/>
+            </a:pPr>
+            <a:r>
+              <a:rPr lang="en-US" sz="6400" dirty="0" smtClean="0"/>
+              <a:t>To open and merge files</a:t>
+            </a:r>
+          </a:p>
+          <a:p>
+            <a:pPr>
+              <a:buFont typeface="Arial" panose="020B0604020202020204" pitchFamily="34" charset="0"/>
+              <a:buChar char="•"/>
+            </a:pPr>
+            <a:r>
+              <a:rPr lang="en-US" sz="6400" dirty="0" smtClean="0"/>
+              <a:t>To filter and drop cells</a:t>
+            </a:r>
+          </a:p>
+          <a:p>
+            <a:pPr>
+              <a:buFont typeface="Arial" panose="020B0604020202020204" pitchFamily="34" charset="0"/>
+              <a:buChar char="•"/>
+            </a:pPr>
+            <a:r>
+              <a:rPr lang="en-US" sz="6400" dirty="0" smtClean="0"/>
+              <a:t>To group by cells</a:t>
+            </a:r>
+          </a:p>
+          <a:p>
+            <a:pPr>
+              <a:buFont typeface="Arial" panose="020B0604020202020204" pitchFamily="34" charset="0"/>
+              <a:buChar char="•"/>
+            </a:pPr>
+            <a:r>
+              <a:rPr lang="en-US" sz="6400" dirty="0" smtClean="0"/>
+              <a:t>Etc..</a:t>
+            </a:r>
+          </a:p>
+          <a:p>
+            <a:pPr marL="0" indent="0">
+              <a:buNone/>
+            </a:pPr>
+            <a:r>
+              <a:rPr lang="en-US" sz="8000" b="1" u="sng" dirty="0" err="1" smtClean="0"/>
+              <a:t>Numpy</a:t>
+            </a:r>
+            <a:endParaRPr lang="en-US" sz="8000" b="1" u="sng" dirty="0" smtClean="0"/>
+          </a:p>
+          <a:p>
+            <a:pPr>
+              <a:buFont typeface="Arial" panose="020B0604020202020204" pitchFamily="34" charset="0"/>
+              <a:buChar char="•"/>
+            </a:pPr>
+            <a:r>
+              <a:rPr lang="en-US" sz="6400" dirty="0" smtClean="0"/>
+              <a:t>To fill in Not a number values(</a:t>
+            </a:r>
+            <a:r>
+              <a:rPr lang="en-US" sz="6400" dirty="0" err="1" smtClean="0"/>
+              <a:t>NaN</a:t>
+            </a:r>
+            <a:r>
+              <a:rPr lang="en-US" sz="6400" dirty="0" smtClean="0"/>
+              <a:t>)</a:t>
+            </a:r>
+          </a:p>
+          <a:p>
+            <a:pPr>
+              <a:buFont typeface="Arial" panose="020B0604020202020204" pitchFamily="34" charset="0"/>
+              <a:buChar char="•"/>
+            </a:pPr>
+            <a:r>
+              <a:rPr lang="en-US" sz="6400" dirty="0" smtClean="0"/>
+              <a:t>Etc..</a:t>
+            </a:r>
+          </a:p>
+          <a:p>
+            <a:pPr marL="0" indent="0">
+              <a:buNone/>
+            </a:pPr>
+            <a:r>
+              <a:rPr lang="en-US" sz="8000" b="1" u="sng" dirty="0" err="1" smtClean="0"/>
+              <a:t>Datetime</a:t>
+            </a:r>
+            <a:endParaRPr lang="en-US" sz="8000" b="1" u="sng" dirty="0" smtClean="0"/>
+          </a:p>
+          <a:p>
+            <a:pPr>
+              <a:buFont typeface="Arial" panose="020B0604020202020204" pitchFamily="34" charset="0"/>
+              <a:buChar char="•"/>
+            </a:pPr>
+            <a:r>
+              <a:rPr lang="en-US" sz="6400" dirty="0" smtClean="0"/>
+              <a:t>To fix and edit date times</a:t>
+            </a:r>
+          </a:p>
+          <a:p>
+            <a:pPr marL="0" indent="0">
+              <a:buNone/>
+            </a:pPr>
+            <a:r>
+              <a:rPr lang="en-US" sz="8000" b="1" u="sng" dirty="0" err="1" smtClean="0"/>
+              <a:t>Scipy</a:t>
+            </a:r>
+            <a:endParaRPr lang="en-US" sz="8000" b="1" u="sng" dirty="0" smtClean="0"/>
+          </a:p>
+          <a:p>
+            <a:pPr>
+              <a:buFont typeface="Arial" panose="020B0604020202020204" pitchFamily="34" charset="0"/>
+              <a:buChar char="•"/>
+            </a:pPr>
+            <a:r>
+              <a:rPr lang="en-US" sz="6400" dirty="0" smtClean="0"/>
+              <a:t>T-test for inferential analysis</a:t>
+            </a:r>
+          </a:p>
+          <a:p>
+            <a:pPr>
+              <a:buFont typeface="Arial" panose="020B0604020202020204" pitchFamily="34" charset="0"/>
+              <a:buChar char="•"/>
+            </a:pPr>
+            <a:endParaRPr lang="en-US" dirty="0"/>
+          </a:p>
+        </p:txBody>
+      </p:sp>
     </p:spTree>
     <p:extLst>
       <p:ext uri="{BB962C8B-B14F-4D97-AF65-F5344CB8AC3E}">
-        <p14:creationId xmlns:p14="http://schemas.microsoft.com/office/powerpoint/2010/main" val="2075660579"/>
+        <p14:creationId xmlns:p14="http://schemas.microsoft.com/office/powerpoint/2010/main" val="581469329"/>
       </p:ext>
     </p:extLst>
   </p:cSld>
